--- a/自分用メモ.pptx
+++ b/自分用メモ.pptx
@@ -5,12 +5,14 @@
     <p:sldMasterId id="2147483648" r:id="rId1"/>
   </p:sldMasterIdLst>
   <p:notesMasterIdLst>
-    <p:notesMasterId r:id="rId5"/>
+    <p:notesMasterId r:id="rId7"/>
   </p:notesMasterIdLst>
   <p:sldIdLst>
     <p:sldId id="256" r:id="rId2"/>
     <p:sldId id="257" r:id="rId3"/>
-    <p:sldId id="258" r:id="rId4"/>
+    <p:sldId id="259" r:id="rId4"/>
+    <p:sldId id="258" r:id="rId5"/>
+    <p:sldId id="260" r:id="rId6"/>
   </p:sldIdLst>
   <p:sldSz cx="12192000" cy="6858000"/>
   <p:notesSz cx="6858000" cy="9144000"/>
@@ -199,7 +201,7 @@
           <a:p>
             <a:fld id="{A328F511-679E-484E-B8E5-2C1D69774027}" type="datetimeFigureOut">
               <a:rPr kumimoji="1" lang="ja-JP" altLang="en-US" smtClean="0"/>
-              <a:t>2023/1/3</a:t>
+              <a:t>2023/1/10</a:t>
             </a:fld>
             <a:endParaRPr kumimoji="1" lang="ja-JP" altLang="en-US"/>
           </a:p>
@@ -645,7 +647,7 @@
           <a:p>
             <a:fld id="{A4D43078-1B0D-47BB-9ECB-AD743DDD2CE9}" type="datetimeFigureOut">
               <a:rPr kumimoji="1" lang="ja-JP" altLang="en-US" smtClean="0"/>
-              <a:t>2023/1/3</a:t>
+              <a:t>2023/1/10</a:t>
             </a:fld>
             <a:endParaRPr kumimoji="1" lang="ja-JP" altLang="en-US"/>
           </a:p>
@@ -875,7 +877,7 @@
           <a:p>
             <a:fld id="{A4D43078-1B0D-47BB-9ECB-AD743DDD2CE9}" type="datetimeFigureOut">
               <a:rPr kumimoji="1" lang="ja-JP" altLang="en-US" smtClean="0"/>
-              <a:t>2023/1/3</a:t>
+              <a:t>2023/1/10</a:t>
             </a:fld>
             <a:endParaRPr kumimoji="1" lang="ja-JP" altLang="en-US"/>
           </a:p>
@@ -1115,7 +1117,7 @@
           <a:p>
             <a:fld id="{A4D43078-1B0D-47BB-9ECB-AD743DDD2CE9}" type="datetimeFigureOut">
               <a:rPr kumimoji="1" lang="ja-JP" altLang="en-US" smtClean="0"/>
-              <a:t>2023/1/3</a:t>
+              <a:t>2023/1/10</a:t>
             </a:fld>
             <a:endParaRPr kumimoji="1" lang="ja-JP" altLang="en-US"/>
           </a:p>
@@ -1345,7 +1347,7 @@
           <a:p>
             <a:fld id="{A4D43078-1B0D-47BB-9ECB-AD743DDD2CE9}" type="datetimeFigureOut">
               <a:rPr kumimoji="1" lang="ja-JP" altLang="en-US" smtClean="0"/>
-              <a:t>2023/1/3</a:t>
+              <a:t>2023/1/10</a:t>
             </a:fld>
             <a:endParaRPr kumimoji="1" lang="ja-JP" altLang="en-US"/>
           </a:p>
@@ -1620,7 +1622,7 @@
           <a:p>
             <a:fld id="{A4D43078-1B0D-47BB-9ECB-AD743DDD2CE9}" type="datetimeFigureOut">
               <a:rPr kumimoji="1" lang="ja-JP" altLang="en-US" smtClean="0"/>
-              <a:t>2023/1/3</a:t>
+              <a:t>2023/1/10</a:t>
             </a:fld>
             <a:endParaRPr kumimoji="1" lang="ja-JP" altLang="en-US"/>
           </a:p>
@@ -1949,7 +1951,7 @@
           <a:p>
             <a:fld id="{A4D43078-1B0D-47BB-9ECB-AD743DDD2CE9}" type="datetimeFigureOut">
               <a:rPr kumimoji="1" lang="ja-JP" altLang="en-US" smtClean="0"/>
-              <a:t>2023/1/3</a:t>
+              <a:t>2023/1/10</a:t>
             </a:fld>
             <a:endParaRPr kumimoji="1" lang="ja-JP" altLang="en-US"/>
           </a:p>
@@ -2425,7 +2427,7 @@
           <a:p>
             <a:fld id="{A4D43078-1B0D-47BB-9ECB-AD743DDD2CE9}" type="datetimeFigureOut">
               <a:rPr kumimoji="1" lang="ja-JP" altLang="en-US" smtClean="0"/>
-              <a:t>2023/1/3</a:t>
+              <a:t>2023/1/10</a:t>
             </a:fld>
             <a:endParaRPr kumimoji="1" lang="ja-JP" altLang="en-US"/>
           </a:p>
@@ -2566,7 +2568,7 @@
           <a:p>
             <a:fld id="{A4D43078-1B0D-47BB-9ECB-AD743DDD2CE9}" type="datetimeFigureOut">
               <a:rPr kumimoji="1" lang="ja-JP" altLang="en-US" smtClean="0"/>
-              <a:t>2023/1/3</a:t>
+              <a:t>2023/1/10</a:t>
             </a:fld>
             <a:endParaRPr kumimoji="1" lang="ja-JP" altLang="en-US"/>
           </a:p>
@@ -2679,7 +2681,7 @@
           <a:p>
             <a:fld id="{A4D43078-1B0D-47BB-9ECB-AD743DDD2CE9}" type="datetimeFigureOut">
               <a:rPr kumimoji="1" lang="ja-JP" altLang="en-US" smtClean="0"/>
-              <a:t>2023/1/3</a:t>
+              <a:t>2023/1/10</a:t>
             </a:fld>
             <a:endParaRPr kumimoji="1" lang="ja-JP" altLang="en-US"/>
           </a:p>
@@ -3022,7 +3024,7 @@
           <a:p>
             <a:fld id="{A4D43078-1B0D-47BB-9ECB-AD743DDD2CE9}" type="datetimeFigureOut">
               <a:rPr kumimoji="1" lang="ja-JP" altLang="en-US" smtClean="0"/>
-              <a:t>2023/1/3</a:t>
+              <a:t>2023/1/10</a:t>
             </a:fld>
             <a:endParaRPr kumimoji="1" lang="ja-JP" altLang="en-US"/>
           </a:p>
@@ -3310,7 +3312,7 @@
           <a:p>
             <a:fld id="{A4D43078-1B0D-47BB-9ECB-AD743DDD2CE9}" type="datetimeFigureOut">
               <a:rPr kumimoji="1" lang="ja-JP" altLang="en-US" smtClean="0"/>
-              <a:t>2023/1/3</a:t>
+              <a:t>2023/1/10</a:t>
             </a:fld>
             <a:endParaRPr kumimoji="1" lang="ja-JP" altLang="en-US"/>
           </a:p>
@@ -3583,7 +3585,7 @@
           <a:p>
             <a:fld id="{A4D43078-1B0D-47BB-9ECB-AD743DDD2CE9}" type="datetimeFigureOut">
               <a:rPr kumimoji="1" lang="ja-JP" altLang="en-US" smtClean="0"/>
-              <a:t>2023/1/3</a:t>
+              <a:t>2023/1/10</a:t>
             </a:fld>
             <a:endParaRPr kumimoji="1" lang="ja-JP" altLang="en-US"/>
           </a:p>
@@ -5505,6 +5507,568 @@
       </p:grpSpPr>
       <p:sp>
         <p:nvSpPr>
+          <p:cNvPr id="5" name="テキスト ボックス 4">
+            <a:extLst>
+              <a:ext uri="{FF2B5EF4-FFF2-40B4-BE49-F238E27FC236}">
+                <a16:creationId xmlns:a16="http://schemas.microsoft.com/office/drawing/2014/main" id="{4F72FFEF-82A8-1A13-3B2B-3DED2DB4CA97}"/>
+              </a:ext>
+            </a:extLst>
+          </p:cNvPr>
+          <p:cNvSpPr txBox="1"/>
+          <p:nvPr/>
+        </p:nvSpPr>
+        <p:spPr>
+          <a:xfrm>
+            <a:off x="145649" y="171160"/>
+            <a:ext cx="2375065" cy="461665"/>
+          </a:xfrm>
+          <a:prstGeom prst="rect">
+            <a:avLst/>
+          </a:prstGeom>
+          <a:noFill/>
+        </p:spPr>
+        <p:txBody>
+          <a:bodyPr wrap="square" rtlCol="0">
+            <a:spAutoFit/>
+          </a:bodyPr>
+          <a:lstStyle/>
+          <a:p>
+            <a:r>
+              <a:rPr kumimoji="1" lang="ja-JP" altLang="en-US" sz="2400" dirty="0"/>
+              <a:t>情報の計算方法</a:t>
+            </a:r>
+          </a:p>
+        </p:txBody>
+      </p:sp>
+      <p:sp>
+        <p:nvSpPr>
+          <p:cNvPr id="4" name="テキスト ボックス 3">
+            <a:extLst>
+              <a:ext uri="{FF2B5EF4-FFF2-40B4-BE49-F238E27FC236}">
+                <a16:creationId xmlns:a16="http://schemas.microsoft.com/office/drawing/2014/main" id="{D2909C48-6006-F758-5206-57B288B84234}"/>
+              </a:ext>
+            </a:extLst>
+          </p:cNvPr>
+          <p:cNvSpPr txBox="1"/>
+          <p:nvPr/>
+        </p:nvSpPr>
+        <p:spPr>
+          <a:xfrm>
+            <a:off x="6234546" y="546265"/>
+            <a:ext cx="4572000" cy="646331"/>
+          </a:xfrm>
+          <a:prstGeom prst="rect">
+            <a:avLst/>
+          </a:prstGeom>
+          <a:noFill/>
+        </p:spPr>
+        <p:txBody>
+          <a:bodyPr wrap="square" rtlCol="0">
+            <a:spAutoFit/>
+          </a:bodyPr>
+          <a:lstStyle/>
+          <a:p>
+            <a:r>
+              <a:rPr kumimoji="1" lang="ja-JP" altLang="en-US" dirty="0"/>
+              <a:t>接触地点で送りあう情報</a:t>
+            </a:r>
+            <a:endParaRPr kumimoji="1" lang="en-US" altLang="ja-JP" dirty="0"/>
+          </a:p>
+          <a:p>
+            <a:endParaRPr kumimoji="1" lang="ja-JP" altLang="en-US" dirty="0"/>
+          </a:p>
+        </p:txBody>
+      </p:sp>
+      <p:sp>
+        <p:nvSpPr>
+          <p:cNvPr id="2" name="正方形/長方形 1">
+            <a:extLst>
+              <a:ext uri="{FF2B5EF4-FFF2-40B4-BE49-F238E27FC236}">
+                <a16:creationId xmlns:a16="http://schemas.microsoft.com/office/drawing/2014/main" id="{0B451664-165A-9747-4030-79D1AD18B100}"/>
+              </a:ext>
+            </a:extLst>
+          </p:cNvPr>
+          <p:cNvSpPr/>
+          <p:nvPr/>
+        </p:nvSpPr>
+        <p:spPr>
+          <a:xfrm>
+            <a:off x="1603257" y="2476064"/>
+            <a:ext cx="1710046" cy="902407"/>
+          </a:xfrm>
+          <a:prstGeom prst="rect">
+            <a:avLst/>
+          </a:prstGeom>
+          <a:noFill/>
+        </p:spPr>
+        <p:style>
+          <a:lnRef idx="2">
+            <a:schemeClr val="accent1">
+              <a:shade val="50000"/>
+            </a:schemeClr>
+          </a:lnRef>
+          <a:fillRef idx="1">
+            <a:schemeClr val="accent1"/>
+          </a:fillRef>
+          <a:effectRef idx="0">
+            <a:schemeClr val="accent1"/>
+          </a:effectRef>
+          <a:fontRef idx="minor">
+            <a:schemeClr val="lt1"/>
+          </a:fontRef>
+        </p:style>
+        <p:txBody>
+          <a:bodyPr rtlCol="0" anchor="ctr"/>
+          <a:lstStyle/>
+          <a:p>
+            <a:pPr algn="ctr"/>
+            <a:endParaRPr kumimoji="1" lang="ja-JP" altLang="en-US"/>
+          </a:p>
+        </p:txBody>
+      </p:sp>
+      <p:sp>
+        <p:nvSpPr>
+          <p:cNvPr id="3" name="正方形/長方形 2">
+            <a:extLst>
+              <a:ext uri="{FF2B5EF4-FFF2-40B4-BE49-F238E27FC236}">
+                <a16:creationId xmlns:a16="http://schemas.microsoft.com/office/drawing/2014/main" id="{10138820-3A35-1887-9EF4-E3B2F40465EF}"/>
+              </a:ext>
+            </a:extLst>
+          </p:cNvPr>
+          <p:cNvSpPr/>
+          <p:nvPr/>
+        </p:nvSpPr>
+        <p:spPr>
+          <a:xfrm>
+            <a:off x="392062" y="3431998"/>
+            <a:ext cx="4132436" cy="599646"/>
+          </a:xfrm>
+          <a:prstGeom prst="rect">
+            <a:avLst/>
+          </a:prstGeom>
+          <a:noFill/>
+        </p:spPr>
+        <p:style>
+          <a:lnRef idx="2">
+            <a:schemeClr val="accent1">
+              <a:shade val="50000"/>
+            </a:schemeClr>
+          </a:lnRef>
+          <a:fillRef idx="1">
+            <a:schemeClr val="accent1"/>
+          </a:fillRef>
+          <a:effectRef idx="0">
+            <a:schemeClr val="accent1"/>
+          </a:effectRef>
+          <a:fontRef idx="minor">
+            <a:schemeClr val="lt1"/>
+          </a:fontRef>
+        </p:style>
+        <p:txBody>
+          <a:bodyPr rtlCol="0" anchor="ctr"/>
+          <a:lstStyle/>
+          <a:p>
+            <a:pPr algn="ctr"/>
+            <a:endParaRPr kumimoji="1" lang="ja-JP" altLang="en-US"/>
+          </a:p>
+        </p:txBody>
+      </p:sp>
+      <p:cxnSp>
+        <p:nvCxnSpPr>
+          <p:cNvPr id="7" name="直線矢印コネクタ 6">
+            <a:extLst>
+              <a:ext uri="{FF2B5EF4-FFF2-40B4-BE49-F238E27FC236}">
+                <a16:creationId xmlns:a16="http://schemas.microsoft.com/office/drawing/2014/main" id="{8A447610-E820-ED76-3D03-CE0F042FAFA7}"/>
+              </a:ext>
+            </a:extLst>
+          </p:cNvPr>
+          <p:cNvCxnSpPr>
+            <a:cxnSpLocks/>
+          </p:cNvCxnSpPr>
+          <p:nvPr/>
+        </p:nvCxnSpPr>
+        <p:spPr>
+          <a:xfrm>
+            <a:off x="1413164" y="2929523"/>
+            <a:ext cx="190093" cy="451204"/>
+          </a:xfrm>
+          <a:prstGeom prst="straightConnector1">
+            <a:avLst/>
+          </a:prstGeom>
+          <a:ln>
+            <a:tailEnd type="triangle"/>
+          </a:ln>
+        </p:spPr>
+        <p:style>
+          <a:lnRef idx="1">
+            <a:schemeClr val="accent1"/>
+          </a:lnRef>
+          <a:fillRef idx="0">
+            <a:schemeClr val="accent1"/>
+          </a:fillRef>
+          <a:effectRef idx="0">
+            <a:schemeClr val="accent1"/>
+          </a:effectRef>
+          <a:fontRef idx="minor">
+            <a:schemeClr val="tx1"/>
+          </a:fontRef>
+        </p:style>
+      </p:cxnSp>
+      <p:sp>
+        <p:nvSpPr>
+          <p:cNvPr id="9" name="テキスト ボックス 8">
+            <a:extLst>
+              <a:ext uri="{FF2B5EF4-FFF2-40B4-BE49-F238E27FC236}">
+                <a16:creationId xmlns:a16="http://schemas.microsoft.com/office/drawing/2014/main" id="{16B4C829-E399-3382-E62B-F84F845B0FE8}"/>
+              </a:ext>
+            </a:extLst>
+          </p:cNvPr>
+          <p:cNvSpPr txBox="1"/>
+          <p:nvPr/>
+        </p:nvSpPr>
+        <p:spPr>
+          <a:xfrm>
+            <a:off x="344385" y="2561134"/>
+            <a:ext cx="1508166" cy="639932"/>
+          </a:xfrm>
+          <a:prstGeom prst="rect">
+            <a:avLst/>
+          </a:prstGeom>
+          <a:noFill/>
+        </p:spPr>
+        <p:txBody>
+          <a:bodyPr wrap="square" rtlCol="0">
+            <a:spAutoFit/>
+          </a:bodyPr>
+          <a:lstStyle/>
+          <a:p>
+            <a:r>
+              <a:rPr kumimoji="1" lang="en-US" altLang="ja-JP" dirty="0"/>
+              <a:t>trigger</a:t>
+            </a:r>
+            <a:r>
+              <a:rPr kumimoji="1" lang="ja-JP" altLang="en-US" dirty="0"/>
+              <a:t>接触</a:t>
+            </a:r>
+            <a:endParaRPr kumimoji="1" lang="en-US" altLang="ja-JP" dirty="0"/>
+          </a:p>
+          <a:p>
+            <a:r>
+              <a:rPr kumimoji="1" lang="ja-JP" altLang="en-US" dirty="0"/>
+              <a:t>（一点）</a:t>
+            </a:r>
+          </a:p>
+        </p:txBody>
+      </p:sp>
+      <p:sp>
+        <p:nvSpPr>
+          <p:cNvPr id="10" name="正方形/長方形 9">
+            <a:extLst>
+              <a:ext uri="{FF2B5EF4-FFF2-40B4-BE49-F238E27FC236}">
+                <a16:creationId xmlns:a16="http://schemas.microsoft.com/office/drawing/2014/main" id="{B2C2D60F-E6EB-13D0-9540-33C10471ADA8}"/>
+              </a:ext>
+            </a:extLst>
+          </p:cNvPr>
+          <p:cNvSpPr/>
+          <p:nvPr/>
+        </p:nvSpPr>
+        <p:spPr>
+          <a:xfrm>
+            <a:off x="1603257" y="4459243"/>
+            <a:ext cx="1710046" cy="902407"/>
+          </a:xfrm>
+          <a:prstGeom prst="rect">
+            <a:avLst/>
+          </a:prstGeom>
+          <a:noFill/>
+        </p:spPr>
+        <p:style>
+          <a:lnRef idx="2">
+            <a:schemeClr val="accent1">
+              <a:shade val="50000"/>
+            </a:schemeClr>
+          </a:lnRef>
+          <a:fillRef idx="1">
+            <a:schemeClr val="accent1"/>
+          </a:fillRef>
+          <a:effectRef idx="0">
+            <a:schemeClr val="accent1"/>
+          </a:effectRef>
+          <a:fontRef idx="minor">
+            <a:schemeClr val="lt1"/>
+          </a:fontRef>
+        </p:style>
+        <p:txBody>
+          <a:bodyPr rtlCol="0" anchor="ctr"/>
+          <a:lstStyle/>
+          <a:p>
+            <a:pPr algn="ctr"/>
+            <a:endParaRPr kumimoji="1" lang="ja-JP" altLang="en-US"/>
+          </a:p>
+        </p:txBody>
+      </p:sp>
+      <p:sp>
+        <p:nvSpPr>
+          <p:cNvPr id="11" name="正方形/長方形 10">
+            <a:extLst>
+              <a:ext uri="{FF2B5EF4-FFF2-40B4-BE49-F238E27FC236}">
+                <a16:creationId xmlns:a16="http://schemas.microsoft.com/office/drawing/2014/main" id="{643143D7-9023-3B9B-C523-8BB74DEB475E}"/>
+              </a:ext>
+            </a:extLst>
+          </p:cNvPr>
+          <p:cNvSpPr/>
+          <p:nvPr/>
+        </p:nvSpPr>
+        <p:spPr>
+          <a:xfrm>
+            <a:off x="392062" y="5415177"/>
+            <a:ext cx="4132436" cy="599646"/>
+          </a:xfrm>
+          <a:prstGeom prst="rect">
+            <a:avLst/>
+          </a:prstGeom>
+          <a:noFill/>
+        </p:spPr>
+        <p:style>
+          <a:lnRef idx="2">
+            <a:schemeClr val="accent1">
+              <a:shade val="50000"/>
+            </a:schemeClr>
+          </a:lnRef>
+          <a:fillRef idx="1">
+            <a:schemeClr val="accent1"/>
+          </a:fillRef>
+          <a:effectRef idx="0">
+            <a:schemeClr val="accent1"/>
+          </a:effectRef>
+          <a:fontRef idx="minor">
+            <a:schemeClr val="lt1"/>
+          </a:fontRef>
+        </p:style>
+        <p:txBody>
+          <a:bodyPr rtlCol="0" anchor="ctr"/>
+          <a:lstStyle/>
+          <a:p>
+            <a:pPr algn="ctr"/>
+            <a:endParaRPr kumimoji="1" lang="ja-JP" altLang="en-US"/>
+          </a:p>
+        </p:txBody>
+      </p:sp>
+      <p:cxnSp>
+        <p:nvCxnSpPr>
+          <p:cNvPr id="12" name="直線矢印コネクタ 11">
+            <a:extLst>
+              <a:ext uri="{FF2B5EF4-FFF2-40B4-BE49-F238E27FC236}">
+                <a16:creationId xmlns:a16="http://schemas.microsoft.com/office/drawing/2014/main" id="{AD09357F-3BE3-29EA-F317-215A50CE79D4}"/>
+              </a:ext>
+            </a:extLst>
+          </p:cNvPr>
+          <p:cNvCxnSpPr>
+            <a:cxnSpLocks/>
+          </p:cNvCxnSpPr>
+          <p:nvPr/>
+        </p:nvCxnSpPr>
+        <p:spPr>
+          <a:xfrm>
+            <a:off x="1413164" y="4912702"/>
+            <a:ext cx="190093" cy="451204"/>
+          </a:xfrm>
+          <a:prstGeom prst="straightConnector1">
+            <a:avLst/>
+          </a:prstGeom>
+          <a:ln>
+            <a:tailEnd type="triangle"/>
+          </a:ln>
+        </p:spPr>
+        <p:style>
+          <a:lnRef idx="1">
+            <a:schemeClr val="accent1"/>
+          </a:lnRef>
+          <a:fillRef idx="0">
+            <a:schemeClr val="accent1"/>
+          </a:fillRef>
+          <a:effectRef idx="0">
+            <a:schemeClr val="accent1"/>
+          </a:effectRef>
+          <a:fontRef idx="minor">
+            <a:schemeClr val="tx1"/>
+          </a:fontRef>
+        </p:style>
+      </p:cxnSp>
+      <p:sp>
+        <p:nvSpPr>
+          <p:cNvPr id="13" name="テキスト ボックス 12">
+            <a:extLst>
+              <a:ext uri="{FF2B5EF4-FFF2-40B4-BE49-F238E27FC236}">
+                <a16:creationId xmlns:a16="http://schemas.microsoft.com/office/drawing/2014/main" id="{C582C7B7-B91C-19CB-E631-06D29DA6ED3C}"/>
+              </a:ext>
+            </a:extLst>
+          </p:cNvPr>
+          <p:cNvSpPr txBox="1"/>
+          <p:nvPr/>
+        </p:nvSpPr>
+        <p:spPr>
+          <a:xfrm>
+            <a:off x="344385" y="4544313"/>
+            <a:ext cx="1508166" cy="639932"/>
+          </a:xfrm>
+          <a:prstGeom prst="rect">
+            <a:avLst/>
+          </a:prstGeom>
+          <a:noFill/>
+        </p:spPr>
+        <p:txBody>
+          <a:bodyPr wrap="square" rtlCol="0">
+            <a:spAutoFit/>
+          </a:bodyPr>
+          <a:lstStyle/>
+          <a:p>
+            <a:r>
+              <a:rPr kumimoji="1" lang="en-US" altLang="ja-JP" dirty="0"/>
+              <a:t>trigger</a:t>
+            </a:r>
+            <a:r>
+              <a:rPr kumimoji="1" lang="ja-JP" altLang="en-US" dirty="0"/>
+              <a:t>接触</a:t>
+            </a:r>
+            <a:endParaRPr kumimoji="1" lang="en-US" altLang="ja-JP" dirty="0"/>
+          </a:p>
+          <a:p>
+            <a:r>
+              <a:rPr kumimoji="1" lang="ja-JP" altLang="en-US" dirty="0"/>
+              <a:t>（一点）</a:t>
+            </a:r>
+          </a:p>
+        </p:txBody>
+      </p:sp>
+      <p:sp>
+        <p:nvSpPr>
+          <p:cNvPr id="14" name="正方形/長方形 13">
+            <a:extLst>
+              <a:ext uri="{FF2B5EF4-FFF2-40B4-BE49-F238E27FC236}">
+                <a16:creationId xmlns:a16="http://schemas.microsoft.com/office/drawing/2014/main" id="{FDA8CD7C-CAC1-40F5-1808-05FD9381749E}"/>
+              </a:ext>
+            </a:extLst>
+          </p:cNvPr>
+          <p:cNvSpPr/>
+          <p:nvPr/>
+        </p:nvSpPr>
+        <p:spPr>
+          <a:xfrm>
+            <a:off x="1546937" y="4390886"/>
+            <a:ext cx="1822687" cy="1039120"/>
+          </a:xfrm>
+          <a:prstGeom prst="rect">
+            <a:avLst/>
+          </a:prstGeom>
+          <a:noFill/>
+          <a:ln>
+            <a:solidFill>
+              <a:srgbClr val="FF0000"/>
+            </a:solidFill>
+          </a:ln>
+        </p:spPr>
+        <p:style>
+          <a:lnRef idx="2">
+            <a:schemeClr val="accent1">
+              <a:shade val="50000"/>
+            </a:schemeClr>
+          </a:lnRef>
+          <a:fillRef idx="1">
+            <a:schemeClr val="accent1"/>
+          </a:fillRef>
+          <a:effectRef idx="0">
+            <a:schemeClr val="accent1"/>
+          </a:effectRef>
+          <a:fontRef idx="minor">
+            <a:schemeClr val="lt1"/>
+          </a:fontRef>
+        </p:style>
+        <p:txBody>
+          <a:bodyPr rtlCol="0" anchor="ctr"/>
+          <a:lstStyle/>
+          <a:p>
+            <a:pPr algn="ctr"/>
+            <a:endParaRPr kumimoji="1" lang="ja-JP" altLang="en-US"/>
+          </a:p>
+        </p:txBody>
+      </p:sp>
+      <p:sp>
+        <p:nvSpPr>
+          <p:cNvPr id="15" name="テキスト ボックス 14">
+            <a:extLst>
+              <a:ext uri="{FF2B5EF4-FFF2-40B4-BE49-F238E27FC236}">
+                <a16:creationId xmlns:a16="http://schemas.microsoft.com/office/drawing/2014/main" id="{4169CDD3-45C6-8458-D130-1B3FF1DEBC8D}"/>
+              </a:ext>
+            </a:extLst>
+          </p:cNvPr>
+          <p:cNvSpPr txBox="1"/>
+          <p:nvPr/>
+        </p:nvSpPr>
+        <p:spPr>
+          <a:xfrm>
+            <a:off x="3369622" y="4459243"/>
+            <a:ext cx="2726377" cy="369332"/>
+          </a:xfrm>
+          <a:prstGeom prst="rect">
+            <a:avLst/>
+          </a:prstGeom>
+          <a:noFill/>
+        </p:spPr>
+        <p:txBody>
+          <a:bodyPr wrap="square" rtlCol="0">
+            <a:spAutoFit/>
+          </a:bodyPr>
+          <a:lstStyle/>
+          <a:p>
+            <a:r>
+              <a:rPr kumimoji="1" lang="ja-JP" altLang="en-US" dirty="0">
+                <a:solidFill>
+                  <a:srgbClr val="FF0000"/>
+                </a:solidFill>
+              </a:rPr>
+              <a:t>誤差を想定した接触範囲</a:t>
+            </a:r>
+            <a:endParaRPr kumimoji="1" lang="en-US" altLang="ja-JP" dirty="0">
+              <a:solidFill>
+                <a:srgbClr val="FF0000"/>
+              </a:solidFill>
+            </a:endParaRPr>
+          </a:p>
+        </p:txBody>
+      </p:sp>
+    </p:spTree>
+    <p:extLst>
+      <p:ext uri="{BB962C8B-B14F-4D97-AF65-F5344CB8AC3E}">
+        <p14:creationId xmlns:p14="http://schemas.microsoft.com/office/powerpoint/2010/main" val="3331072277"/>
+      </p:ext>
+    </p:extLst>
+  </p:cSld>
+  <p:clrMapOvr>
+    <a:masterClrMapping/>
+  </p:clrMapOvr>
+</p:sld>
+</file>
+
+<file path=ppt/slides/slide4.xml><?xml version="1.0" encoding="utf-8"?>
+<p:sld xmlns:a="http://schemas.openxmlformats.org/drawingml/2006/main" xmlns:r="http://schemas.openxmlformats.org/officeDocument/2006/relationships" xmlns:p="http://schemas.openxmlformats.org/presentationml/2006/main">
+  <p:cSld>
+    <p:spTree>
+      <p:nvGrpSpPr>
+        <p:cNvPr id="1" name=""/>
+        <p:cNvGrpSpPr/>
+        <p:nvPr/>
+      </p:nvGrpSpPr>
+      <p:grpSpPr>
+        <a:xfrm>
+          <a:off x="0" y="0"/>
+          <a:ext cx="0" cy="0"/>
+          <a:chOff x="0" y="0"/>
+          <a:chExt cx="0" cy="0"/>
+        </a:xfrm>
+      </p:grpSpPr>
+      <p:sp>
+        <p:nvSpPr>
           <p:cNvPr id="4" name="テキスト ボックス 3">
             <a:extLst>
               <a:ext uri="{FF2B5EF4-FFF2-40B4-BE49-F238E27FC236}">
@@ -6415,6 +6979,196 @@
     <p:extLst>
       <p:ext uri="{BB962C8B-B14F-4D97-AF65-F5344CB8AC3E}">
         <p14:creationId xmlns:p14="http://schemas.microsoft.com/office/powerpoint/2010/main" val="477623117"/>
+      </p:ext>
+    </p:extLst>
+  </p:cSld>
+  <p:clrMapOvr>
+    <a:masterClrMapping/>
+  </p:clrMapOvr>
+</p:sld>
+</file>
+
+<file path=ppt/slides/slide5.xml><?xml version="1.0" encoding="utf-8"?>
+<p:sld xmlns:a="http://schemas.openxmlformats.org/drawingml/2006/main" xmlns:r="http://schemas.openxmlformats.org/officeDocument/2006/relationships" xmlns:p="http://schemas.openxmlformats.org/presentationml/2006/main">
+  <p:cSld>
+    <p:spTree>
+      <p:nvGrpSpPr>
+        <p:cNvPr id="1" name=""/>
+        <p:cNvGrpSpPr/>
+        <p:nvPr/>
+      </p:nvGrpSpPr>
+      <p:grpSpPr>
+        <a:xfrm>
+          <a:off x="0" y="0"/>
+          <a:ext cx="0" cy="0"/>
+          <a:chOff x="0" y="0"/>
+          <a:chExt cx="0" cy="0"/>
+        </a:xfrm>
+      </p:grpSpPr>
+      <p:sp>
+        <p:nvSpPr>
+          <p:cNvPr id="5" name="テキスト ボックス 4">
+            <a:extLst>
+              <a:ext uri="{FF2B5EF4-FFF2-40B4-BE49-F238E27FC236}">
+                <a16:creationId xmlns:a16="http://schemas.microsoft.com/office/drawing/2014/main" id="{4F72FFEF-82A8-1A13-3B2B-3DED2DB4CA97}"/>
+              </a:ext>
+            </a:extLst>
+          </p:cNvPr>
+          <p:cNvSpPr txBox="1"/>
+          <p:nvPr/>
+        </p:nvSpPr>
+        <p:spPr>
+          <a:xfrm>
+            <a:off x="145649" y="171160"/>
+            <a:ext cx="2375065" cy="461665"/>
+          </a:xfrm>
+          <a:prstGeom prst="rect">
+            <a:avLst/>
+          </a:prstGeom>
+          <a:noFill/>
+        </p:spPr>
+        <p:txBody>
+          <a:bodyPr wrap="square" rtlCol="0">
+            <a:spAutoFit/>
+          </a:bodyPr>
+          <a:lstStyle/>
+          <a:p>
+            <a:r>
+              <a:rPr lang="ja-JP" altLang="en-US" sz="2400" dirty="0"/>
+              <a:t>やることツリー</a:t>
+            </a:r>
+            <a:endParaRPr kumimoji="1" lang="ja-JP" altLang="en-US" sz="2400" dirty="0"/>
+          </a:p>
+        </p:txBody>
+      </p:sp>
+      <p:sp>
+        <p:nvSpPr>
+          <p:cNvPr id="4" name="テキスト ボックス 3">
+            <a:extLst>
+              <a:ext uri="{FF2B5EF4-FFF2-40B4-BE49-F238E27FC236}">
+                <a16:creationId xmlns:a16="http://schemas.microsoft.com/office/drawing/2014/main" id="{D2909C48-6006-F758-5206-57B288B84234}"/>
+              </a:ext>
+            </a:extLst>
+          </p:cNvPr>
+          <p:cNvSpPr txBox="1"/>
+          <p:nvPr/>
+        </p:nvSpPr>
+        <p:spPr>
+          <a:xfrm>
+            <a:off x="985652" y="5047012"/>
+            <a:ext cx="4572000" cy="1200329"/>
+          </a:xfrm>
+          <a:prstGeom prst="rect">
+            <a:avLst/>
+          </a:prstGeom>
+          <a:noFill/>
+        </p:spPr>
+        <p:txBody>
+          <a:bodyPr wrap="square" rtlCol="0">
+            <a:spAutoFit/>
+          </a:bodyPr>
+          <a:lstStyle/>
+          <a:p>
+            <a:r>
+              <a:rPr lang="en-US" altLang="ja-JP" dirty="0" err="1"/>
+              <a:t>Fixedupdate</a:t>
+            </a:r>
+            <a:r>
+              <a:rPr lang="ja-JP" altLang="en-US" dirty="0"/>
+              <a:t>内で自分で重力や接触の力の測定、反映</a:t>
+            </a:r>
+            <a:endParaRPr lang="en-US" altLang="ja-JP" dirty="0"/>
+          </a:p>
+          <a:p>
+            <a:r>
+              <a:rPr kumimoji="1" lang="en-US" altLang="ja-JP" dirty="0" err="1"/>
+              <a:t>Colider</a:t>
+            </a:r>
+            <a:r>
+              <a:rPr lang="ja-JP" altLang="en-US" dirty="0"/>
+              <a:t>使用不可　</a:t>
+            </a:r>
+            <a:r>
+              <a:rPr lang="en-US" altLang="ja-JP" dirty="0" err="1"/>
+              <a:t>IsTriger</a:t>
+            </a:r>
+            <a:r>
+              <a:rPr lang="ja-JP" altLang="en-US" dirty="0"/>
+              <a:t>有効</a:t>
+            </a:r>
+            <a:endParaRPr kumimoji="1" lang="en-US" altLang="ja-JP" dirty="0"/>
+          </a:p>
+          <a:p>
+            <a:endParaRPr kumimoji="1" lang="ja-JP" altLang="en-US" dirty="0"/>
+          </a:p>
+        </p:txBody>
+      </p:sp>
+      <p:sp>
+        <p:nvSpPr>
+          <p:cNvPr id="2" name="テキスト ボックス 1">
+            <a:extLst>
+              <a:ext uri="{FF2B5EF4-FFF2-40B4-BE49-F238E27FC236}">
+                <a16:creationId xmlns:a16="http://schemas.microsoft.com/office/drawing/2014/main" id="{1324505E-866D-9F14-8BE2-2E310DC071F5}"/>
+              </a:ext>
+            </a:extLst>
+          </p:cNvPr>
+          <p:cNvSpPr txBox="1"/>
+          <p:nvPr/>
+        </p:nvSpPr>
+        <p:spPr>
+          <a:xfrm>
+            <a:off x="6335486" y="3503221"/>
+            <a:ext cx="2850078" cy="923330"/>
+          </a:xfrm>
+          <a:prstGeom prst="rect">
+            <a:avLst/>
+          </a:prstGeom>
+          <a:noFill/>
+        </p:spPr>
+        <p:txBody>
+          <a:bodyPr wrap="square" rtlCol="0">
+            <a:spAutoFit/>
+          </a:bodyPr>
+          <a:lstStyle/>
+          <a:p>
+            <a:r>
+              <a:rPr kumimoji="1" lang="en-US" altLang="ja-JP" dirty="0" err="1"/>
+              <a:t>ontrigger</a:t>
+            </a:r>
+            <a:r>
+              <a:rPr kumimoji="1" lang="ja-JP" altLang="en-US" dirty="0"/>
+              <a:t>で接触位置取得</a:t>
+            </a:r>
+            <a:endParaRPr kumimoji="1" lang="en-US" altLang="ja-JP" dirty="0"/>
+          </a:p>
+          <a:p>
+            <a:r>
+              <a:rPr lang="ja-JP" altLang="en-US" dirty="0"/>
+              <a:t>↓</a:t>
+            </a:r>
+            <a:endParaRPr lang="en-US" altLang="ja-JP" dirty="0"/>
+          </a:p>
+          <a:p>
+            <a:r>
+              <a:rPr kumimoji="1" lang="en-US" altLang="ja-JP" dirty="0" err="1"/>
+              <a:t>Fixedupd</a:t>
+            </a:r>
+            <a:r>
+              <a:rPr lang="en-US" altLang="ja-JP" dirty="0" err="1"/>
+              <a:t>ate</a:t>
+            </a:r>
+            <a:r>
+              <a:rPr lang="ja-JP" altLang="en-US" dirty="0"/>
+              <a:t>で</a:t>
+            </a:r>
+            <a:endParaRPr kumimoji="1" lang="ja-JP" altLang="en-US" dirty="0"/>
+          </a:p>
+        </p:txBody>
+      </p:sp>
+    </p:spTree>
+    <p:extLst>
+      <p:ext uri="{BB962C8B-B14F-4D97-AF65-F5344CB8AC3E}">
+        <p14:creationId xmlns:p14="http://schemas.microsoft.com/office/powerpoint/2010/main" val="2946397154"/>
       </p:ext>
     </p:extLst>
   </p:cSld>

--- a/自分用メモ.pptx
+++ b/自分用メモ.pptx
@@ -5,7 +5,7 @@
     <p:sldMasterId id="2147483648" r:id="rId1"/>
   </p:sldMasterIdLst>
   <p:notesMasterIdLst>
-    <p:notesMasterId r:id="rId7"/>
+    <p:notesMasterId r:id="rId10"/>
   </p:notesMasterIdLst>
   <p:sldIdLst>
     <p:sldId id="256" r:id="rId2"/>
@@ -13,6 +13,9 @@
     <p:sldId id="259" r:id="rId4"/>
     <p:sldId id="258" r:id="rId5"/>
     <p:sldId id="260" r:id="rId6"/>
+    <p:sldId id="262" r:id="rId7"/>
+    <p:sldId id="263" r:id="rId8"/>
+    <p:sldId id="261" r:id="rId9"/>
   </p:sldIdLst>
   <p:sldSz cx="12192000" cy="6858000"/>
   <p:notesSz cx="6858000" cy="9144000"/>
@@ -201,7 +204,7 @@
           <a:p>
             <a:fld id="{A328F511-679E-484E-B8E5-2C1D69774027}" type="datetimeFigureOut">
               <a:rPr kumimoji="1" lang="ja-JP" altLang="en-US" smtClean="0"/>
-              <a:t>2023/1/10</a:t>
+              <a:t>2023/1/16</a:t>
             </a:fld>
             <a:endParaRPr kumimoji="1" lang="ja-JP" altLang="en-US"/>
           </a:p>
@@ -647,7 +650,7 @@
           <a:p>
             <a:fld id="{A4D43078-1B0D-47BB-9ECB-AD743DDD2CE9}" type="datetimeFigureOut">
               <a:rPr kumimoji="1" lang="ja-JP" altLang="en-US" smtClean="0"/>
-              <a:t>2023/1/10</a:t>
+              <a:t>2023/1/16</a:t>
             </a:fld>
             <a:endParaRPr kumimoji="1" lang="ja-JP" altLang="en-US"/>
           </a:p>
@@ -877,7 +880,7 @@
           <a:p>
             <a:fld id="{A4D43078-1B0D-47BB-9ECB-AD743DDD2CE9}" type="datetimeFigureOut">
               <a:rPr kumimoji="1" lang="ja-JP" altLang="en-US" smtClean="0"/>
-              <a:t>2023/1/10</a:t>
+              <a:t>2023/1/16</a:t>
             </a:fld>
             <a:endParaRPr kumimoji="1" lang="ja-JP" altLang="en-US"/>
           </a:p>
@@ -1117,7 +1120,7 @@
           <a:p>
             <a:fld id="{A4D43078-1B0D-47BB-9ECB-AD743DDD2CE9}" type="datetimeFigureOut">
               <a:rPr kumimoji="1" lang="ja-JP" altLang="en-US" smtClean="0"/>
-              <a:t>2023/1/10</a:t>
+              <a:t>2023/1/16</a:t>
             </a:fld>
             <a:endParaRPr kumimoji="1" lang="ja-JP" altLang="en-US"/>
           </a:p>
@@ -1347,7 +1350,7 @@
           <a:p>
             <a:fld id="{A4D43078-1B0D-47BB-9ECB-AD743DDD2CE9}" type="datetimeFigureOut">
               <a:rPr kumimoji="1" lang="ja-JP" altLang="en-US" smtClean="0"/>
-              <a:t>2023/1/10</a:t>
+              <a:t>2023/1/16</a:t>
             </a:fld>
             <a:endParaRPr kumimoji="1" lang="ja-JP" altLang="en-US"/>
           </a:p>
@@ -1622,7 +1625,7 @@
           <a:p>
             <a:fld id="{A4D43078-1B0D-47BB-9ECB-AD743DDD2CE9}" type="datetimeFigureOut">
               <a:rPr kumimoji="1" lang="ja-JP" altLang="en-US" smtClean="0"/>
-              <a:t>2023/1/10</a:t>
+              <a:t>2023/1/16</a:t>
             </a:fld>
             <a:endParaRPr kumimoji="1" lang="ja-JP" altLang="en-US"/>
           </a:p>
@@ -1951,7 +1954,7 @@
           <a:p>
             <a:fld id="{A4D43078-1B0D-47BB-9ECB-AD743DDD2CE9}" type="datetimeFigureOut">
               <a:rPr kumimoji="1" lang="ja-JP" altLang="en-US" smtClean="0"/>
-              <a:t>2023/1/10</a:t>
+              <a:t>2023/1/16</a:t>
             </a:fld>
             <a:endParaRPr kumimoji="1" lang="ja-JP" altLang="en-US"/>
           </a:p>
@@ -2427,7 +2430,7 @@
           <a:p>
             <a:fld id="{A4D43078-1B0D-47BB-9ECB-AD743DDD2CE9}" type="datetimeFigureOut">
               <a:rPr kumimoji="1" lang="ja-JP" altLang="en-US" smtClean="0"/>
-              <a:t>2023/1/10</a:t>
+              <a:t>2023/1/16</a:t>
             </a:fld>
             <a:endParaRPr kumimoji="1" lang="ja-JP" altLang="en-US"/>
           </a:p>
@@ -2568,7 +2571,7 @@
           <a:p>
             <a:fld id="{A4D43078-1B0D-47BB-9ECB-AD743DDD2CE9}" type="datetimeFigureOut">
               <a:rPr kumimoji="1" lang="ja-JP" altLang="en-US" smtClean="0"/>
-              <a:t>2023/1/10</a:t>
+              <a:t>2023/1/16</a:t>
             </a:fld>
             <a:endParaRPr kumimoji="1" lang="ja-JP" altLang="en-US"/>
           </a:p>
@@ -2681,7 +2684,7 @@
           <a:p>
             <a:fld id="{A4D43078-1B0D-47BB-9ECB-AD743DDD2CE9}" type="datetimeFigureOut">
               <a:rPr kumimoji="1" lang="ja-JP" altLang="en-US" smtClean="0"/>
-              <a:t>2023/1/10</a:t>
+              <a:t>2023/1/16</a:t>
             </a:fld>
             <a:endParaRPr kumimoji="1" lang="ja-JP" altLang="en-US"/>
           </a:p>
@@ -3024,7 +3027,7 @@
           <a:p>
             <a:fld id="{A4D43078-1B0D-47BB-9ECB-AD743DDD2CE9}" type="datetimeFigureOut">
               <a:rPr kumimoji="1" lang="ja-JP" altLang="en-US" smtClean="0"/>
-              <a:t>2023/1/10</a:t>
+              <a:t>2023/1/16</a:t>
             </a:fld>
             <a:endParaRPr kumimoji="1" lang="ja-JP" altLang="en-US"/>
           </a:p>
@@ -3312,7 +3315,7 @@
           <a:p>
             <a:fld id="{A4D43078-1B0D-47BB-9ECB-AD743DDD2CE9}" type="datetimeFigureOut">
               <a:rPr kumimoji="1" lang="ja-JP" altLang="en-US" smtClean="0"/>
-              <a:t>2023/1/10</a:t>
+              <a:t>2023/1/16</a:t>
             </a:fld>
             <a:endParaRPr kumimoji="1" lang="ja-JP" altLang="en-US"/>
           </a:p>
@@ -3585,7 +3588,7 @@
           <a:p>
             <a:fld id="{A4D43078-1B0D-47BB-9ECB-AD743DDD2CE9}" type="datetimeFigureOut">
               <a:rPr kumimoji="1" lang="ja-JP" altLang="en-US" smtClean="0"/>
-              <a:t>2023/1/10</a:t>
+              <a:t>2023/1/16</a:t>
             </a:fld>
             <a:endParaRPr kumimoji="1" lang="ja-JP" altLang="en-US"/>
           </a:p>
@@ -7169,6 +7172,5815 @@
     <p:extLst>
       <p:ext uri="{BB962C8B-B14F-4D97-AF65-F5344CB8AC3E}">
         <p14:creationId xmlns:p14="http://schemas.microsoft.com/office/powerpoint/2010/main" val="2946397154"/>
+      </p:ext>
+    </p:extLst>
+  </p:cSld>
+  <p:clrMapOvr>
+    <a:masterClrMapping/>
+  </p:clrMapOvr>
+</p:sld>
+</file>
+
+<file path=ppt/slides/slide6.xml><?xml version="1.0" encoding="utf-8"?>
+<p:sld xmlns:a="http://schemas.openxmlformats.org/drawingml/2006/main" xmlns:r="http://schemas.openxmlformats.org/officeDocument/2006/relationships" xmlns:p="http://schemas.openxmlformats.org/presentationml/2006/main">
+  <p:cSld>
+    <p:spTree>
+      <p:nvGrpSpPr>
+        <p:cNvPr id="1" name=""/>
+        <p:cNvGrpSpPr/>
+        <p:nvPr/>
+      </p:nvGrpSpPr>
+      <p:grpSpPr>
+        <a:xfrm>
+          <a:off x="0" y="0"/>
+          <a:ext cx="0" cy="0"/>
+          <a:chOff x="0" y="0"/>
+          <a:chExt cx="0" cy="0"/>
+        </a:xfrm>
+      </p:grpSpPr>
+      <p:sp>
+        <p:nvSpPr>
+          <p:cNvPr id="5" name="テキスト ボックス 4">
+            <a:extLst>
+              <a:ext uri="{FF2B5EF4-FFF2-40B4-BE49-F238E27FC236}">
+                <a16:creationId xmlns:a16="http://schemas.microsoft.com/office/drawing/2014/main" id="{4F72FFEF-82A8-1A13-3B2B-3DED2DB4CA97}"/>
+              </a:ext>
+            </a:extLst>
+          </p:cNvPr>
+          <p:cNvSpPr txBox="1"/>
+          <p:nvPr/>
+        </p:nvSpPr>
+        <p:spPr>
+          <a:xfrm>
+            <a:off x="145649" y="171160"/>
+            <a:ext cx="2375065" cy="461665"/>
+          </a:xfrm>
+          <a:prstGeom prst="rect">
+            <a:avLst/>
+          </a:prstGeom>
+          <a:noFill/>
+        </p:spPr>
+        <p:txBody>
+          <a:bodyPr wrap="square" rtlCol="0">
+            <a:spAutoFit/>
+          </a:bodyPr>
+          <a:lstStyle/>
+          <a:p>
+            <a:r>
+              <a:rPr kumimoji="1" lang="ja-JP" altLang="en-US" sz="2400" dirty="0"/>
+              <a:t>接触判定数式</a:t>
+            </a:r>
+          </a:p>
+        </p:txBody>
+      </p:sp>
+      <p:sp>
+        <p:nvSpPr>
+          <p:cNvPr id="3" name="テキスト ボックス 2">
+            <a:extLst>
+              <a:ext uri="{FF2B5EF4-FFF2-40B4-BE49-F238E27FC236}">
+                <a16:creationId xmlns:a16="http://schemas.microsoft.com/office/drawing/2014/main" id="{2BE17F45-BE60-AC2B-ACF9-3284E601A0D4}"/>
+              </a:ext>
+            </a:extLst>
+          </p:cNvPr>
+          <p:cNvSpPr txBox="1"/>
+          <p:nvPr/>
+        </p:nvSpPr>
+        <p:spPr>
+          <a:xfrm>
+            <a:off x="2780773" y="299828"/>
+            <a:ext cx="2986481" cy="923330"/>
+          </a:xfrm>
+          <a:prstGeom prst="rect">
+            <a:avLst/>
+          </a:prstGeom>
+          <a:noFill/>
+        </p:spPr>
+        <p:txBody>
+          <a:bodyPr wrap="square" rtlCol="0">
+            <a:spAutoFit/>
+          </a:bodyPr>
+          <a:lstStyle/>
+          <a:p>
+            <a:r>
+              <a:rPr lang="ja-JP" altLang="en-US" dirty="0"/>
+              <a:t>四角形でまずはやる</a:t>
+            </a:r>
+            <a:endParaRPr lang="en-US" altLang="ja-JP" dirty="0"/>
+          </a:p>
+          <a:p>
+            <a:r>
+              <a:rPr kumimoji="1" lang="en-US" altLang="ja-JP" dirty="0"/>
+              <a:t>6</a:t>
+            </a:r>
+            <a:r>
+              <a:rPr kumimoji="1" lang="ja-JP" altLang="en-US" dirty="0"/>
+              <a:t>面のそれぞれの面積方程式用意</a:t>
+            </a:r>
+          </a:p>
+        </p:txBody>
+      </p:sp>
+      <p:sp>
+        <p:nvSpPr>
+          <p:cNvPr id="6" name="正方形/長方形 5">
+            <a:extLst>
+              <a:ext uri="{FF2B5EF4-FFF2-40B4-BE49-F238E27FC236}">
+                <a16:creationId xmlns:a16="http://schemas.microsoft.com/office/drawing/2014/main" id="{17E4C041-54E8-6679-3181-7783454444F8}"/>
+              </a:ext>
+            </a:extLst>
+          </p:cNvPr>
+          <p:cNvSpPr/>
+          <p:nvPr/>
+        </p:nvSpPr>
+        <p:spPr>
+          <a:xfrm>
+            <a:off x="8330939" y="1157782"/>
+            <a:ext cx="1241570" cy="1116006"/>
+          </a:xfrm>
+          <a:prstGeom prst="rect">
+            <a:avLst/>
+          </a:prstGeom>
+          <a:noFill/>
+        </p:spPr>
+        <p:style>
+          <a:lnRef idx="2">
+            <a:schemeClr val="accent1">
+              <a:shade val="50000"/>
+            </a:schemeClr>
+          </a:lnRef>
+          <a:fillRef idx="1">
+            <a:schemeClr val="accent1"/>
+          </a:fillRef>
+          <a:effectRef idx="0">
+            <a:schemeClr val="accent1"/>
+          </a:effectRef>
+          <a:fontRef idx="minor">
+            <a:schemeClr val="lt1"/>
+          </a:fontRef>
+        </p:style>
+        <p:txBody>
+          <a:bodyPr rtlCol="0" anchor="ctr"/>
+          <a:lstStyle/>
+          <a:p>
+            <a:pPr algn="ctr"/>
+            <a:endParaRPr kumimoji="1" lang="ja-JP" altLang="en-US"/>
+          </a:p>
+        </p:txBody>
+      </p:sp>
+      <p:sp>
+        <p:nvSpPr>
+          <p:cNvPr id="7" name="楕円 6">
+            <a:extLst>
+              <a:ext uri="{FF2B5EF4-FFF2-40B4-BE49-F238E27FC236}">
+                <a16:creationId xmlns:a16="http://schemas.microsoft.com/office/drawing/2014/main" id="{B074AF00-D53E-139B-8BBE-0AF28065EF7C}"/>
+              </a:ext>
+            </a:extLst>
+          </p:cNvPr>
+          <p:cNvSpPr/>
+          <p:nvPr/>
+        </p:nvSpPr>
+        <p:spPr>
+          <a:xfrm>
+            <a:off x="10276573" y="895313"/>
+            <a:ext cx="1692000" cy="1692000"/>
+          </a:xfrm>
+          <a:prstGeom prst="ellipse">
+            <a:avLst/>
+          </a:prstGeom>
+          <a:noFill/>
+          <a:ln w="3175">
+            <a:solidFill>
+              <a:schemeClr val="bg2">
+                <a:lumMod val="75000"/>
+              </a:schemeClr>
+            </a:solidFill>
+          </a:ln>
+        </p:spPr>
+        <p:style>
+          <a:lnRef idx="2">
+            <a:schemeClr val="accent1">
+              <a:shade val="50000"/>
+            </a:schemeClr>
+          </a:lnRef>
+          <a:fillRef idx="1">
+            <a:schemeClr val="accent1"/>
+          </a:fillRef>
+          <a:effectRef idx="0">
+            <a:schemeClr val="accent1"/>
+          </a:effectRef>
+          <a:fontRef idx="minor">
+            <a:schemeClr val="lt1"/>
+          </a:fontRef>
+        </p:style>
+        <p:txBody>
+          <a:bodyPr rtlCol="0" anchor="ctr"/>
+          <a:lstStyle/>
+          <a:p>
+            <a:pPr algn="ctr"/>
+            <a:endParaRPr kumimoji="1" lang="ja-JP" altLang="en-US"/>
+          </a:p>
+        </p:txBody>
+      </p:sp>
+      <p:sp>
+        <p:nvSpPr>
+          <p:cNvPr id="9" name="正方形/長方形 8">
+            <a:extLst>
+              <a:ext uri="{FF2B5EF4-FFF2-40B4-BE49-F238E27FC236}">
+                <a16:creationId xmlns:a16="http://schemas.microsoft.com/office/drawing/2014/main" id="{E889E7D4-5B0A-6870-4701-6475A460CC56}"/>
+              </a:ext>
+            </a:extLst>
+          </p:cNvPr>
+          <p:cNvSpPr/>
+          <p:nvPr/>
+        </p:nvSpPr>
+        <p:spPr>
+          <a:xfrm rot="19348143">
+            <a:off x="11034596" y="3461865"/>
+            <a:ext cx="615049" cy="590742"/>
+          </a:xfrm>
+          <a:prstGeom prst="rect">
+            <a:avLst/>
+          </a:prstGeom>
+          <a:noFill/>
+        </p:spPr>
+        <p:style>
+          <a:lnRef idx="2">
+            <a:schemeClr val="accent1">
+              <a:shade val="50000"/>
+            </a:schemeClr>
+          </a:lnRef>
+          <a:fillRef idx="1">
+            <a:schemeClr val="accent1"/>
+          </a:fillRef>
+          <a:effectRef idx="0">
+            <a:schemeClr val="accent1"/>
+          </a:effectRef>
+          <a:fontRef idx="minor">
+            <a:schemeClr val="lt1"/>
+          </a:fontRef>
+        </p:style>
+        <p:txBody>
+          <a:bodyPr rtlCol="0" anchor="ctr"/>
+          <a:lstStyle/>
+          <a:p>
+            <a:pPr algn="ctr"/>
+            <a:endParaRPr kumimoji="1" lang="ja-JP" altLang="en-US"/>
+          </a:p>
+        </p:txBody>
+      </p:sp>
+      <p:sp>
+        <p:nvSpPr>
+          <p:cNvPr id="10" name="楕円 9">
+            <a:extLst>
+              <a:ext uri="{FF2B5EF4-FFF2-40B4-BE49-F238E27FC236}">
+                <a16:creationId xmlns:a16="http://schemas.microsoft.com/office/drawing/2014/main" id="{6071FA3B-99AC-0900-5450-5CFFDAF096C6}"/>
+              </a:ext>
+            </a:extLst>
+          </p:cNvPr>
+          <p:cNvSpPr/>
+          <p:nvPr/>
+        </p:nvSpPr>
+        <p:spPr>
+          <a:xfrm>
+            <a:off x="11121081" y="1710459"/>
+            <a:ext cx="100667" cy="103839"/>
+          </a:xfrm>
+          <a:prstGeom prst="ellipse">
+            <a:avLst/>
+          </a:prstGeom>
+          <a:solidFill>
+            <a:srgbClr val="FF0000"/>
+          </a:solidFill>
+          <a:ln>
+            <a:solidFill>
+              <a:srgbClr val="FF0000"/>
+            </a:solidFill>
+          </a:ln>
+        </p:spPr>
+        <p:style>
+          <a:lnRef idx="2">
+            <a:schemeClr val="accent1">
+              <a:shade val="50000"/>
+            </a:schemeClr>
+          </a:lnRef>
+          <a:fillRef idx="1">
+            <a:schemeClr val="accent1"/>
+          </a:fillRef>
+          <a:effectRef idx="0">
+            <a:schemeClr val="accent1"/>
+          </a:effectRef>
+          <a:fontRef idx="minor">
+            <a:schemeClr val="lt1"/>
+          </a:fontRef>
+        </p:style>
+        <p:txBody>
+          <a:bodyPr rtlCol="0" anchor="ctr"/>
+          <a:lstStyle/>
+          <a:p>
+            <a:pPr algn="ctr"/>
+            <a:endParaRPr kumimoji="1" lang="ja-JP" altLang="en-US" dirty="0"/>
+          </a:p>
+        </p:txBody>
+      </p:sp>
+      <p:sp>
+        <p:nvSpPr>
+          <p:cNvPr id="11" name="テキスト ボックス 10">
+            <a:extLst>
+              <a:ext uri="{FF2B5EF4-FFF2-40B4-BE49-F238E27FC236}">
+                <a16:creationId xmlns:a16="http://schemas.microsoft.com/office/drawing/2014/main" id="{E2A307BC-111B-4235-5327-A52A0C4FD2C4}"/>
+              </a:ext>
+            </a:extLst>
+          </p:cNvPr>
+          <p:cNvSpPr txBox="1"/>
+          <p:nvPr/>
+        </p:nvSpPr>
+        <p:spPr>
+          <a:xfrm>
+            <a:off x="10328149" y="5884500"/>
+            <a:ext cx="1787199" cy="1200329"/>
+          </a:xfrm>
+          <a:prstGeom prst="rect">
+            <a:avLst/>
+          </a:prstGeom>
+          <a:noFill/>
+        </p:spPr>
+        <p:txBody>
+          <a:bodyPr wrap="square" rtlCol="0">
+            <a:spAutoFit/>
+          </a:bodyPr>
+          <a:lstStyle/>
+          <a:p>
+            <a:r>
+              <a:rPr kumimoji="1" lang="ja-JP" altLang="en-US" dirty="0"/>
+              <a:t>四角形はそれぞれに</a:t>
+            </a:r>
+            <a:r>
+              <a:rPr lang="en-US" altLang="ja-JP" dirty="0"/>
+              <a:t>Vector</a:t>
+            </a:r>
+            <a:r>
+              <a:rPr lang="ja-JP" altLang="en-US" dirty="0"/>
+              <a:t>３の座標</a:t>
+            </a:r>
+            <a:r>
+              <a:rPr lang="en-US" altLang="ja-JP" dirty="0"/>
+              <a:t>8</a:t>
+            </a:r>
+            <a:r>
+              <a:rPr lang="ja-JP" altLang="en-US" dirty="0"/>
+              <a:t>つ、面の数式</a:t>
+            </a:r>
+            <a:endParaRPr lang="en-US" altLang="ja-JP" dirty="0"/>
+          </a:p>
+        </p:txBody>
+      </p:sp>
+      <p:sp>
+        <p:nvSpPr>
+          <p:cNvPr id="12" name="テキスト ボックス 11">
+            <a:extLst>
+              <a:ext uri="{FF2B5EF4-FFF2-40B4-BE49-F238E27FC236}">
+                <a16:creationId xmlns:a16="http://schemas.microsoft.com/office/drawing/2014/main" id="{C8663F18-13C2-0FE7-26CC-29152EE10619}"/>
+              </a:ext>
+            </a:extLst>
+          </p:cNvPr>
+          <p:cNvSpPr txBox="1"/>
+          <p:nvPr/>
+        </p:nvSpPr>
+        <p:spPr>
+          <a:xfrm>
+            <a:off x="255265" y="4333737"/>
+            <a:ext cx="2514114" cy="1877437"/>
+          </a:xfrm>
+          <a:prstGeom prst="rect">
+            <a:avLst/>
+          </a:prstGeom>
+          <a:noFill/>
+        </p:spPr>
+        <p:txBody>
+          <a:bodyPr wrap="square" rtlCol="0">
+            <a:spAutoFit/>
+          </a:bodyPr>
+          <a:lstStyle/>
+          <a:p>
+            <a:r>
+              <a:rPr lang="ja-JP" altLang="en-US" dirty="0"/>
+              <a:t>毎フレーム処理</a:t>
+            </a:r>
+            <a:endParaRPr lang="en-US" altLang="ja-JP" dirty="0"/>
+          </a:p>
+          <a:p>
+            <a:r>
+              <a:rPr lang="ja-JP" altLang="en-US" sz="1400" dirty="0"/>
+              <a:t>・オブジェクトの頂点更新</a:t>
+            </a:r>
+            <a:endParaRPr lang="en-US" altLang="ja-JP" sz="1400" dirty="0"/>
+          </a:p>
+          <a:p>
+            <a:r>
+              <a:rPr lang="ja-JP" altLang="en-US" sz="1400" dirty="0"/>
+              <a:t>・他</a:t>
+            </a:r>
+            <a:r>
+              <a:rPr lang="en-US" altLang="ja-JP" sz="1400" dirty="0"/>
+              <a:t>collision</a:t>
+            </a:r>
+            <a:r>
+              <a:rPr lang="ja-JP" altLang="en-US" sz="1400" dirty="0"/>
+              <a:t>との距離更新</a:t>
+            </a:r>
+            <a:endParaRPr lang="en-US" altLang="ja-JP" sz="1400" dirty="0"/>
+          </a:p>
+          <a:p>
+            <a:endParaRPr lang="en-US" altLang="ja-JP" sz="1400" dirty="0"/>
+          </a:p>
+          <a:p>
+            <a:r>
+              <a:rPr lang="ja-JP" altLang="en-US" sz="1400" dirty="0"/>
+              <a:t>分岐</a:t>
+            </a:r>
+            <a:endParaRPr lang="en-US" altLang="ja-JP" sz="1400" dirty="0"/>
+          </a:p>
+          <a:p>
+            <a:r>
+              <a:rPr lang="en-US" altLang="ja-JP" sz="1400" dirty="0"/>
+              <a:t>(a</a:t>
+            </a:r>
+            <a:r>
+              <a:rPr lang="ja-JP" altLang="en-US" sz="1400" dirty="0"/>
+              <a:t>検知範囲</a:t>
+            </a:r>
+            <a:r>
+              <a:rPr lang="en-US" altLang="ja-JP" sz="1400" dirty="0"/>
+              <a:t>+b</a:t>
+            </a:r>
+            <a:r>
+              <a:rPr lang="ja-JP" altLang="en-US" sz="1400" dirty="0"/>
+              <a:t>検知範囲</a:t>
+            </a:r>
+            <a:r>
+              <a:rPr lang="en-US" altLang="ja-JP" sz="1400" dirty="0"/>
+              <a:t>)&gt;(|a</a:t>
+            </a:r>
+            <a:r>
+              <a:rPr lang="ja-JP" altLang="en-US" sz="1400" dirty="0"/>
+              <a:t>中心座標</a:t>
+            </a:r>
+            <a:r>
+              <a:rPr lang="en-US" altLang="ja-JP" sz="1400" dirty="0"/>
+              <a:t>-b</a:t>
+            </a:r>
+            <a:r>
+              <a:rPr lang="ja-JP" altLang="en-US" sz="1400" dirty="0"/>
+              <a:t>中心座標</a:t>
+            </a:r>
+            <a:r>
+              <a:rPr lang="en-US" altLang="ja-JP" sz="1400" dirty="0"/>
+              <a:t>|)</a:t>
+            </a:r>
+          </a:p>
+          <a:p>
+            <a:endParaRPr lang="en-US" altLang="ja-JP" sz="1400" dirty="0"/>
+          </a:p>
+        </p:txBody>
+      </p:sp>
+      <p:sp>
+        <p:nvSpPr>
+          <p:cNvPr id="13" name="正方形/長方形 12">
+            <a:extLst>
+              <a:ext uri="{FF2B5EF4-FFF2-40B4-BE49-F238E27FC236}">
+                <a16:creationId xmlns:a16="http://schemas.microsoft.com/office/drawing/2014/main" id="{FF50DA2E-8C90-E3B5-029C-010F036C81F8}"/>
+              </a:ext>
+            </a:extLst>
+          </p:cNvPr>
+          <p:cNvSpPr/>
+          <p:nvPr/>
+        </p:nvSpPr>
+        <p:spPr>
+          <a:xfrm>
+            <a:off x="9513115" y="3340240"/>
+            <a:ext cx="1241570" cy="1116006"/>
+          </a:xfrm>
+          <a:prstGeom prst="rect">
+            <a:avLst/>
+          </a:prstGeom>
+          <a:noFill/>
+        </p:spPr>
+        <p:style>
+          <a:lnRef idx="2">
+            <a:schemeClr val="accent1">
+              <a:shade val="50000"/>
+            </a:schemeClr>
+          </a:lnRef>
+          <a:fillRef idx="1">
+            <a:schemeClr val="accent1"/>
+          </a:fillRef>
+          <a:effectRef idx="0">
+            <a:schemeClr val="accent1"/>
+          </a:effectRef>
+          <a:fontRef idx="minor">
+            <a:schemeClr val="lt1"/>
+          </a:fontRef>
+        </p:style>
+        <p:txBody>
+          <a:bodyPr rtlCol="0" anchor="ctr"/>
+          <a:lstStyle/>
+          <a:p>
+            <a:pPr algn="ctr"/>
+            <a:endParaRPr kumimoji="1" lang="ja-JP" altLang="en-US"/>
+          </a:p>
+        </p:txBody>
+      </p:sp>
+      <p:sp>
+        <p:nvSpPr>
+          <p:cNvPr id="14" name="楕円 13">
+            <a:extLst>
+              <a:ext uri="{FF2B5EF4-FFF2-40B4-BE49-F238E27FC236}">
+                <a16:creationId xmlns:a16="http://schemas.microsoft.com/office/drawing/2014/main" id="{609BA4AB-E534-B887-60F2-5D47FC0C7C0F}"/>
+              </a:ext>
+            </a:extLst>
+          </p:cNvPr>
+          <p:cNvSpPr/>
+          <p:nvPr/>
+        </p:nvSpPr>
+        <p:spPr>
+          <a:xfrm>
+            <a:off x="9253056" y="3105348"/>
+            <a:ext cx="1761688" cy="1564682"/>
+          </a:xfrm>
+          <a:prstGeom prst="ellipse">
+            <a:avLst/>
+          </a:prstGeom>
+          <a:noFill/>
+          <a:ln w="3175">
+            <a:solidFill>
+              <a:schemeClr val="bg2">
+                <a:lumMod val="75000"/>
+              </a:schemeClr>
+            </a:solidFill>
+          </a:ln>
+        </p:spPr>
+        <p:style>
+          <a:lnRef idx="2">
+            <a:schemeClr val="accent1">
+              <a:shade val="50000"/>
+            </a:schemeClr>
+          </a:lnRef>
+          <a:fillRef idx="1">
+            <a:schemeClr val="accent1"/>
+          </a:fillRef>
+          <a:effectRef idx="0">
+            <a:schemeClr val="accent1"/>
+          </a:effectRef>
+          <a:fontRef idx="minor">
+            <a:schemeClr val="lt1"/>
+          </a:fontRef>
+        </p:style>
+        <p:txBody>
+          <a:bodyPr rtlCol="0" anchor="ctr"/>
+          <a:lstStyle/>
+          <a:p>
+            <a:pPr algn="ctr"/>
+            <a:endParaRPr kumimoji="1" lang="ja-JP" altLang="en-US"/>
+          </a:p>
+        </p:txBody>
+      </p:sp>
+      <p:sp>
+        <p:nvSpPr>
+          <p:cNvPr id="15" name="正方形/長方形 14">
+            <a:extLst>
+              <a:ext uri="{FF2B5EF4-FFF2-40B4-BE49-F238E27FC236}">
+                <a16:creationId xmlns:a16="http://schemas.microsoft.com/office/drawing/2014/main" id="{A73B730E-AB98-16DF-236F-688857DEE680}"/>
+              </a:ext>
+            </a:extLst>
+          </p:cNvPr>
+          <p:cNvSpPr/>
+          <p:nvPr/>
+        </p:nvSpPr>
+        <p:spPr>
+          <a:xfrm rot="19348143">
+            <a:off x="9730079" y="4736037"/>
+            <a:ext cx="615049" cy="590742"/>
+          </a:xfrm>
+          <a:prstGeom prst="rect">
+            <a:avLst/>
+          </a:prstGeom>
+          <a:noFill/>
+        </p:spPr>
+        <p:style>
+          <a:lnRef idx="2">
+            <a:schemeClr val="accent1">
+              <a:shade val="50000"/>
+            </a:schemeClr>
+          </a:lnRef>
+          <a:fillRef idx="1">
+            <a:schemeClr val="accent1"/>
+          </a:fillRef>
+          <a:effectRef idx="0">
+            <a:schemeClr val="accent1"/>
+          </a:effectRef>
+          <a:fontRef idx="minor">
+            <a:schemeClr val="lt1"/>
+          </a:fontRef>
+        </p:style>
+        <p:txBody>
+          <a:bodyPr rtlCol="0" anchor="ctr"/>
+          <a:lstStyle/>
+          <a:p>
+            <a:pPr algn="ctr"/>
+            <a:endParaRPr kumimoji="1" lang="ja-JP" altLang="en-US"/>
+          </a:p>
+        </p:txBody>
+      </p:sp>
+      <p:sp>
+        <p:nvSpPr>
+          <p:cNvPr id="16" name="楕円 15">
+            <a:extLst>
+              <a:ext uri="{FF2B5EF4-FFF2-40B4-BE49-F238E27FC236}">
+                <a16:creationId xmlns:a16="http://schemas.microsoft.com/office/drawing/2014/main" id="{8340D167-D1D3-337C-E0D0-D113FE12A09F}"/>
+              </a:ext>
+            </a:extLst>
+          </p:cNvPr>
+          <p:cNvSpPr/>
+          <p:nvPr/>
+        </p:nvSpPr>
+        <p:spPr>
+          <a:xfrm>
+            <a:off x="10050011" y="4557910"/>
+            <a:ext cx="100667" cy="103839"/>
+          </a:xfrm>
+          <a:prstGeom prst="ellipse">
+            <a:avLst/>
+          </a:prstGeom>
+          <a:solidFill>
+            <a:srgbClr val="FF0000"/>
+          </a:solidFill>
+          <a:ln>
+            <a:solidFill>
+              <a:srgbClr val="FF0000"/>
+            </a:solidFill>
+          </a:ln>
+        </p:spPr>
+        <p:style>
+          <a:lnRef idx="2">
+            <a:schemeClr val="accent1">
+              <a:shade val="50000"/>
+            </a:schemeClr>
+          </a:lnRef>
+          <a:fillRef idx="1">
+            <a:schemeClr val="accent1"/>
+          </a:fillRef>
+          <a:effectRef idx="0">
+            <a:schemeClr val="accent1"/>
+          </a:effectRef>
+          <a:fontRef idx="minor">
+            <a:schemeClr val="lt1"/>
+          </a:fontRef>
+        </p:style>
+        <p:txBody>
+          <a:bodyPr rtlCol="0" anchor="ctr"/>
+          <a:lstStyle/>
+          <a:p>
+            <a:pPr algn="ctr"/>
+            <a:endParaRPr kumimoji="1" lang="ja-JP" altLang="en-US"/>
+          </a:p>
+        </p:txBody>
+      </p:sp>
+      <p:cxnSp>
+        <p:nvCxnSpPr>
+          <p:cNvPr id="17" name="直線コネクタ 16">
+            <a:extLst>
+              <a:ext uri="{FF2B5EF4-FFF2-40B4-BE49-F238E27FC236}">
+                <a16:creationId xmlns:a16="http://schemas.microsoft.com/office/drawing/2014/main" id="{6720F383-565E-EF3D-9712-482EC5DA4411}"/>
+              </a:ext>
+            </a:extLst>
+          </p:cNvPr>
+          <p:cNvCxnSpPr/>
+          <p:nvPr/>
+        </p:nvCxnSpPr>
+        <p:spPr>
+          <a:xfrm>
+            <a:off x="3105397" y="1223158"/>
+            <a:ext cx="53439" cy="5551715"/>
+          </a:xfrm>
+          <a:prstGeom prst="line">
+            <a:avLst/>
+          </a:prstGeom>
+        </p:spPr>
+        <p:style>
+          <a:lnRef idx="1">
+            <a:schemeClr val="accent1"/>
+          </a:lnRef>
+          <a:fillRef idx="0">
+            <a:schemeClr val="accent1"/>
+          </a:fillRef>
+          <a:effectRef idx="0">
+            <a:schemeClr val="accent1"/>
+          </a:effectRef>
+          <a:fontRef idx="minor">
+            <a:schemeClr val="tx1"/>
+          </a:fontRef>
+        </p:style>
+      </p:cxnSp>
+      <p:cxnSp>
+        <p:nvCxnSpPr>
+          <p:cNvPr id="18" name="直線コネクタ 17">
+            <a:extLst>
+              <a:ext uri="{FF2B5EF4-FFF2-40B4-BE49-F238E27FC236}">
+                <a16:creationId xmlns:a16="http://schemas.microsoft.com/office/drawing/2014/main" id="{4241E2E3-CD03-3534-08AA-8C6429DE1988}"/>
+              </a:ext>
+            </a:extLst>
+          </p:cNvPr>
+          <p:cNvCxnSpPr/>
+          <p:nvPr/>
+        </p:nvCxnSpPr>
+        <p:spPr>
+          <a:xfrm>
+            <a:off x="6042561" y="1223158"/>
+            <a:ext cx="53439" cy="5551715"/>
+          </a:xfrm>
+          <a:prstGeom prst="line">
+            <a:avLst/>
+          </a:prstGeom>
+        </p:spPr>
+        <p:style>
+          <a:lnRef idx="1">
+            <a:schemeClr val="accent1"/>
+          </a:lnRef>
+          <a:fillRef idx="0">
+            <a:schemeClr val="accent1"/>
+          </a:fillRef>
+          <a:effectRef idx="0">
+            <a:schemeClr val="accent1"/>
+          </a:effectRef>
+          <a:fontRef idx="minor">
+            <a:schemeClr val="tx1"/>
+          </a:fontRef>
+        </p:style>
+      </p:cxnSp>
+      <p:cxnSp>
+        <p:nvCxnSpPr>
+          <p:cNvPr id="19" name="直線コネクタ 18">
+            <a:extLst>
+              <a:ext uri="{FF2B5EF4-FFF2-40B4-BE49-F238E27FC236}">
+                <a16:creationId xmlns:a16="http://schemas.microsoft.com/office/drawing/2014/main" id="{9A276DCB-73AD-E9B1-F147-0D1DFF672BFC}"/>
+              </a:ext>
+            </a:extLst>
+          </p:cNvPr>
+          <p:cNvCxnSpPr/>
+          <p:nvPr/>
+        </p:nvCxnSpPr>
+        <p:spPr>
+          <a:xfrm>
+            <a:off x="9029205" y="1223158"/>
+            <a:ext cx="53439" cy="5551715"/>
+          </a:xfrm>
+          <a:prstGeom prst="line">
+            <a:avLst/>
+          </a:prstGeom>
+        </p:spPr>
+        <p:style>
+          <a:lnRef idx="1">
+            <a:schemeClr val="accent1"/>
+          </a:lnRef>
+          <a:fillRef idx="0">
+            <a:schemeClr val="accent1"/>
+          </a:fillRef>
+          <a:effectRef idx="0">
+            <a:schemeClr val="accent1"/>
+          </a:effectRef>
+          <a:fontRef idx="minor">
+            <a:schemeClr val="tx1"/>
+          </a:fontRef>
+        </p:style>
+      </p:cxnSp>
+      <p:cxnSp>
+        <p:nvCxnSpPr>
+          <p:cNvPr id="20" name="直線コネクタ 19">
+            <a:extLst>
+              <a:ext uri="{FF2B5EF4-FFF2-40B4-BE49-F238E27FC236}">
+                <a16:creationId xmlns:a16="http://schemas.microsoft.com/office/drawing/2014/main" id="{2665009A-989C-2C78-2522-DA242895D84F}"/>
+              </a:ext>
+            </a:extLst>
+          </p:cNvPr>
+          <p:cNvCxnSpPr>
+            <a:cxnSpLocks/>
+          </p:cNvCxnSpPr>
+          <p:nvPr/>
+        </p:nvCxnSpPr>
+        <p:spPr>
+          <a:xfrm>
+            <a:off x="48377" y="3999015"/>
+            <a:ext cx="12143623" cy="0"/>
+          </a:xfrm>
+          <a:prstGeom prst="line">
+            <a:avLst/>
+          </a:prstGeom>
+        </p:spPr>
+        <p:style>
+          <a:lnRef idx="1">
+            <a:schemeClr val="accent1"/>
+          </a:lnRef>
+          <a:fillRef idx="0">
+            <a:schemeClr val="accent1"/>
+          </a:fillRef>
+          <a:effectRef idx="0">
+            <a:schemeClr val="accent1"/>
+          </a:effectRef>
+          <a:fontRef idx="minor">
+            <a:schemeClr val="tx1"/>
+          </a:fontRef>
+        </p:style>
+      </p:cxnSp>
+      <p:sp>
+        <p:nvSpPr>
+          <p:cNvPr id="21" name="正方形/長方形 20">
+            <a:extLst>
+              <a:ext uri="{FF2B5EF4-FFF2-40B4-BE49-F238E27FC236}">
+                <a16:creationId xmlns:a16="http://schemas.microsoft.com/office/drawing/2014/main" id="{6337D34F-1BCE-9C6B-6F70-8A0193BDE862}"/>
+              </a:ext>
+            </a:extLst>
+          </p:cNvPr>
+          <p:cNvSpPr/>
+          <p:nvPr/>
+        </p:nvSpPr>
+        <p:spPr>
+          <a:xfrm>
+            <a:off x="931732" y="1683791"/>
+            <a:ext cx="1241570" cy="1116006"/>
+          </a:xfrm>
+          <a:prstGeom prst="rect">
+            <a:avLst/>
+          </a:prstGeom>
+          <a:noFill/>
+        </p:spPr>
+        <p:style>
+          <a:lnRef idx="2">
+            <a:schemeClr val="accent1">
+              <a:shade val="50000"/>
+            </a:schemeClr>
+          </a:lnRef>
+          <a:fillRef idx="1">
+            <a:schemeClr val="accent1"/>
+          </a:fillRef>
+          <a:effectRef idx="0">
+            <a:schemeClr val="accent1"/>
+          </a:effectRef>
+          <a:fontRef idx="minor">
+            <a:schemeClr val="lt1"/>
+          </a:fontRef>
+        </p:style>
+        <p:txBody>
+          <a:bodyPr rtlCol="0" anchor="ctr"/>
+          <a:lstStyle/>
+          <a:p>
+            <a:pPr algn="ctr"/>
+            <a:endParaRPr kumimoji="1" lang="ja-JP" altLang="en-US"/>
+          </a:p>
+        </p:txBody>
+      </p:sp>
+      <p:sp>
+        <p:nvSpPr>
+          <p:cNvPr id="22" name="楕円 21">
+            <a:extLst>
+              <a:ext uri="{FF2B5EF4-FFF2-40B4-BE49-F238E27FC236}">
+                <a16:creationId xmlns:a16="http://schemas.microsoft.com/office/drawing/2014/main" id="{A707615E-C7F0-F198-5D11-7BF6FD54DBC1}"/>
+              </a:ext>
+            </a:extLst>
+          </p:cNvPr>
+          <p:cNvSpPr/>
+          <p:nvPr/>
+        </p:nvSpPr>
+        <p:spPr>
+          <a:xfrm>
+            <a:off x="671673" y="1448899"/>
+            <a:ext cx="1761688" cy="1564682"/>
+          </a:xfrm>
+          <a:prstGeom prst="ellipse">
+            <a:avLst/>
+          </a:prstGeom>
+          <a:noFill/>
+          <a:ln w="3175">
+            <a:solidFill>
+              <a:schemeClr val="bg2">
+                <a:lumMod val="75000"/>
+              </a:schemeClr>
+            </a:solidFill>
+          </a:ln>
+        </p:spPr>
+        <p:style>
+          <a:lnRef idx="2">
+            <a:schemeClr val="accent1">
+              <a:shade val="50000"/>
+            </a:schemeClr>
+          </a:lnRef>
+          <a:fillRef idx="1">
+            <a:schemeClr val="accent1"/>
+          </a:fillRef>
+          <a:effectRef idx="0">
+            <a:schemeClr val="accent1"/>
+          </a:effectRef>
+          <a:fontRef idx="minor">
+            <a:schemeClr val="lt1"/>
+          </a:fontRef>
+        </p:style>
+        <p:txBody>
+          <a:bodyPr rtlCol="0" anchor="ctr"/>
+          <a:lstStyle/>
+          <a:p>
+            <a:pPr algn="ctr"/>
+            <a:endParaRPr kumimoji="1" lang="ja-JP" altLang="en-US"/>
+          </a:p>
+        </p:txBody>
+      </p:sp>
+      <p:sp>
+        <p:nvSpPr>
+          <p:cNvPr id="23" name="正方形/長方形 22">
+            <a:extLst>
+              <a:ext uri="{FF2B5EF4-FFF2-40B4-BE49-F238E27FC236}">
+                <a16:creationId xmlns:a16="http://schemas.microsoft.com/office/drawing/2014/main" id="{5139DC83-0D4F-7DA6-E312-879B9CEAFC26}"/>
+              </a:ext>
+            </a:extLst>
+          </p:cNvPr>
+          <p:cNvSpPr/>
+          <p:nvPr/>
+        </p:nvSpPr>
+        <p:spPr>
+          <a:xfrm rot="19348143">
+            <a:off x="1230077" y="3282067"/>
+            <a:ext cx="615049" cy="590742"/>
+          </a:xfrm>
+          <a:prstGeom prst="rect">
+            <a:avLst/>
+          </a:prstGeom>
+          <a:noFill/>
+        </p:spPr>
+        <p:style>
+          <a:lnRef idx="2">
+            <a:schemeClr val="accent1">
+              <a:shade val="50000"/>
+            </a:schemeClr>
+          </a:lnRef>
+          <a:fillRef idx="1">
+            <a:schemeClr val="accent1"/>
+          </a:fillRef>
+          <a:effectRef idx="0">
+            <a:schemeClr val="accent1"/>
+          </a:effectRef>
+          <a:fontRef idx="minor">
+            <a:schemeClr val="lt1"/>
+          </a:fontRef>
+        </p:style>
+        <p:txBody>
+          <a:bodyPr rtlCol="0" anchor="ctr"/>
+          <a:lstStyle/>
+          <a:p>
+            <a:pPr algn="ctr"/>
+            <a:endParaRPr kumimoji="1" lang="ja-JP" altLang="en-US"/>
+          </a:p>
+        </p:txBody>
+      </p:sp>
+      <p:sp>
+        <p:nvSpPr>
+          <p:cNvPr id="25" name="楕円 24">
+            <a:extLst>
+              <a:ext uri="{FF2B5EF4-FFF2-40B4-BE49-F238E27FC236}">
+                <a16:creationId xmlns:a16="http://schemas.microsoft.com/office/drawing/2014/main" id="{2FC35AD6-1B07-E8EF-4E04-C4E36291FCB7}"/>
+              </a:ext>
+            </a:extLst>
+          </p:cNvPr>
+          <p:cNvSpPr/>
+          <p:nvPr/>
+        </p:nvSpPr>
+        <p:spPr>
+          <a:xfrm>
+            <a:off x="4050953" y="3002275"/>
+            <a:ext cx="847622" cy="843156"/>
+          </a:xfrm>
+          <a:prstGeom prst="ellipse">
+            <a:avLst/>
+          </a:prstGeom>
+          <a:noFill/>
+          <a:ln w="3175">
+            <a:solidFill>
+              <a:schemeClr val="bg2">
+                <a:lumMod val="75000"/>
+              </a:schemeClr>
+            </a:solidFill>
+          </a:ln>
+        </p:spPr>
+        <p:style>
+          <a:lnRef idx="2">
+            <a:schemeClr val="accent1">
+              <a:shade val="50000"/>
+            </a:schemeClr>
+          </a:lnRef>
+          <a:fillRef idx="1">
+            <a:schemeClr val="accent1"/>
+          </a:fillRef>
+          <a:effectRef idx="0">
+            <a:schemeClr val="accent1"/>
+          </a:effectRef>
+          <a:fontRef idx="minor">
+            <a:schemeClr val="lt1"/>
+          </a:fontRef>
+        </p:style>
+        <p:txBody>
+          <a:bodyPr rtlCol="0" anchor="ctr"/>
+          <a:lstStyle/>
+          <a:p>
+            <a:pPr algn="ctr"/>
+            <a:endParaRPr kumimoji="1" lang="ja-JP" altLang="en-US"/>
+          </a:p>
+        </p:txBody>
+      </p:sp>
+      <p:sp>
+        <p:nvSpPr>
+          <p:cNvPr id="26" name="正方形/長方形 25">
+            <a:extLst>
+              <a:ext uri="{FF2B5EF4-FFF2-40B4-BE49-F238E27FC236}">
+                <a16:creationId xmlns:a16="http://schemas.microsoft.com/office/drawing/2014/main" id="{6C22E91D-86BE-9C39-DC56-15F7456DD3F9}"/>
+              </a:ext>
+            </a:extLst>
+          </p:cNvPr>
+          <p:cNvSpPr/>
+          <p:nvPr/>
+        </p:nvSpPr>
+        <p:spPr>
+          <a:xfrm>
+            <a:off x="3945585" y="1742186"/>
+            <a:ext cx="1241570" cy="1116006"/>
+          </a:xfrm>
+          <a:prstGeom prst="rect">
+            <a:avLst/>
+          </a:prstGeom>
+          <a:noFill/>
+        </p:spPr>
+        <p:style>
+          <a:lnRef idx="2">
+            <a:schemeClr val="accent1">
+              <a:shade val="50000"/>
+            </a:schemeClr>
+          </a:lnRef>
+          <a:fillRef idx="1">
+            <a:schemeClr val="accent1"/>
+          </a:fillRef>
+          <a:effectRef idx="0">
+            <a:schemeClr val="accent1"/>
+          </a:effectRef>
+          <a:fontRef idx="minor">
+            <a:schemeClr val="lt1"/>
+          </a:fontRef>
+        </p:style>
+        <p:txBody>
+          <a:bodyPr rtlCol="0" anchor="ctr"/>
+          <a:lstStyle/>
+          <a:p>
+            <a:pPr algn="ctr"/>
+            <a:endParaRPr kumimoji="1" lang="ja-JP" altLang="en-US"/>
+          </a:p>
+        </p:txBody>
+      </p:sp>
+      <p:sp>
+        <p:nvSpPr>
+          <p:cNvPr id="27" name="楕円 26">
+            <a:extLst>
+              <a:ext uri="{FF2B5EF4-FFF2-40B4-BE49-F238E27FC236}">
+                <a16:creationId xmlns:a16="http://schemas.microsoft.com/office/drawing/2014/main" id="{66E13EB1-2BF6-8E95-0E53-9B6C95412F68}"/>
+              </a:ext>
+            </a:extLst>
+          </p:cNvPr>
+          <p:cNvSpPr/>
+          <p:nvPr/>
+        </p:nvSpPr>
+        <p:spPr>
+          <a:xfrm>
+            <a:off x="3685526" y="1507294"/>
+            <a:ext cx="1761688" cy="1564682"/>
+          </a:xfrm>
+          <a:prstGeom prst="ellipse">
+            <a:avLst/>
+          </a:prstGeom>
+          <a:noFill/>
+          <a:ln w="3175">
+            <a:solidFill>
+              <a:schemeClr val="bg2">
+                <a:lumMod val="75000"/>
+              </a:schemeClr>
+            </a:solidFill>
+          </a:ln>
+        </p:spPr>
+        <p:style>
+          <a:lnRef idx="2">
+            <a:schemeClr val="accent1">
+              <a:shade val="50000"/>
+            </a:schemeClr>
+          </a:lnRef>
+          <a:fillRef idx="1">
+            <a:schemeClr val="accent1"/>
+          </a:fillRef>
+          <a:effectRef idx="0">
+            <a:schemeClr val="accent1"/>
+          </a:effectRef>
+          <a:fontRef idx="minor">
+            <a:schemeClr val="lt1"/>
+          </a:fontRef>
+        </p:style>
+        <p:txBody>
+          <a:bodyPr rtlCol="0" anchor="ctr"/>
+          <a:lstStyle/>
+          <a:p>
+            <a:pPr algn="ctr"/>
+            <a:endParaRPr kumimoji="1" lang="ja-JP" altLang="en-US"/>
+          </a:p>
+        </p:txBody>
+      </p:sp>
+      <p:sp>
+        <p:nvSpPr>
+          <p:cNvPr id="28" name="正方形/長方形 27">
+            <a:extLst>
+              <a:ext uri="{FF2B5EF4-FFF2-40B4-BE49-F238E27FC236}">
+                <a16:creationId xmlns:a16="http://schemas.microsoft.com/office/drawing/2014/main" id="{D6DB578F-3E2C-93D6-95EE-DA65CA5EFD40}"/>
+              </a:ext>
+            </a:extLst>
+          </p:cNvPr>
+          <p:cNvSpPr/>
+          <p:nvPr/>
+        </p:nvSpPr>
+        <p:spPr>
+          <a:xfrm rot="19348143">
+            <a:off x="4162549" y="3137983"/>
+            <a:ext cx="615049" cy="590742"/>
+          </a:xfrm>
+          <a:prstGeom prst="rect">
+            <a:avLst/>
+          </a:prstGeom>
+          <a:noFill/>
+        </p:spPr>
+        <p:style>
+          <a:lnRef idx="2">
+            <a:schemeClr val="accent1">
+              <a:shade val="50000"/>
+            </a:schemeClr>
+          </a:lnRef>
+          <a:fillRef idx="1">
+            <a:schemeClr val="accent1"/>
+          </a:fillRef>
+          <a:effectRef idx="0">
+            <a:schemeClr val="accent1"/>
+          </a:effectRef>
+          <a:fontRef idx="minor">
+            <a:schemeClr val="lt1"/>
+          </a:fontRef>
+        </p:style>
+        <p:txBody>
+          <a:bodyPr rtlCol="0" anchor="ctr"/>
+          <a:lstStyle/>
+          <a:p>
+            <a:pPr algn="ctr"/>
+            <a:endParaRPr kumimoji="1" lang="ja-JP" altLang="en-US"/>
+          </a:p>
+        </p:txBody>
+      </p:sp>
+      <p:sp>
+        <p:nvSpPr>
+          <p:cNvPr id="29" name="楕円 28">
+            <a:extLst>
+              <a:ext uri="{FF2B5EF4-FFF2-40B4-BE49-F238E27FC236}">
+                <a16:creationId xmlns:a16="http://schemas.microsoft.com/office/drawing/2014/main" id="{0C27CBB6-4ECA-277A-CA1B-2C6048F2A89D}"/>
+              </a:ext>
+            </a:extLst>
+          </p:cNvPr>
+          <p:cNvSpPr/>
+          <p:nvPr/>
+        </p:nvSpPr>
+        <p:spPr>
+          <a:xfrm>
+            <a:off x="1516493" y="2189874"/>
+            <a:ext cx="100667" cy="103839"/>
+          </a:xfrm>
+          <a:prstGeom prst="ellipse">
+            <a:avLst/>
+          </a:prstGeom>
+          <a:solidFill>
+            <a:schemeClr val="tx1"/>
+          </a:solidFill>
+          <a:ln>
+            <a:noFill/>
+          </a:ln>
+        </p:spPr>
+        <p:style>
+          <a:lnRef idx="2">
+            <a:schemeClr val="accent1">
+              <a:shade val="50000"/>
+            </a:schemeClr>
+          </a:lnRef>
+          <a:fillRef idx="1">
+            <a:schemeClr val="accent1"/>
+          </a:fillRef>
+          <a:effectRef idx="0">
+            <a:schemeClr val="accent1"/>
+          </a:effectRef>
+          <a:fontRef idx="minor">
+            <a:schemeClr val="lt1"/>
+          </a:fontRef>
+        </p:style>
+        <p:txBody>
+          <a:bodyPr rtlCol="0" anchor="ctr"/>
+          <a:lstStyle/>
+          <a:p>
+            <a:pPr algn="ctr"/>
+            <a:endParaRPr kumimoji="1" lang="ja-JP" altLang="en-US"/>
+          </a:p>
+        </p:txBody>
+      </p:sp>
+      <p:sp>
+        <p:nvSpPr>
+          <p:cNvPr id="30" name="テキスト ボックス 29">
+            <a:extLst>
+              <a:ext uri="{FF2B5EF4-FFF2-40B4-BE49-F238E27FC236}">
+                <a16:creationId xmlns:a16="http://schemas.microsoft.com/office/drawing/2014/main" id="{1A0E7BE8-1977-ED32-64D0-8EAB17DF9C36}"/>
+              </a:ext>
+            </a:extLst>
+          </p:cNvPr>
+          <p:cNvSpPr txBox="1"/>
+          <p:nvPr/>
+        </p:nvSpPr>
+        <p:spPr>
+          <a:xfrm>
+            <a:off x="3291984" y="4167517"/>
+            <a:ext cx="2514114" cy="1231106"/>
+          </a:xfrm>
+          <a:prstGeom prst="rect">
+            <a:avLst/>
+          </a:prstGeom>
+          <a:noFill/>
+        </p:spPr>
+        <p:txBody>
+          <a:bodyPr wrap="square" rtlCol="0">
+            <a:spAutoFit/>
+          </a:bodyPr>
+          <a:lstStyle/>
+          <a:p>
+            <a:r>
+              <a:rPr lang="ja-JP" altLang="en-US" dirty="0"/>
+              <a:t>イベント１</a:t>
+            </a:r>
+            <a:endParaRPr lang="en-US" altLang="ja-JP" dirty="0"/>
+          </a:p>
+          <a:p>
+            <a:r>
+              <a:rPr lang="en-US" altLang="ja-JP" sz="1400" dirty="0"/>
+              <a:t>|</a:t>
+            </a:r>
+            <a:r>
+              <a:rPr lang="ja-JP" altLang="en-US" sz="1400" dirty="0"/>
+              <a:t>頂点座標</a:t>
+            </a:r>
+            <a:r>
+              <a:rPr lang="en-US" altLang="ja-JP" sz="1400" dirty="0"/>
+              <a:t>-</a:t>
+            </a:r>
+            <a:r>
+              <a:rPr lang="ja-JP" altLang="en-US" sz="1400" dirty="0"/>
+              <a:t>中心座標</a:t>
+            </a:r>
+            <a:r>
+              <a:rPr lang="en-US" altLang="ja-JP" sz="1400" dirty="0"/>
+              <a:t>|&lt;(</a:t>
+            </a:r>
+            <a:r>
+              <a:rPr lang="ja-JP" altLang="en-US" sz="1400" dirty="0"/>
+              <a:t>検知範囲</a:t>
+            </a:r>
+            <a:r>
+              <a:rPr lang="en-US" altLang="ja-JP" sz="1400" dirty="0"/>
+              <a:t>)</a:t>
+            </a:r>
+            <a:r>
+              <a:rPr lang="ja-JP" altLang="en-US" sz="1400" dirty="0"/>
+              <a:t>が成り立つ座標の取得</a:t>
+            </a:r>
+            <a:endParaRPr lang="en-US" altLang="ja-JP" sz="1400" dirty="0"/>
+          </a:p>
+          <a:p>
+            <a:r>
+              <a:rPr lang="ja-JP" altLang="en-US" sz="1400" dirty="0"/>
+              <a:t>代入は</a:t>
+            </a:r>
+            <a:r>
+              <a:rPr lang="en-US" altLang="ja-JP" sz="1400" dirty="0"/>
+              <a:t>a</a:t>
+            </a:r>
+            <a:r>
+              <a:rPr lang="ja-JP" altLang="en-US" sz="1400" dirty="0"/>
+              <a:t>頂点なら</a:t>
+            </a:r>
+            <a:r>
+              <a:rPr lang="en-US" altLang="ja-JP" sz="1400" dirty="0"/>
+              <a:t>b</a:t>
+            </a:r>
+            <a:r>
+              <a:rPr lang="ja-JP" altLang="en-US" sz="1400" dirty="0"/>
+              <a:t>検知範囲のように交互で全部</a:t>
+            </a:r>
+            <a:endParaRPr lang="en-US" altLang="ja-JP" sz="1400" dirty="0"/>
+          </a:p>
+        </p:txBody>
+      </p:sp>
+      <p:cxnSp>
+        <p:nvCxnSpPr>
+          <p:cNvPr id="34" name="直線矢印コネクタ 33">
+            <a:extLst>
+              <a:ext uri="{FF2B5EF4-FFF2-40B4-BE49-F238E27FC236}">
+                <a16:creationId xmlns:a16="http://schemas.microsoft.com/office/drawing/2014/main" id="{DC7017D0-31E5-D8F8-2FE9-6AF5C1C66B24}"/>
+              </a:ext>
+            </a:extLst>
+          </p:cNvPr>
+          <p:cNvCxnSpPr>
+            <a:cxnSpLocks/>
+            <a:stCxn id="29" idx="6"/>
+          </p:cNvCxnSpPr>
+          <p:nvPr/>
+        </p:nvCxnSpPr>
+        <p:spPr>
+          <a:xfrm flipV="1">
+            <a:off x="1617160" y="2231240"/>
+            <a:ext cx="816201" cy="10554"/>
+          </a:xfrm>
+          <a:prstGeom prst="straightConnector1">
+            <a:avLst/>
+          </a:prstGeom>
+          <a:ln>
+            <a:headEnd type="triangle"/>
+            <a:tailEnd type="triangle"/>
+          </a:ln>
+        </p:spPr>
+        <p:style>
+          <a:lnRef idx="1">
+            <a:schemeClr val="accent1"/>
+          </a:lnRef>
+          <a:fillRef idx="0">
+            <a:schemeClr val="accent1"/>
+          </a:fillRef>
+          <a:effectRef idx="0">
+            <a:schemeClr val="accent1"/>
+          </a:effectRef>
+          <a:fontRef idx="minor">
+            <a:schemeClr val="tx1"/>
+          </a:fontRef>
+        </p:style>
+      </p:cxnSp>
+      <p:sp>
+        <p:nvSpPr>
+          <p:cNvPr id="38" name="テキスト ボックス 37">
+            <a:extLst>
+              <a:ext uri="{FF2B5EF4-FFF2-40B4-BE49-F238E27FC236}">
+                <a16:creationId xmlns:a16="http://schemas.microsoft.com/office/drawing/2014/main" id="{7F825515-B088-49C1-CA66-FEAC6D65B9A6}"/>
+              </a:ext>
+            </a:extLst>
+          </p:cNvPr>
+          <p:cNvSpPr txBox="1"/>
+          <p:nvPr/>
+        </p:nvSpPr>
+        <p:spPr>
+          <a:xfrm>
+            <a:off x="1671439" y="1966615"/>
+            <a:ext cx="910028" cy="307777"/>
+          </a:xfrm>
+          <a:prstGeom prst="rect">
+            <a:avLst/>
+          </a:prstGeom>
+          <a:noFill/>
+        </p:spPr>
+        <p:txBody>
+          <a:bodyPr wrap="square" rtlCol="0">
+            <a:spAutoFit/>
+          </a:bodyPr>
+          <a:lstStyle/>
+          <a:p>
+            <a:r>
+              <a:rPr kumimoji="1" lang="ja-JP" altLang="en-US" sz="1400" dirty="0"/>
+              <a:t>検知範囲</a:t>
+            </a:r>
+          </a:p>
+        </p:txBody>
+      </p:sp>
+      <p:sp>
+        <p:nvSpPr>
+          <p:cNvPr id="39" name="テキスト ボックス 38">
+            <a:extLst>
+              <a:ext uri="{FF2B5EF4-FFF2-40B4-BE49-F238E27FC236}">
+                <a16:creationId xmlns:a16="http://schemas.microsoft.com/office/drawing/2014/main" id="{F53AAD5E-0A7D-885E-9851-4D743CD435B0}"/>
+              </a:ext>
+            </a:extLst>
+          </p:cNvPr>
+          <p:cNvSpPr txBox="1"/>
+          <p:nvPr/>
+        </p:nvSpPr>
+        <p:spPr>
+          <a:xfrm>
+            <a:off x="5805368" y="98137"/>
+            <a:ext cx="4522781" cy="307777"/>
+          </a:xfrm>
+          <a:prstGeom prst="rect">
+            <a:avLst/>
+          </a:prstGeom>
+          <a:noFill/>
+        </p:spPr>
+        <p:txBody>
+          <a:bodyPr wrap="square" rtlCol="0">
+            <a:spAutoFit/>
+          </a:bodyPr>
+          <a:lstStyle/>
+          <a:p>
+            <a:r>
+              <a:rPr kumimoji="1" lang="ja-JP" altLang="en-US" sz="1400" dirty="0"/>
+              <a:t>検知範囲</a:t>
+            </a:r>
+            <a:r>
+              <a:rPr kumimoji="1" lang="en-US" altLang="ja-JP" sz="1400" dirty="0"/>
+              <a:t>=magnitude(</a:t>
+            </a:r>
+            <a:r>
+              <a:rPr kumimoji="1" lang="ja-JP" altLang="en-US" sz="1400" dirty="0"/>
+              <a:t>頂点</a:t>
+            </a:r>
+            <a:r>
+              <a:rPr kumimoji="1" lang="en-US" altLang="ja-JP" sz="1400" dirty="0"/>
+              <a:t>-</a:t>
+            </a:r>
+            <a:r>
+              <a:rPr kumimoji="1" lang="ja-JP" altLang="en-US" sz="1400" dirty="0"/>
+              <a:t>中心</a:t>
+            </a:r>
+            <a:r>
+              <a:rPr lang="en-US" altLang="ja-JP" sz="1400" dirty="0"/>
+              <a:t>)</a:t>
+            </a:r>
+            <a:r>
+              <a:rPr kumimoji="1" lang="en-US" altLang="ja-JP" sz="1400" dirty="0"/>
+              <a:t>+</a:t>
+            </a:r>
+            <a:r>
+              <a:rPr lang="ja-JP" altLang="en-US" sz="1400" dirty="0"/>
+              <a:t>誤差許容値</a:t>
+            </a:r>
+            <a:endParaRPr kumimoji="1" lang="ja-JP" altLang="en-US" sz="1400" dirty="0"/>
+          </a:p>
+        </p:txBody>
+      </p:sp>
+      <p:sp>
+        <p:nvSpPr>
+          <p:cNvPr id="40" name="矢印: 右 39">
+            <a:extLst>
+              <a:ext uri="{FF2B5EF4-FFF2-40B4-BE49-F238E27FC236}">
+                <a16:creationId xmlns:a16="http://schemas.microsoft.com/office/drawing/2014/main" id="{1AD779F8-6D82-A88D-FB1D-4C5170C97EA0}"/>
+              </a:ext>
+            </a:extLst>
+          </p:cNvPr>
+          <p:cNvSpPr/>
+          <p:nvPr/>
+        </p:nvSpPr>
+        <p:spPr>
+          <a:xfrm rot="17902272">
+            <a:off x="2355004" y="4994968"/>
+            <a:ext cx="1225354" cy="216122"/>
+          </a:xfrm>
+          <a:prstGeom prst="rightArrow">
+            <a:avLst/>
+          </a:prstGeom>
+        </p:spPr>
+        <p:style>
+          <a:lnRef idx="2">
+            <a:schemeClr val="accent1">
+              <a:shade val="50000"/>
+            </a:schemeClr>
+          </a:lnRef>
+          <a:fillRef idx="1">
+            <a:schemeClr val="accent1"/>
+          </a:fillRef>
+          <a:effectRef idx="0">
+            <a:schemeClr val="accent1"/>
+          </a:effectRef>
+          <a:fontRef idx="minor">
+            <a:schemeClr val="lt1"/>
+          </a:fontRef>
+        </p:style>
+        <p:txBody>
+          <a:bodyPr rtlCol="0" anchor="ctr"/>
+          <a:lstStyle/>
+          <a:p>
+            <a:pPr algn="ctr"/>
+            <a:endParaRPr kumimoji="1" lang="ja-JP" altLang="en-US"/>
+          </a:p>
+        </p:txBody>
+      </p:sp>
+      <p:sp>
+        <p:nvSpPr>
+          <p:cNvPr id="41" name="楕円 40">
+            <a:extLst>
+              <a:ext uri="{FF2B5EF4-FFF2-40B4-BE49-F238E27FC236}">
+                <a16:creationId xmlns:a16="http://schemas.microsoft.com/office/drawing/2014/main" id="{20C6DECE-B7E8-EEAE-8DE8-5EC857B0B2AF}"/>
+              </a:ext>
+            </a:extLst>
+          </p:cNvPr>
+          <p:cNvSpPr/>
+          <p:nvPr/>
+        </p:nvSpPr>
+        <p:spPr>
+          <a:xfrm>
+            <a:off x="4481929" y="2977638"/>
+            <a:ext cx="100667" cy="103839"/>
+          </a:xfrm>
+          <a:prstGeom prst="ellipse">
+            <a:avLst/>
+          </a:prstGeom>
+          <a:solidFill>
+            <a:srgbClr val="FF0000"/>
+          </a:solidFill>
+          <a:ln>
+            <a:solidFill>
+              <a:srgbClr val="FF0000"/>
+            </a:solidFill>
+          </a:ln>
+        </p:spPr>
+        <p:style>
+          <a:lnRef idx="2">
+            <a:schemeClr val="accent1">
+              <a:shade val="50000"/>
+            </a:schemeClr>
+          </a:lnRef>
+          <a:fillRef idx="1">
+            <a:schemeClr val="accent1"/>
+          </a:fillRef>
+          <a:effectRef idx="0">
+            <a:schemeClr val="accent1"/>
+          </a:effectRef>
+          <a:fontRef idx="minor">
+            <a:schemeClr val="lt1"/>
+          </a:fontRef>
+        </p:style>
+        <p:txBody>
+          <a:bodyPr rtlCol="0" anchor="ctr"/>
+          <a:lstStyle/>
+          <a:p>
+            <a:pPr algn="ctr"/>
+            <a:endParaRPr kumimoji="1" lang="ja-JP" altLang="en-US"/>
+          </a:p>
+        </p:txBody>
+      </p:sp>
+      <p:sp>
+        <p:nvSpPr>
+          <p:cNvPr id="2" name="楕円 1">
+            <a:extLst>
+              <a:ext uri="{FF2B5EF4-FFF2-40B4-BE49-F238E27FC236}">
+                <a16:creationId xmlns:a16="http://schemas.microsoft.com/office/drawing/2014/main" id="{C7E215F4-55AB-C1D7-C1D2-FD64C24ED0E0}"/>
+              </a:ext>
+            </a:extLst>
+          </p:cNvPr>
+          <p:cNvSpPr/>
+          <p:nvPr/>
+        </p:nvSpPr>
+        <p:spPr>
+          <a:xfrm>
+            <a:off x="7055642" y="3034565"/>
+            <a:ext cx="847622" cy="843156"/>
+          </a:xfrm>
+          <a:prstGeom prst="ellipse">
+            <a:avLst/>
+          </a:prstGeom>
+          <a:noFill/>
+          <a:ln w="3175">
+            <a:solidFill>
+              <a:schemeClr val="bg2">
+                <a:lumMod val="75000"/>
+              </a:schemeClr>
+            </a:solidFill>
+          </a:ln>
+        </p:spPr>
+        <p:style>
+          <a:lnRef idx="2">
+            <a:schemeClr val="accent1">
+              <a:shade val="50000"/>
+            </a:schemeClr>
+          </a:lnRef>
+          <a:fillRef idx="1">
+            <a:schemeClr val="accent1"/>
+          </a:fillRef>
+          <a:effectRef idx="0">
+            <a:schemeClr val="accent1"/>
+          </a:effectRef>
+          <a:fontRef idx="minor">
+            <a:schemeClr val="lt1"/>
+          </a:fontRef>
+        </p:style>
+        <p:txBody>
+          <a:bodyPr rtlCol="0" anchor="ctr"/>
+          <a:lstStyle/>
+          <a:p>
+            <a:pPr algn="ctr"/>
+            <a:endParaRPr kumimoji="1" lang="ja-JP" altLang="en-US"/>
+          </a:p>
+        </p:txBody>
+      </p:sp>
+      <p:sp>
+        <p:nvSpPr>
+          <p:cNvPr id="4" name="正方形/長方形 3">
+            <a:extLst>
+              <a:ext uri="{FF2B5EF4-FFF2-40B4-BE49-F238E27FC236}">
+                <a16:creationId xmlns:a16="http://schemas.microsoft.com/office/drawing/2014/main" id="{A3358812-BDCD-BA67-7E7F-9A547562EA7D}"/>
+              </a:ext>
+            </a:extLst>
+          </p:cNvPr>
+          <p:cNvSpPr/>
+          <p:nvPr/>
+        </p:nvSpPr>
+        <p:spPr>
+          <a:xfrm>
+            <a:off x="6950274" y="1774476"/>
+            <a:ext cx="1241570" cy="1116006"/>
+          </a:xfrm>
+          <a:prstGeom prst="rect">
+            <a:avLst/>
+          </a:prstGeom>
+          <a:noFill/>
+        </p:spPr>
+        <p:style>
+          <a:lnRef idx="2">
+            <a:schemeClr val="accent1">
+              <a:shade val="50000"/>
+            </a:schemeClr>
+          </a:lnRef>
+          <a:fillRef idx="1">
+            <a:schemeClr val="accent1"/>
+          </a:fillRef>
+          <a:effectRef idx="0">
+            <a:schemeClr val="accent1"/>
+          </a:effectRef>
+          <a:fontRef idx="minor">
+            <a:schemeClr val="lt1"/>
+          </a:fontRef>
+        </p:style>
+        <p:txBody>
+          <a:bodyPr rtlCol="0" anchor="ctr"/>
+          <a:lstStyle/>
+          <a:p>
+            <a:pPr algn="ctr"/>
+            <a:endParaRPr kumimoji="1" lang="ja-JP" altLang="en-US"/>
+          </a:p>
+        </p:txBody>
+      </p:sp>
+      <p:sp>
+        <p:nvSpPr>
+          <p:cNvPr id="8" name="楕円 7">
+            <a:extLst>
+              <a:ext uri="{FF2B5EF4-FFF2-40B4-BE49-F238E27FC236}">
+                <a16:creationId xmlns:a16="http://schemas.microsoft.com/office/drawing/2014/main" id="{A90C7006-E642-8A71-A6F2-BBDDEB69241B}"/>
+              </a:ext>
+            </a:extLst>
+          </p:cNvPr>
+          <p:cNvSpPr/>
+          <p:nvPr/>
+        </p:nvSpPr>
+        <p:spPr>
+          <a:xfrm>
+            <a:off x="6656107" y="2252839"/>
+            <a:ext cx="1761688" cy="1564682"/>
+          </a:xfrm>
+          <a:prstGeom prst="ellipse">
+            <a:avLst/>
+          </a:prstGeom>
+          <a:noFill/>
+          <a:ln w="3175">
+            <a:solidFill>
+              <a:schemeClr val="bg2">
+                <a:lumMod val="75000"/>
+              </a:schemeClr>
+            </a:solidFill>
+          </a:ln>
+        </p:spPr>
+        <p:style>
+          <a:lnRef idx="2">
+            <a:schemeClr val="accent1">
+              <a:shade val="50000"/>
+            </a:schemeClr>
+          </a:lnRef>
+          <a:fillRef idx="1">
+            <a:schemeClr val="accent1"/>
+          </a:fillRef>
+          <a:effectRef idx="0">
+            <a:schemeClr val="accent1"/>
+          </a:effectRef>
+          <a:fontRef idx="minor">
+            <a:schemeClr val="lt1"/>
+          </a:fontRef>
+        </p:style>
+        <p:txBody>
+          <a:bodyPr rtlCol="0" anchor="ctr"/>
+          <a:lstStyle/>
+          <a:p>
+            <a:pPr algn="ctr"/>
+            <a:endParaRPr kumimoji="1" lang="ja-JP" altLang="en-US"/>
+          </a:p>
+        </p:txBody>
+      </p:sp>
+      <p:sp>
+        <p:nvSpPr>
+          <p:cNvPr id="24" name="正方形/長方形 23">
+            <a:extLst>
+              <a:ext uri="{FF2B5EF4-FFF2-40B4-BE49-F238E27FC236}">
+                <a16:creationId xmlns:a16="http://schemas.microsoft.com/office/drawing/2014/main" id="{7743BB48-A5AA-1D26-7E88-0AFF53AB4309}"/>
+              </a:ext>
+            </a:extLst>
+          </p:cNvPr>
+          <p:cNvSpPr/>
+          <p:nvPr/>
+        </p:nvSpPr>
+        <p:spPr>
+          <a:xfrm rot="19348143">
+            <a:off x="7167238" y="3170273"/>
+            <a:ext cx="615049" cy="590742"/>
+          </a:xfrm>
+          <a:prstGeom prst="rect">
+            <a:avLst/>
+          </a:prstGeom>
+          <a:noFill/>
+        </p:spPr>
+        <p:style>
+          <a:lnRef idx="2">
+            <a:schemeClr val="accent1">
+              <a:shade val="50000"/>
+            </a:schemeClr>
+          </a:lnRef>
+          <a:fillRef idx="1">
+            <a:schemeClr val="accent1"/>
+          </a:fillRef>
+          <a:effectRef idx="0">
+            <a:schemeClr val="accent1"/>
+          </a:effectRef>
+          <a:fontRef idx="minor">
+            <a:schemeClr val="lt1"/>
+          </a:fontRef>
+        </p:style>
+        <p:txBody>
+          <a:bodyPr rtlCol="0" anchor="ctr"/>
+          <a:lstStyle/>
+          <a:p>
+            <a:pPr algn="ctr"/>
+            <a:endParaRPr kumimoji="1" lang="ja-JP" altLang="en-US"/>
+          </a:p>
+        </p:txBody>
+      </p:sp>
+      <p:sp>
+        <p:nvSpPr>
+          <p:cNvPr id="31" name="楕円 30">
+            <a:extLst>
+              <a:ext uri="{FF2B5EF4-FFF2-40B4-BE49-F238E27FC236}">
+                <a16:creationId xmlns:a16="http://schemas.microsoft.com/office/drawing/2014/main" id="{BAD2374A-9BE2-0BE9-447E-00199EC3D0EE}"/>
+              </a:ext>
+            </a:extLst>
+          </p:cNvPr>
+          <p:cNvSpPr/>
+          <p:nvPr/>
+        </p:nvSpPr>
+        <p:spPr>
+          <a:xfrm>
+            <a:off x="7486618" y="3009928"/>
+            <a:ext cx="100667" cy="103839"/>
+          </a:xfrm>
+          <a:prstGeom prst="ellipse">
+            <a:avLst/>
+          </a:prstGeom>
+          <a:solidFill>
+            <a:srgbClr val="FF0000"/>
+          </a:solidFill>
+          <a:ln>
+            <a:solidFill>
+              <a:srgbClr val="FF0000"/>
+            </a:solidFill>
+          </a:ln>
+        </p:spPr>
+        <p:style>
+          <a:lnRef idx="2">
+            <a:schemeClr val="accent1">
+              <a:shade val="50000"/>
+            </a:schemeClr>
+          </a:lnRef>
+          <a:fillRef idx="1">
+            <a:schemeClr val="accent1"/>
+          </a:fillRef>
+          <a:effectRef idx="0">
+            <a:schemeClr val="accent1"/>
+          </a:effectRef>
+          <a:fontRef idx="minor">
+            <a:schemeClr val="lt1"/>
+          </a:fontRef>
+        </p:style>
+        <p:txBody>
+          <a:bodyPr rtlCol="0" anchor="ctr"/>
+          <a:lstStyle/>
+          <a:p>
+            <a:pPr algn="ctr"/>
+            <a:endParaRPr kumimoji="1" lang="ja-JP" altLang="en-US"/>
+          </a:p>
+        </p:txBody>
+      </p:sp>
+      <p:sp>
+        <p:nvSpPr>
+          <p:cNvPr id="32" name="二等辺三角形 31">
+            <a:extLst>
+              <a:ext uri="{FF2B5EF4-FFF2-40B4-BE49-F238E27FC236}">
+                <a16:creationId xmlns:a16="http://schemas.microsoft.com/office/drawing/2014/main" id="{12E819A7-78FB-C76B-7B86-D3EB130092F3}"/>
+              </a:ext>
+            </a:extLst>
+          </p:cNvPr>
+          <p:cNvSpPr/>
+          <p:nvPr/>
+        </p:nvSpPr>
+        <p:spPr>
+          <a:xfrm>
+            <a:off x="11033598" y="1594851"/>
+            <a:ext cx="732334" cy="1584000"/>
+          </a:xfrm>
+          <a:prstGeom prst="triangle">
+            <a:avLst/>
+          </a:prstGeom>
+        </p:spPr>
+        <p:style>
+          <a:lnRef idx="2">
+            <a:schemeClr val="accent1">
+              <a:shade val="50000"/>
+            </a:schemeClr>
+          </a:lnRef>
+          <a:fillRef idx="1">
+            <a:schemeClr val="accent1"/>
+          </a:fillRef>
+          <a:effectRef idx="0">
+            <a:schemeClr val="accent1"/>
+          </a:effectRef>
+          <a:fontRef idx="minor">
+            <a:schemeClr val="lt1"/>
+          </a:fontRef>
+        </p:style>
+        <p:txBody>
+          <a:bodyPr rtlCol="0" anchor="ctr"/>
+          <a:lstStyle/>
+          <a:p>
+            <a:pPr algn="ctr"/>
+            <a:endParaRPr kumimoji="1" lang="ja-JP" altLang="en-US"/>
+          </a:p>
+        </p:txBody>
+      </p:sp>
+    </p:spTree>
+    <p:extLst>
+      <p:ext uri="{BB962C8B-B14F-4D97-AF65-F5344CB8AC3E}">
+        <p14:creationId xmlns:p14="http://schemas.microsoft.com/office/powerpoint/2010/main" val="224315291"/>
+      </p:ext>
+    </p:extLst>
+  </p:cSld>
+  <p:clrMapOvr>
+    <a:masterClrMapping/>
+  </p:clrMapOvr>
+</p:sld>
+</file>
+
+<file path=ppt/slides/slide7.xml><?xml version="1.0" encoding="utf-8"?>
+<p:sld xmlns:a="http://schemas.openxmlformats.org/drawingml/2006/main" xmlns:r="http://schemas.openxmlformats.org/officeDocument/2006/relationships" xmlns:p="http://schemas.openxmlformats.org/presentationml/2006/main">
+  <p:cSld>
+    <p:spTree>
+      <p:nvGrpSpPr>
+        <p:cNvPr id="1" name=""/>
+        <p:cNvGrpSpPr/>
+        <p:nvPr/>
+      </p:nvGrpSpPr>
+      <p:grpSpPr>
+        <a:xfrm>
+          <a:off x="0" y="0"/>
+          <a:ext cx="0" cy="0"/>
+          <a:chOff x="0" y="0"/>
+          <a:chExt cx="0" cy="0"/>
+        </a:xfrm>
+      </p:grpSpPr>
+      <p:sp>
+        <p:nvSpPr>
+          <p:cNvPr id="5" name="テキスト ボックス 4">
+            <a:extLst>
+              <a:ext uri="{FF2B5EF4-FFF2-40B4-BE49-F238E27FC236}">
+                <a16:creationId xmlns:a16="http://schemas.microsoft.com/office/drawing/2014/main" id="{4F72FFEF-82A8-1A13-3B2B-3DED2DB4CA97}"/>
+              </a:ext>
+            </a:extLst>
+          </p:cNvPr>
+          <p:cNvSpPr txBox="1"/>
+          <p:nvPr/>
+        </p:nvSpPr>
+        <p:spPr>
+          <a:xfrm>
+            <a:off x="145649" y="171160"/>
+            <a:ext cx="2375065" cy="461665"/>
+          </a:xfrm>
+          <a:prstGeom prst="rect">
+            <a:avLst/>
+          </a:prstGeom>
+          <a:noFill/>
+        </p:spPr>
+        <p:txBody>
+          <a:bodyPr wrap="square" rtlCol="0">
+            <a:spAutoFit/>
+          </a:bodyPr>
+          <a:lstStyle/>
+          <a:p>
+            <a:r>
+              <a:rPr kumimoji="1" lang="ja-JP" altLang="en-US" sz="2400" dirty="0"/>
+              <a:t>接触判定数式</a:t>
+            </a:r>
+          </a:p>
+        </p:txBody>
+      </p:sp>
+      <p:sp>
+        <p:nvSpPr>
+          <p:cNvPr id="3" name="テキスト ボックス 2">
+            <a:extLst>
+              <a:ext uri="{FF2B5EF4-FFF2-40B4-BE49-F238E27FC236}">
+                <a16:creationId xmlns:a16="http://schemas.microsoft.com/office/drawing/2014/main" id="{2BE17F45-BE60-AC2B-ACF9-3284E601A0D4}"/>
+              </a:ext>
+            </a:extLst>
+          </p:cNvPr>
+          <p:cNvSpPr txBox="1"/>
+          <p:nvPr/>
+        </p:nvSpPr>
+        <p:spPr>
+          <a:xfrm>
+            <a:off x="2780773" y="299828"/>
+            <a:ext cx="2986481" cy="923330"/>
+          </a:xfrm>
+          <a:prstGeom prst="rect">
+            <a:avLst/>
+          </a:prstGeom>
+          <a:noFill/>
+        </p:spPr>
+        <p:txBody>
+          <a:bodyPr wrap="square" rtlCol="0">
+            <a:spAutoFit/>
+          </a:bodyPr>
+          <a:lstStyle/>
+          <a:p>
+            <a:r>
+              <a:rPr lang="ja-JP" altLang="en-US" dirty="0"/>
+              <a:t>四角形でまずはやる</a:t>
+            </a:r>
+            <a:endParaRPr lang="en-US" altLang="ja-JP" dirty="0"/>
+          </a:p>
+          <a:p>
+            <a:r>
+              <a:rPr kumimoji="1" lang="en-US" altLang="ja-JP" dirty="0"/>
+              <a:t>6</a:t>
+            </a:r>
+            <a:r>
+              <a:rPr kumimoji="1" lang="ja-JP" altLang="en-US" dirty="0"/>
+              <a:t>面のそれぞれの面積方程式用意</a:t>
+            </a:r>
+          </a:p>
+        </p:txBody>
+      </p:sp>
+      <p:sp>
+        <p:nvSpPr>
+          <p:cNvPr id="6" name="正方形/長方形 5">
+            <a:extLst>
+              <a:ext uri="{FF2B5EF4-FFF2-40B4-BE49-F238E27FC236}">
+                <a16:creationId xmlns:a16="http://schemas.microsoft.com/office/drawing/2014/main" id="{17E4C041-54E8-6679-3181-7783454444F8}"/>
+              </a:ext>
+            </a:extLst>
+          </p:cNvPr>
+          <p:cNvSpPr/>
+          <p:nvPr/>
+        </p:nvSpPr>
+        <p:spPr>
+          <a:xfrm>
+            <a:off x="8330939" y="1157782"/>
+            <a:ext cx="1241570" cy="1116006"/>
+          </a:xfrm>
+          <a:prstGeom prst="rect">
+            <a:avLst/>
+          </a:prstGeom>
+          <a:noFill/>
+        </p:spPr>
+        <p:style>
+          <a:lnRef idx="2">
+            <a:schemeClr val="accent1">
+              <a:shade val="50000"/>
+            </a:schemeClr>
+          </a:lnRef>
+          <a:fillRef idx="1">
+            <a:schemeClr val="accent1"/>
+          </a:fillRef>
+          <a:effectRef idx="0">
+            <a:schemeClr val="accent1"/>
+          </a:effectRef>
+          <a:fontRef idx="minor">
+            <a:schemeClr val="lt1"/>
+          </a:fontRef>
+        </p:style>
+        <p:txBody>
+          <a:bodyPr rtlCol="0" anchor="ctr"/>
+          <a:lstStyle/>
+          <a:p>
+            <a:pPr algn="ctr"/>
+            <a:endParaRPr kumimoji="1" lang="ja-JP" altLang="en-US"/>
+          </a:p>
+        </p:txBody>
+      </p:sp>
+      <p:sp>
+        <p:nvSpPr>
+          <p:cNvPr id="9" name="正方形/長方形 8">
+            <a:extLst>
+              <a:ext uri="{FF2B5EF4-FFF2-40B4-BE49-F238E27FC236}">
+                <a16:creationId xmlns:a16="http://schemas.microsoft.com/office/drawing/2014/main" id="{E889E7D4-5B0A-6870-4701-6475A460CC56}"/>
+              </a:ext>
+            </a:extLst>
+          </p:cNvPr>
+          <p:cNvSpPr/>
+          <p:nvPr/>
+        </p:nvSpPr>
+        <p:spPr>
+          <a:xfrm rot="19348143">
+            <a:off x="11034596" y="3461865"/>
+            <a:ext cx="615049" cy="590742"/>
+          </a:xfrm>
+          <a:prstGeom prst="rect">
+            <a:avLst/>
+          </a:prstGeom>
+          <a:noFill/>
+        </p:spPr>
+        <p:style>
+          <a:lnRef idx="2">
+            <a:schemeClr val="accent1">
+              <a:shade val="50000"/>
+            </a:schemeClr>
+          </a:lnRef>
+          <a:fillRef idx="1">
+            <a:schemeClr val="accent1"/>
+          </a:fillRef>
+          <a:effectRef idx="0">
+            <a:schemeClr val="accent1"/>
+          </a:effectRef>
+          <a:fontRef idx="minor">
+            <a:schemeClr val="lt1"/>
+          </a:fontRef>
+        </p:style>
+        <p:txBody>
+          <a:bodyPr rtlCol="0" anchor="ctr"/>
+          <a:lstStyle/>
+          <a:p>
+            <a:pPr algn="ctr"/>
+            <a:endParaRPr kumimoji="1" lang="ja-JP" altLang="en-US"/>
+          </a:p>
+        </p:txBody>
+      </p:sp>
+      <p:sp>
+        <p:nvSpPr>
+          <p:cNvPr id="11" name="テキスト ボックス 10">
+            <a:extLst>
+              <a:ext uri="{FF2B5EF4-FFF2-40B4-BE49-F238E27FC236}">
+                <a16:creationId xmlns:a16="http://schemas.microsoft.com/office/drawing/2014/main" id="{E2A307BC-111B-4235-5327-A52A0C4FD2C4}"/>
+              </a:ext>
+            </a:extLst>
+          </p:cNvPr>
+          <p:cNvSpPr txBox="1"/>
+          <p:nvPr/>
+        </p:nvSpPr>
+        <p:spPr>
+          <a:xfrm>
+            <a:off x="10328149" y="5884500"/>
+            <a:ext cx="1787199" cy="1200329"/>
+          </a:xfrm>
+          <a:prstGeom prst="rect">
+            <a:avLst/>
+          </a:prstGeom>
+          <a:noFill/>
+        </p:spPr>
+        <p:txBody>
+          <a:bodyPr wrap="square" rtlCol="0">
+            <a:spAutoFit/>
+          </a:bodyPr>
+          <a:lstStyle/>
+          <a:p>
+            <a:r>
+              <a:rPr kumimoji="1" lang="ja-JP" altLang="en-US" dirty="0"/>
+              <a:t>四角形はそれぞれに</a:t>
+            </a:r>
+            <a:r>
+              <a:rPr lang="en-US" altLang="ja-JP" dirty="0"/>
+              <a:t>Vector</a:t>
+            </a:r>
+            <a:r>
+              <a:rPr lang="ja-JP" altLang="en-US" dirty="0"/>
+              <a:t>３の座標</a:t>
+            </a:r>
+            <a:r>
+              <a:rPr lang="en-US" altLang="ja-JP" dirty="0"/>
+              <a:t>8</a:t>
+            </a:r>
+            <a:r>
+              <a:rPr lang="ja-JP" altLang="en-US" dirty="0"/>
+              <a:t>つ、面の数式</a:t>
+            </a:r>
+            <a:endParaRPr lang="en-US" altLang="ja-JP" dirty="0"/>
+          </a:p>
+        </p:txBody>
+      </p:sp>
+      <p:sp>
+        <p:nvSpPr>
+          <p:cNvPr id="12" name="テキスト ボックス 11">
+            <a:extLst>
+              <a:ext uri="{FF2B5EF4-FFF2-40B4-BE49-F238E27FC236}">
+                <a16:creationId xmlns:a16="http://schemas.microsoft.com/office/drawing/2014/main" id="{C8663F18-13C2-0FE7-26CC-29152EE10619}"/>
+              </a:ext>
+            </a:extLst>
+          </p:cNvPr>
+          <p:cNvSpPr txBox="1"/>
+          <p:nvPr/>
+        </p:nvSpPr>
+        <p:spPr>
+          <a:xfrm>
+            <a:off x="255265" y="4333737"/>
+            <a:ext cx="2514114" cy="1877437"/>
+          </a:xfrm>
+          <a:prstGeom prst="rect">
+            <a:avLst/>
+          </a:prstGeom>
+          <a:noFill/>
+        </p:spPr>
+        <p:txBody>
+          <a:bodyPr wrap="square" rtlCol="0">
+            <a:spAutoFit/>
+          </a:bodyPr>
+          <a:lstStyle/>
+          <a:p>
+            <a:r>
+              <a:rPr lang="ja-JP" altLang="en-US" dirty="0"/>
+              <a:t>毎フレーム処理</a:t>
+            </a:r>
+            <a:endParaRPr lang="en-US" altLang="ja-JP" dirty="0"/>
+          </a:p>
+          <a:p>
+            <a:r>
+              <a:rPr lang="ja-JP" altLang="en-US" sz="1400" dirty="0"/>
+              <a:t>・オブジェクトの頂点更新</a:t>
+            </a:r>
+            <a:endParaRPr lang="en-US" altLang="ja-JP" sz="1400" dirty="0"/>
+          </a:p>
+          <a:p>
+            <a:r>
+              <a:rPr lang="ja-JP" altLang="en-US" sz="1400" dirty="0"/>
+              <a:t>・他</a:t>
+            </a:r>
+            <a:r>
+              <a:rPr lang="en-US" altLang="ja-JP" sz="1400" dirty="0"/>
+              <a:t>collision</a:t>
+            </a:r>
+            <a:r>
+              <a:rPr lang="ja-JP" altLang="en-US" sz="1400" dirty="0"/>
+              <a:t>との距離更新</a:t>
+            </a:r>
+            <a:endParaRPr lang="en-US" altLang="ja-JP" sz="1400" dirty="0"/>
+          </a:p>
+          <a:p>
+            <a:endParaRPr lang="en-US" altLang="ja-JP" sz="1400" dirty="0"/>
+          </a:p>
+          <a:p>
+            <a:r>
+              <a:rPr lang="ja-JP" altLang="en-US" sz="1400" dirty="0"/>
+              <a:t>分岐</a:t>
+            </a:r>
+            <a:endParaRPr lang="en-US" altLang="ja-JP" sz="1400" dirty="0"/>
+          </a:p>
+          <a:p>
+            <a:r>
+              <a:rPr lang="en-US" altLang="ja-JP" sz="1400" dirty="0"/>
+              <a:t>(a</a:t>
+            </a:r>
+            <a:r>
+              <a:rPr lang="ja-JP" altLang="en-US" sz="1400" dirty="0"/>
+              <a:t>検知範囲</a:t>
+            </a:r>
+            <a:r>
+              <a:rPr lang="en-US" altLang="ja-JP" sz="1400" dirty="0"/>
+              <a:t>+b</a:t>
+            </a:r>
+            <a:r>
+              <a:rPr lang="ja-JP" altLang="en-US" sz="1400" dirty="0"/>
+              <a:t>検知範囲</a:t>
+            </a:r>
+            <a:r>
+              <a:rPr lang="en-US" altLang="ja-JP" sz="1400" dirty="0"/>
+              <a:t>)&gt;(|a</a:t>
+            </a:r>
+            <a:r>
+              <a:rPr lang="ja-JP" altLang="en-US" sz="1400" dirty="0"/>
+              <a:t>中心座標</a:t>
+            </a:r>
+            <a:r>
+              <a:rPr lang="en-US" altLang="ja-JP" sz="1400" dirty="0"/>
+              <a:t>-b</a:t>
+            </a:r>
+            <a:r>
+              <a:rPr lang="ja-JP" altLang="en-US" sz="1400" dirty="0"/>
+              <a:t>中心座標</a:t>
+            </a:r>
+            <a:r>
+              <a:rPr lang="en-US" altLang="ja-JP" sz="1400" dirty="0"/>
+              <a:t>|)</a:t>
+            </a:r>
+          </a:p>
+          <a:p>
+            <a:endParaRPr lang="en-US" altLang="ja-JP" sz="1400" dirty="0"/>
+          </a:p>
+        </p:txBody>
+      </p:sp>
+      <p:sp>
+        <p:nvSpPr>
+          <p:cNvPr id="13" name="正方形/長方形 12">
+            <a:extLst>
+              <a:ext uri="{FF2B5EF4-FFF2-40B4-BE49-F238E27FC236}">
+                <a16:creationId xmlns:a16="http://schemas.microsoft.com/office/drawing/2014/main" id="{FF50DA2E-8C90-E3B5-029C-010F036C81F8}"/>
+              </a:ext>
+            </a:extLst>
+          </p:cNvPr>
+          <p:cNvSpPr/>
+          <p:nvPr/>
+        </p:nvSpPr>
+        <p:spPr>
+          <a:xfrm>
+            <a:off x="9513115" y="3340240"/>
+            <a:ext cx="1241570" cy="1116006"/>
+          </a:xfrm>
+          <a:prstGeom prst="rect">
+            <a:avLst/>
+          </a:prstGeom>
+          <a:noFill/>
+        </p:spPr>
+        <p:style>
+          <a:lnRef idx="2">
+            <a:schemeClr val="accent1">
+              <a:shade val="50000"/>
+            </a:schemeClr>
+          </a:lnRef>
+          <a:fillRef idx="1">
+            <a:schemeClr val="accent1"/>
+          </a:fillRef>
+          <a:effectRef idx="0">
+            <a:schemeClr val="accent1"/>
+          </a:effectRef>
+          <a:fontRef idx="minor">
+            <a:schemeClr val="lt1"/>
+          </a:fontRef>
+        </p:style>
+        <p:txBody>
+          <a:bodyPr rtlCol="0" anchor="ctr"/>
+          <a:lstStyle/>
+          <a:p>
+            <a:pPr algn="ctr"/>
+            <a:endParaRPr kumimoji="1" lang="ja-JP" altLang="en-US"/>
+          </a:p>
+        </p:txBody>
+      </p:sp>
+      <p:sp>
+        <p:nvSpPr>
+          <p:cNvPr id="14" name="楕円 13">
+            <a:extLst>
+              <a:ext uri="{FF2B5EF4-FFF2-40B4-BE49-F238E27FC236}">
+                <a16:creationId xmlns:a16="http://schemas.microsoft.com/office/drawing/2014/main" id="{609BA4AB-E534-B887-60F2-5D47FC0C7C0F}"/>
+              </a:ext>
+            </a:extLst>
+          </p:cNvPr>
+          <p:cNvSpPr/>
+          <p:nvPr/>
+        </p:nvSpPr>
+        <p:spPr>
+          <a:xfrm>
+            <a:off x="9253056" y="3105348"/>
+            <a:ext cx="1761688" cy="1564682"/>
+          </a:xfrm>
+          <a:prstGeom prst="ellipse">
+            <a:avLst/>
+          </a:prstGeom>
+          <a:noFill/>
+          <a:ln w="3175">
+            <a:solidFill>
+              <a:schemeClr val="bg2">
+                <a:lumMod val="75000"/>
+              </a:schemeClr>
+            </a:solidFill>
+          </a:ln>
+        </p:spPr>
+        <p:style>
+          <a:lnRef idx="2">
+            <a:schemeClr val="accent1">
+              <a:shade val="50000"/>
+            </a:schemeClr>
+          </a:lnRef>
+          <a:fillRef idx="1">
+            <a:schemeClr val="accent1"/>
+          </a:fillRef>
+          <a:effectRef idx="0">
+            <a:schemeClr val="accent1"/>
+          </a:effectRef>
+          <a:fontRef idx="minor">
+            <a:schemeClr val="lt1"/>
+          </a:fontRef>
+        </p:style>
+        <p:txBody>
+          <a:bodyPr rtlCol="0" anchor="ctr"/>
+          <a:lstStyle/>
+          <a:p>
+            <a:pPr algn="ctr"/>
+            <a:endParaRPr kumimoji="1" lang="ja-JP" altLang="en-US"/>
+          </a:p>
+        </p:txBody>
+      </p:sp>
+      <p:sp>
+        <p:nvSpPr>
+          <p:cNvPr id="15" name="正方形/長方形 14">
+            <a:extLst>
+              <a:ext uri="{FF2B5EF4-FFF2-40B4-BE49-F238E27FC236}">
+                <a16:creationId xmlns:a16="http://schemas.microsoft.com/office/drawing/2014/main" id="{A73B730E-AB98-16DF-236F-688857DEE680}"/>
+              </a:ext>
+            </a:extLst>
+          </p:cNvPr>
+          <p:cNvSpPr/>
+          <p:nvPr/>
+        </p:nvSpPr>
+        <p:spPr>
+          <a:xfrm rot="19348143">
+            <a:off x="9730079" y="4736037"/>
+            <a:ext cx="615049" cy="590742"/>
+          </a:xfrm>
+          <a:prstGeom prst="rect">
+            <a:avLst/>
+          </a:prstGeom>
+          <a:noFill/>
+        </p:spPr>
+        <p:style>
+          <a:lnRef idx="2">
+            <a:schemeClr val="accent1">
+              <a:shade val="50000"/>
+            </a:schemeClr>
+          </a:lnRef>
+          <a:fillRef idx="1">
+            <a:schemeClr val="accent1"/>
+          </a:fillRef>
+          <a:effectRef idx="0">
+            <a:schemeClr val="accent1"/>
+          </a:effectRef>
+          <a:fontRef idx="minor">
+            <a:schemeClr val="lt1"/>
+          </a:fontRef>
+        </p:style>
+        <p:txBody>
+          <a:bodyPr rtlCol="0" anchor="ctr"/>
+          <a:lstStyle/>
+          <a:p>
+            <a:pPr algn="ctr"/>
+            <a:endParaRPr kumimoji="1" lang="ja-JP" altLang="en-US"/>
+          </a:p>
+        </p:txBody>
+      </p:sp>
+      <p:sp>
+        <p:nvSpPr>
+          <p:cNvPr id="16" name="楕円 15">
+            <a:extLst>
+              <a:ext uri="{FF2B5EF4-FFF2-40B4-BE49-F238E27FC236}">
+                <a16:creationId xmlns:a16="http://schemas.microsoft.com/office/drawing/2014/main" id="{8340D167-D1D3-337C-E0D0-D113FE12A09F}"/>
+              </a:ext>
+            </a:extLst>
+          </p:cNvPr>
+          <p:cNvSpPr/>
+          <p:nvPr/>
+        </p:nvSpPr>
+        <p:spPr>
+          <a:xfrm>
+            <a:off x="10050011" y="4557910"/>
+            <a:ext cx="100667" cy="103839"/>
+          </a:xfrm>
+          <a:prstGeom prst="ellipse">
+            <a:avLst/>
+          </a:prstGeom>
+          <a:solidFill>
+            <a:srgbClr val="FF0000"/>
+          </a:solidFill>
+          <a:ln>
+            <a:solidFill>
+              <a:srgbClr val="FF0000"/>
+            </a:solidFill>
+          </a:ln>
+        </p:spPr>
+        <p:style>
+          <a:lnRef idx="2">
+            <a:schemeClr val="accent1">
+              <a:shade val="50000"/>
+            </a:schemeClr>
+          </a:lnRef>
+          <a:fillRef idx="1">
+            <a:schemeClr val="accent1"/>
+          </a:fillRef>
+          <a:effectRef idx="0">
+            <a:schemeClr val="accent1"/>
+          </a:effectRef>
+          <a:fontRef idx="minor">
+            <a:schemeClr val="lt1"/>
+          </a:fontRef>
+        </p:style>
+        <p:txBody>
+          <a:bodyPr rtlCol="0" anchor="ctr"/>
+          <a:lstStyle/>
+          <a:p>
+            <a:pPr algn="ctr"/>
+            <a:endParaRPr kumimoji="1" lang="ja-JP" altLang="en-US"/>
+          </a:p>
+        </p:txBody>
+      </p:sp>
+      <p:cxnSp>
+        <p:nvCxnSpPr>
+          <p:cNvPr id="17" name="直線コネクタ 16">
+            <a:extLst>
+              <a:ext uri="{FF2B5EF4-FFF2-40B4-BE49-F238E27FC236}">
+                <a16:creationId xmlns:a16="http://schemas.microsoft.com/office/drawing/2014/main" id="{6720F383-565E-EF3D-9712-482EC5DA4411}"/>
+              </a:ext>
+            </a:extLst>
+          </p:cNvPr>
+          <p:cNvCxnSpPr/>
+          <p:nvPr/>
+        </p:nvCxnSpPr>
+        <p:spPr>
+          <a:xfrm>
+            <a:off x="3105397" y="1223158"/>
+            <a:ext cx="53439" cy="5551715"/>
+          </a:xfrm>
+          <a:prstGeom prst="line">
+            <a:avLst/>
+          </a:prstGeom>
+        </p:spPr>
+        <p:style>
+          <a:lnRef idx="1">
+            <a:schemeClr val="accent1"/>
+          </a:lnRef>
+          <a:fillRef idx="0">
+            <a:schemeClr val="accent1"/>
+          </a:fillRef>
+          <a:effectRef idx="0">
+            <a:schemeClr val="accent1"/>
+          </a:effectRef>
+          <a:fontRef idx="minor">
+            <a:schemeClr val="tx1"/>
+          </a:fontRef>
+        </p:style>
+      </p:cxnSp>
+      <p:cxnSp>
+        <p:nvCxnSpPr>
+          <p:cNvPr id="18" name="直線コネクタ 17">
+            <a:extLst>
+              <a:ext uri="{FF2B5EF4-FFF2-40B4-BE49-F238E27FC236}">
+                <a16:creationId xmlns:a16="http://schemas.microsoft.com/office/drawing/2014/main" id="{4241E2E3-CD03-3534-08AA-8C6429DE1988}"/>
+              </a:ext>
+            </a:extLst>
+          </p:cNvPr>
+          <p:cNvCxnSpPr/>
+          <p:nvPr/>
+        </p:nvCxnSpPr>
+        <p:spPr>
+          <a:xfrm>
+            <a:off x="6042561" y="1223158"/>
+            <a:ext cx="53439" cy="5551715"/>
+          </a:xfrm>
+          <a:prstGeom prst="line">
+            <a:avLst/>
+          </a:prstGeom>
+        </p:spPr>
+        <p:style>
+          <a:lnRef idx="1">
+            <a:schemeClr val="accent1"/>
+          </a:lnRef>
+          <a:fillRef idx="0">
+            <a:schemeClr val="accent1"/>
+          </a:fillRef>
+          <a:effectRef idx="0">
+            <a:schemeClr val="accent1"/>
+          </a:effectRef>
+          <a:fontRef idx="minor">
+            <a:schemeClr val="tx1"/>
+          </a:fontRef>
+        </p:style>
+      </p:cxnSp>
+      <p:cxnSp>
+        <p:nvCxnSpPr>
+          <p:cNvPr id="19" name="直線コネクタ 18">
+            <a:extLst>
+              <a:ext uri="{FF2B5EF4-FFF2-40B4-BE49-F238E27FC236}">
+                <a16:creationId xmlns:a16="http://schemas.microsoft.com/office/drawing/2014/main" id="{9A276DCB-73AD-E9B1-F147-0D1DFF672BFC}"/>
+              </a:ext>
+            </a:extLst>
+          </p:cNvPr>
+          <p:cNvCxnSpPr/>
+          <p:nvPr/>
+        </p:nvCxnSpPr>
+        <p:spPr>
+          <a:xfrm>
+            <a:off x="9029205" y="1223158"/>
+            <a:ext cx="53439" cy="5551715"/>
+          </a:xfrm>
+          <a:prstGeom prst="line">
+            <a:avLst/>
+          </a:prstGeom>
+        </p:spPr>
+        <p:style>
+          <a:lnRef idx="1">
+            <a:schemeClr val="accent1"/>
+          </a:lnRef>
+          <a:fillRef idx="0">
+            <a:schemeClr val="accent1"/>
+          </a:fillRef>
+          <a:effectRef idx="0">
+            <a:schemeClr val="accent1"/>
+          </a:effectRef>
+          <a:fontRef idx="minor">
+            <a:schemeClr val="tx1"/>
+          </a:fontRef>
+        </p:style>
+      </p:cxnSp>
+      <p:cxnSp>
+        <p:nvCxnSpPr>
+          <p:cNvPr id="20" name="直線コネクタ 19">
+            <a:extLst>
+              <a:ext uri="{FF2B5EF4-FFF2-40B4-BE49-F238E27FC236}">
+                <a16:creationId xmlns:a16="http://schemas.microsoft.com/office/drawing/2014/main" id="{2665009A-989C-2C78-2522-DA242895D84F}"/>
+              </a:ext>
+            </a:extLst>
+          </p:cNvPr>
+          <p:cNvCxnSpPr>
+            <a:cxnSpLocks/>
+          </p:cNvCxnSpPr>
+          <p:nvPr/>
+        </p:nvCxnSpPr>
+        <p:spPr>
+          <a:xfrm>
+            <a:off x="48377" y="3999015"/>
+            <a:ext cx="12143623" cy="0"/>
+          </a:xfrm>
+          <a:prstGeom prst="line">
+            <a:avLst/>
+          </a:prstGeom>
+        </p:spPr>
+        <p:style>
+          <a:lnRef idx="1">
+            <a:schemeClr val="accent1"/>
+          </a:lnRef>
+          <a:fillRef idx="0">
+            <a:schemeClr val="accent1"/>
+          </a:fillRef>
+          <a:effectRef idx="0">
+            <a:schemeClr val="accent1"/>
+          </a:effectRef>
+          <a:fontRef idx="minor">
+            <a:schemeClr val="tx1"/>
+          </a:fontRef>
+        </p:style>
+      </p:cxnSp>
+      <p:sp>
+        <p:nvSpPr>
+          <p:cNvPr id="21" name="正方形/長方形 20">
+            <a:extLst>
+              <a:ext uri="{FF2B5EF4-FFF2-40B4-BE49-F238E27FC236}">
+                <a16:creationId xmlns:a16="http://schemas.microsoft.com/office/drawing/2014/main" id="{6337D34F-1BCE-9C6B-6F70-8A0193BDE862}"/>
+              </a:ext>
+            </a:extLst>
+          </p:cNvPr>
+          <p:cNvSpPr/>
+          <p:nvPr/>
+        </p:nvSpPr>
+        <p:spPr>
+          <a:xfrm>
+            <a:off x="931732" y="1683791"/>
+            <a:ext cx="1241570" cy="1116006"/>
+          </a:xfrm>
+          <a:prstGeom prst="rect">
+            <a:avLst/>
+          </a:prstGeom>
+          <a:noFill/>
+        </p:spPr>
+        <p:style>
+          <a:lnRef idx="2">
+            <a:schemeClr val="accent1">
+              <a:shade val="50000"/>
+            </a:schemeClr>
+          </a:lnRef>
+          <a:fillRef idx="1">
+            <a:schemeClr val="accent1"/>
+          </a:fillRef>
+          <a:effectRef idx="0">
+            <a:schemeClr val="accent1"/>
+          </a:effectRef>
+          <a:fontRef idx="minor">
+            <a:schemeClr val="lt1"/>
+          </a:fontRef>
+        </p:style>
+        <p:txBody>
+          <a:bodyPr rtlCol="0" anchor="ctr"/>
+          <a:lstStyle/>
+          <a:p>
+            <a:pPr algn="ctr"/>
+            <a:endParaRPr kumimoji="1" lang="ja-JP" altLang="en-US"/>
+          </a:p>
+        </p:txBody>
+      </p:sp>
+      <p:sp>
+        <p:nvSpPr>
+          <p:cNvPr id="22" name="楕円 21">
+            <a:extLst>
+              <a:ext uri="{FF2B5EF4-FFF2-40B4-BE49-F238E27FC236}">
+                <a16:creationId xmlns:a16="http://schemas.microsoft.com/office/drawing/2014/main" id="{A707615E-C7F0-F198-5D11-7BF6FD54DBC1}"/>
+              </a:ext>
+            </a:extLst>
+          </p:cNvPr>
+          <p:cNvSpPr/>
+          <p:nvPr/>
+        </p:nvSpPr>
+        <p:spPr>
+          <a:xfrm>
+            <a:off x="671673" y="1448899"/>
+            <a:ext cx="1761688" cy="1564682"/>
+          </a:xfrm>
+          <a:prstGeom prst="ellipse">
+            <a:avLst/>
+          </a:prstGeom>
+          <a:noFill/>
+          <a:ln w="3175">
+            <a:solidFill>
+              <a:schemeClr val="bg2">
+                <a:lumMod val="75000"/>
+              </a:schemeClr>
+            </a:solidFill>
+          </a:ln>
+        </p:spPr>
+        <p:style>
+          <a:lnRef idx="2">
+            <a:schemeClr val="accent1">
+              <a:shade val="50000"/>
+            </a:schemeClr>
+          </a:lnRef>
+          <a:fillRef idx="1">
+            <a:schemeClr val="accent1"/>
+          </a:fillRef>
+          <a:effectRef idx="0">
+            <a:schemeClr val="accent1"/>
+          </a:effectRef>
+          <a:fontRef idx="minor">
+            <a:schemeClr val="lt1"/>
+          </a:fontRef>
+        </p:style>
+        <p:txBody>
+          <a:bodyPr rtlCol="0" anchor="ctr"/>
+          <a:lstStyle/>
+          <a:p>
+            <a:pPr algn="ctr"/>
+            <a:endParaRPr kumimoji="1" lang="ja-JP" altLang="en-US"/>
+          </a:p>
+        </p:txBody>
+      </p:sp>
+      <p:sp>
+        <p:nvSpPr>
+          <p:cNvPr id="23" name="正方形/長方形 22">
+            <a:extLst>
+              <a:ext uri="{FF2B5EF4-FFF2-40B4-BE49-F238E27FC236}">
+                <a16:creationId xmlns:a16="http://schemas.microsoft.com/office/drawing/2014/main" id="{5139DC83-0D4F-7DA6-E312-879B9CEAFC26}"/>
+              </a:ext>
+            </a:extLst>
+          </p:cNvPr>
+          <p:cNvSpPr/>
+          <p:nvPr/>
+        </p:nvSpPr>
+        <p:spPr>
+          <a:xfrm rot="19348143">
+            <a:off x="1230077" y="3282067"/>
+            <a:ext cx="615049" cy="590742"/>
+          </a:xfrm>
+          <a:prstGeom prst="rect">
+            <a:avLst/>
+          </a:prstGeom>
+          <a:noFill/>
+        </p:spPr>
+        <p:style>
+          <a:lnRef idx="2">
+            <a:schemeClr val="accent1">
+              <a:shade val="50000"/>
+            </a:schemeClr>
+          </a:lnRef>
+          <a:fillRef idx="1">
+            <a:schemeClr val="accent1"/>
+          </a:fillRef>
+          <a:effectRef idx="0">
+            <a:schemeClr val="accent1"/>
+          </a:effectRef>
+          <a:fontRef idx="minor">
+            <a:schemeClr val="lt1"/>
+          </a:fontRef>
+        </p:style>
+        <p:txBody>
+          <a:bodyPr rtlCol="0" anchor="ctr"/>
+          <a:lstStyle/>
+          <a:p>
+            <a:pPr algn="ctr"/>
+            <a:endParaRPr kumimoji="1" lang="ja-JP" altLang="en-US"/>
+          </a:p>
+        </p:txBody>
+      </p:sp>
+      <p:sp>
+        <p:nvSpPr>
+          <p:cNvPr id="25" name="楕円 24">
+            <a:extLst>
+              <a:ext uri="{FF2B5EF4-FFF2-40B4-BE49-F238E27FC236}">
+                <a16:creationId xmlns:a16="http://schemas.microsoft.com/office/drawing/2014/main" id="{2FC35AD6-1B07-E8EF-4E04-C4E36291FCB7}"/>
+              </a:ext>
+            </a:extLst>
+          </p:cNvPr>
+          <p:cNvSpPr/>
+          <p:nvPr/>
+        </p:nvSpPr>
+        <p:spPr>
+          <a:xfrm>
+            <a:off x="4050953" y="3002275"/>
+            <a:ext cx="847622" cy="843156"/>
+          </a:xfrm>
+          <a:prstGeom prst="ellipse">
+            <a:avLst/>
+          </a:prstGeom>
+          <a:noFill/>
+          <a:ln w="3175">
+            <a:solidFill>
+              <a:schemeClr val="bg2">
+                <a:lumMod val="75000"/>
+              </a:schemeClr>
+            </a:solidFill>
+          </a:ln>
+        </p:spPr>
+        <p:style>
+          <a:lnRef idx="2">
+            <a:schemeClr val="accent1">
+              <a:shade val="50000"/>
+            </a:schemeClr>
+          </a:lnRef>
+          <a:fillRef idx="1">
+            <a:schemeClr val="accent1"/>
+          </a:fillRef>
+          <a:effectRef idx="0">
+            <a:schemeClr val="accent1"/>
+          </a:effectRef>
+          <a:fontRef idx="minor">
+            <a:schemeClr val="lt1"/>
+          </a:fontRef>
+        </p:style>
+        <p:txBody>
+          <a:bodyPr rtlCol="0" anchor="ctr"/>
+          <a:lstStyle/>
+          <a:p>
+            <a:pPr algn="ctr"/>
+            <a:endParaRPr kumimoji="1" lang="ja-JP" altLang="en-US"/>
+          </a:p>
+        </p:txBody>
+      </p:sp>
+      <p:sp>
+        <p:nvSpPr>
+          <p:cNvPr id="26" name="正方形/長方形 25">
+            <a:extLst>
+              <a:ext uri="{FF2B5EF4-FFF2-40B4-BE49-F238E27FC236}">
+                <a16:creationId xmlns:a16="http://schemas.microsoft.com/office/drawing/2014/main" id="{6C22E91D-86BE-9C39-DC56-15F7456DD3F9}"/>
+              </a:ext>
+            </a:extLst>
+          </p:cNvPr>
+          <p:cNvSpPr/>
+          <p:nvPr/>
+        </p:nvSpPr>
+        <p:spPr>
+          <a:xfrm>
+            <a:off x="3945585" y="1742186"/>
+            <a:ext cx="1241570" cy="1116006"/>
+          </a:xfrm>
+          <a:prstGeom prst="rect">
+            <a:avLst/>
+          </a:prstGeom>
+          <a:noFill/>
+        </p:spPr>
+        <p:style>
+          <a:lnRef idx="2">
+            <a:schemeClr val="accent1">
+              <a:shade val="50000"/>
+            </a:schemeClr>
+          </a:lnRef>
+          <a:fillRef idx="1">
+            <a:schemeClr val="accent1"/>
+          </a:fillRef>
+          <a:effectRef idx="0">
+            <a:schemeClr val="accent1"/>
+          </a:effectRef>
+          <a:fontRef idx="minor">
+            <a:schemeClr val="lt1"/>
+          </a:fontRef>
+        </p:style>
+        <p:txBody>
+          <a:bodyPr rtlCol="0" anchor="ctr"/>
+          <a:lstStyle/>
+          <a:p>
+            <a:pPr algn="ctr"/>
+            <a:endParaRPr kumimoji="1" lang="ja-JP" altLang="en-US"/>
+          </a:p>
+        </p:txBody>
+      </p:sp>
+      <p:sp>
+        <p:nvSpPr>
+          <p:cNvPr id="27" name="楕円 26">
+            <a:extLst>
+              <a:ext uri="{FF2B5EF4-FFF2-40B4-BE49-F238E27FC236}">
+                <a16:creationId xmlns:a16="http://schemas.microsoft.com/office/drawing/2014/main" id="{66E13EB1-2BF6-8E95-0E53-9B6C95412F68}"/>
+              </a:ext>
+            </a:extLst>
+          </p:cNvPr>
+          <p:cNvSpPr/>
+          <p:nvPr/>
+        </p:nvSpPr>
+        <p:spPr>
+          <a:xfrm>
+            <a:off x="3685526" y="1507294"/>
+            <a:ext cx="1761688" cy="1564682"/>
+          </a:xfrm>
+          <a:prstGeom prst="ellipse">
+            <a:avLst/>
+          </a:prstGeom>
+          <a:noFill/>
+          <a:ln w="3175">
+            <a:solidFill>
+              <a:schemeClr val="bg2">
+                <a:lumMod val="75000"/>
+              </a:schemeClr>
+            </a:solidFill>
+          </a:ln>
+        </p:spPr>
+        <p:style>
+          <a:lnRef idx="2">
+            <a:schemeClr val="accent1">
+              <a:shade val="50000"/>
+            </a:schemeClr>
+          </a:lnRef>
+          <a:fillRef idx="1">
+            <a:schemeClr val="accent1"/>
+          </a:fillRef>
+          <a:effectRef idx="0">
+            <a:schemeClr val="accent1"/>
+          </a:effectRef>
+          <a:fontRef idx="minor">
+            <a:schemeClr val="lt1"/>
+          </a:fontRef>
+        </p:style>
+        <p:txBody>
+          <a:bodyPr rtlCol="0" anchor="ctr"/>
+          <a:lstStyle/>
+          <a:p>
+            <a:pPr algn="ctr"/>
+            <a:endParaRPr kumimoji="1" lang="ja-JP" altLang="en-US"/>
+          </a:p>
+        </p:txBody>
+      </p:sp>
+      <p:sp>
+        <p:nvSpPr>
+          <p:cNvPr id="28" name="正方形/長方形 27">
+            <a:extLst>
+              <a:ext uri="{FF2B5EF4-FFF2-40B4-BE49-F238E27FC236}">
+                <a16:creationId xmlns:a16="http://schemas.microsoft.com/office/drawing/2014/main" id="{D6DB578F-3E2C-93D6-95EE-DA65CA5EFD40}"/>
+              </a:ext>
+            </a:extLst>
+          </p:cNvPr>
+          <p:cNvSpPr/>
+          <p:nvPr/>
+        </p:nvSpPr>
+        <p:spPr>
+          <a:xfrm rot="19348143">
+            <a:off x="4162549" y="3137983"/>
+            <a:ext cx="615049" cy="590742"/>
+          </a:xfrm>
+          <a:prstGeom prst="rect">
+            <a:avLst/>
+          </a:prstGeom>
+          <a:noFill/>
+        </p:spPr>
+        <p:style>
+          <a:lnRef idx="2">
+            <a:schemeClr val="accent1">
+              <a:shade val="50000"/>
+            </a:schemeClr>
+          </a:lnRef>
+          <a:fillRef idx="1">
+            <a:schemeClr val="accent1"/>
+          </a:fillRef>
+          <a:effectRef idx="0">
+            <a:schemeClr val="accent1"/>
+          </a:effectRef>
+          <a:fontRef idx="minor">
+            <a:schemeClr val="lt1"/>
+          </a:fontRef>
+        </p:style>
+        <p:txBody>
+          <a:bodyPr rtlCol="0" anchor="ctr"/>
+          <a:lstStyle/>
+          <a:p>
+            <a:pPr algn="ctr"/>
+            <a:endParaRPr kumimoji="1" lang="ja-JP" altLang="en-US"/>
+          </a:p>
+        </p:txBody>
+      </p:sp>
+      <p:sp>
+        <p:nvSpPr>
+          <p:cNvPr id="29" name="楕円 28">
+            <a:extLst>
+              <a:ext uri="{FF2B5EF4-FFF2-40B4-BE49-F238E27FC236}">
+                <a16:creationId xmlns:a16="http://schemas.microsoft.com/office/drawing/2014/main" id="{0C27CBB6-4ECA-277A-CA1B-2C6048F2A89D}"/>
+              </a:ext>
+            </a:extLst>
+          </p:cNvPr>
+          <p:cNvSpPr/>
+          <p:nvPr/>
+        </p:nvSpPr>
+        <p:spPr>
+          <a:xfrm>
+            <a:off x="1516493" y="2189874"/>
+            <a:ext cx="100667" cy="103839"/>
+          </a:xfrm>
+          <a:prstGeom prst="ellipse">
+            <a:avLst/>
+          </a:prstGeom>
+          <a:solidFill>
+            <a:schemeClr val="tx1"/>
+          </a:solidFill>
+          <a:ln>
+            <a:noFill/>
+          </a:ln>
+        </p:spPr>
+        <p:style>
+          <a:lnRef idx="2">
+            <a:schemeClr val="accent1">
+              <a:shade val="50000"/>
+            </a:schemeClr>
+          </a:lnRef>
+          <a:fillRef idx="1">
+            <a:schemeClr val="accent1"/>
+          </a:fillRef>
+          <a:effectRef idx="0">
+            <a:schemeClr val="accent1"/>
+          </a:effectRef>
+          <a:fontRef idx="minor">
+            <a:schemeClr val="lt1"/>
+          </a:fontRef>
+        </p:style>
+        <p:txBody>
+          <a:bodyPr rtlCol="0" anchor="ctr"/>
+          <a:lstStyle/>
+          <a:p>
+            <a:pPr algn="ctr"/>
+            <a:endParaRPr kumimoji="1" lang="ja-JP" altLang="en-US"/>
+          </a:p>
+        </p:txBody>
+      </p:sp>
+      <p:sp>
+        <p:nvSpPr>
+          <p:cNvPr id="30" name="テキスト ボックス 29">
+            <a:extLst>
+              <a:ext uri="{FF2B5EF4-FFF2-40B4-BE49-F238E27FC236}">
+                <a16:creationId xmlns:a16="http://schemas.microsoft.com/office/drawing/2014/main" id="{1A0E7BE8-1977-ED32-64D0-8EAB17DF9C36}"/>
+              </a:ext>
+            </a:extLst>
+          </p:cNvPr>
+          <p:cNvSpPr txBox="1"/>
+          <p:nvPr/>
+        </p:nvSpPr>
+        <p:spPr>
+          <a:xfrm>
+            <a:off x="3291984" y="4167517"/>
+            <a:ext cx="2514114" cy="1231106"/>
+          </a:xfrm>
+          <a:prstGeom prst="rect">
+            <a:avLst/>
+          </a:prstGeom>
+          <a:noFill/>
+        </p:spPr>
+        <p:txBody>
+          <a:bodyPr wrap="square" rtlCol="0">
+            <a:spAutoFit/>
+          </a:bodyPr>
+          <a:lstStyle/>
+          <a:p>
+            <a:r>
+              <a:rPr lang="ja-JP" altLang="en-US" dirty="0"/>
+              <a:t>イベント１</a:t>
+            </a:r>
+            <a:endParaRPr lang="en-US" altLang="ja-JP" dirty="0"/>
+          </a:p>
+          <a:p>
+            <a:r>
+              <a:rPr lang="en-US" altLang="ja-JP" sz="1400" dirty="0"/>
+              <a:t>|</a:t>
+            </a:r>
+            <a:r>
+              <a:rPr lang="ja-JP" altLang="en-US" sz="1400" dirty="0"/>
+              <a:t>頂点座標</a:t>
+            </a:r>
+            <a:r>
+              <a:rPr lang="en-US" altLang="ja-JP" sz="1400" dirty="0"/>
+              <a:t>-</a:t>
+            </a:r>
+            <a:r>
+              <a:rPr lang="ja-JP" altLang="en-US" sz="1400" dirty="0"/>
+              <a:t>中心座標</a:t>
+            </a:r>
+            <a:r>
+              <a:rPr lang="en-US" altLang="ja-JP" sz="1400" dirty="0"/>
+              <a:t>|&lt;(</a:t>
+            </a:r>
+            <a:r>
+              <a:rPr lang="ja-JP" altLang="en-US" sz="1400" dirty="0"/>
+              <a:t>検知範囲</a:t>
+            </a:r>
+            <a:r>
+              <a:rPr lang="en-US" altLang="ja-JP" sz="1400" dirty="0"/>
+              <a:t>)</a:t>
+            </a:r>
+            <a:r>
+              <a:rPr lang="ja-JP" altLang="en-US" sz="1400" dirty="0"/>
+              <a:t>が成り立つ座標の取得</a:t>
+            </a:r>
+            <a:endParaRPr lang="en-US" altLang="ja-JP" sz="1400" dirty="0"/>
+          </a:p>
+          <a:p>
+            <a:r>
+              <a:rPr lang="ja-JP" altLang="en-US" sz="1400" dirty="0"/>
+              <a:t>代入は</a:t>
+            </a:r>
+            <a:r>
+              <a:rPr lang="en-US" altLang="ja-JP" sz="1400" dirty="0"/>
+              <a:t>a</a:t>
+            </a:r>
+            <a:r>
+              <a:rPr lang="ja-JP" altLang="en-US" sz="1400" dirty="0"/>
+              <a:t>頂点なら</a:t>
+            </a:r>
+            <a:r>
+              <a:rPr lang="en-US" altLang="ja-JP" sz="1400" dirty="0"/>
+              <a:t>b</a:t>
+            </a:r>
+            <a:r>
+              <a:rPr lang="ja-JP" altLang="en-US" sz="1400" dirty="0"/>
+              <a:t>検知範囲のように交互で全部</a:t>
+            </a:r>
+            <a:endParaRPr lang="en-US" altLang="ja-JP" sz="1400" dirty="0"/>
+          </a:p>
+        </p:txBody>
+      </p:sp>
+      <p:cxnSp>
+        <p:nvCxnSpPr>
+          <p:cNvPr id="34" name="直線矢印コネクタ 33">
+            <a:extLst>
+              <a:ext uri="{FF2B5EF4-FFF2-40B4-BE49-F238E27FC236}">
+                <a16:creationId xmlns:a16="http://schemas.microsoft.com/office/drawing/2014/main" id="{DC7017D0-31E5-D8F8-2FE9-6AF5C1C66B24}"/>
+              </a:ext>
+            </a:extLst>
+          </p:cNvPr>
+          <p:cNvCxnSpPr>
+            <a:cxnSpLocks/>
+            <a:stCxn id="29" idx="6"/>
+          </p:cNvCxnSpPr>
+          <p:nvPr/>
+        </p:nvCxnSpPr>
+        <p:spPr>
+          <a:xfrm flipV="1">
+            <a:off x="1617160" y="2231240"/>
+            <a:ext cx="816201" cy="10554"/>
+          </a:xfrm>
+          <a:prstGeom prst="straightConnector1">
+            <a:avLst/>
+          </a:prstGeom>
+          <a:ln>
+            <a:headEnd type="triangle"/>
+            <a:tailEnd type="triangle"/>
+          </a:ln>
+        </p:spPr>
+        <p:style>
+          <a:lnRef idx="1">
+            <a:schemeClr val="accent1"/>
+          </a:lnRef>
+          <a:fillRef idx="0">
+            <a:schemeClr val="accent1"/>
+          </a:fillRef>
+          <a:effectRef idx="0">
+            <a:schemeClr val="accent1"/>
+          </a:effectRef>
+          <a:fontRef idx="minor">
+            <a:schemeClr val="tx1"/>
+          </a:fontRef>
+        </p:style>
+      </p:cxnSp>
+      <p:sp>
+        <p:nvSpPr>
+          <p:cNvPr id="38" name="テキスト ボックス 37">
+            <a:extLst>
+              <a:ext uri="{FF2B5EF4-FFF2-40B4-BE49-F238E27FC236}">
+                <a16:creationId xmlns:a16="http://schemas.microsoft.com/office/drawing/2014/main" id="{7F825515-B088-49C1-CA66-FEAC6D65B9A6}"/>
+              </a:ext>
+            </a:extLst>
+          </p:cNvPr>
+          <p:cNvSpPr txBox="1"/>
+          <p:nvPr/>
+        </p:nvSpPr>
+        <p:spPr>
+          <a:xfrm>
+            <a:off x="1232161" y="1245806"/>
+            <a:ext cx="910028" cy="307777"/>
+          </a:xfrm>
+          <a:prstGeom prst="rect">
+            <a:avLst/>
+          </a:prstGeom>
+          <a:noFill/>
+        </p:spPr>
+        <p:txBody>
+          <a:bodyPr wrap="square" rtlCol="0">
+            <a:spAutoFit/>
+          </a:bodyPr>
+          <a:lstStyle/>
+          <a:p>
+            <a:r>
+              <a:rPr kumimoji="1" lang="ja-JP" altLang="en-US" sz="1400" dirty="0"/>
+              <a:t>検知</a:t>
+            </a:r>
+            <a:r>
+              <a:rPr lang="ja-JP" altLang="en-US" sz="1400" dirty="0"/>
+              <a:t>球</a:t>
+            </a:r>
+            <a:endParaRPr lang="en-US" altLang="ja-JP" sz="1400" dirty="0"/>
+          </a:p>
+        </p:txBody>
+      </p:sp>
+      <p:sp>
+        <p:nvSpPr>
+          <p:cNvPr id="39" name="テキスト ボックス 38">
+            <a:extLst>
+              <a:ext uri="{FF2B5EF4-FFF2-40B4-BE49-F238E27FC236}">
+                <a16:creationId xmlns:a16="http://schemas.microsoft.com/office/drawing/2014/main" id="{F53AAD5E-0A7D-885E-9851-4D743CD435B0}"/>
+              </a:ext>
+            </a:extLst>
+          </p:cNvPr>
+          <p:cNvSpPr txBox="1"/>
+          <p:nvPr/>
+        </p:nvSpPr>
+        <p:spPr>
+          <a:xfrm>
+            <a:off x="5805368" y="98137"/>
+            <a:ext cx="4522781" cy="307777"/>
+          </a:xfrm>
+          <a:prstGeom prst="rect">
+            <a:avLst/>
+          </a:prstGeom>
+          <a:noFill/>
+        </p:spPr>
+        <p:txBody>
+          <a:bodyPr wrap="square" rtlCol="0">
+            <a:spAutoFit/>
+          </a:bodyPr>
+          <a:lstStyle/>
+          <a:p>
+            <a:r>
+              <a:rPr kumimoji="1" lang="ja-JP" altLang="en-US" sz="1400" dirty="0"/>
+              <a:t>検知球</a:t>
+            </a:r>
+            <a:r>
+              <a:rPr kumimoji="1" lang="en-US" altLang="ja-JP" sz="1400" dirty="0"/>
+              <a:t>=magnitude(</a:t>
+            </a:r>
+            <a:r>
+              <a:rPr kumimoji="1" lang="ja-JP" altLang="en-US" sz="1400" dirty="0"/>
+              <a:t>頂点</a:t>
+            </a:r>
+            <a:r>
+              <a:rPr kumimoji="1" lang="en-US" altLang="ja-JP" sz="1400" dirty="0"/>
+              <a:t>-</a:t>
+            </a:r>
+            <a:r>
+              <a:rPr kumimoji="1" lang="ja-JP" altLang="en-US" sz="1400" dirty="0"/>
+              <a:t>中心</a:t>
+            </a:r>
+            <a:r>
+              <a:rPr lang="en-US" altLang="ja-JP" sz="1400" dirty="0"/>
+              <a:t>)</a:t>
+            </a:r>
+            <a:r>
+              <a:rPr kumimoji="1" lang="en-US" altLang="ja-JP" sz="1400" dirty="0"/>
+              <a:t>+</a:t>
+            </a:r>
+            <a:r>
+              <a:rPr lang="ja-JP" altLang="en-US" sz="1400" dirty="0"/>
+              <a:t>誤差許容値</a:t>
+            </a:r>
+            <a:endParaRPr kumimoji="1" lang="ja-JP" altLang="en-US" sz="1400" dirty="0"/>
+          </a:p>
+        </p:txBody>
+      </p:sp>
+      <p:sp>
+        <p:nvSpPr>
+          <p:cNvPr id="40" name="矢印: 右 39">
+            <a:extLst>
+              <a:ext uri="{FF2B5EF4-FFF2-40B4-BE49-F238E27FC236}">
+                <a16:creationId xmlns:a16="http://schemas.microsoft.com/office/drawing/2014/main" id="{1AD779F8-6D82-A88D-FB1D-4C5170C97EA0}"/>
+              </a:ext>
+            </a:extLst>
+          </p:cNvPr>
+          <p:cNvSpPr/>
+          <p:nvPr/>
+        </p:nvSpPr>
+        <p:spPr>
+          <a:xfrm rot="17902272">
+            <a:off x="2355004" y="4994968"/>
+            <a:ext cx="1225354" cy="216122"/>
+          </a:xfrm>
+          <a:prstGeom prst="rightArrow">
+            <a:avLst/>
+          </a:prstGeom>
+        </p:spPr>
+        <p:style>
+          <a:lnRef idx="2">
+            <a:schemeClr val="accent1">
+              <a:shade val="50000"/>
+            </a:schemeClr>
+          </a:lnRef>
+          <a:fillRef idx="1">
+            <a:schemeClr val="accent1"/>
+          </a:fillRef>
+          <a:effectRef idx="0">
+            <a:schemeClr val="accent1"/>
+          </a:effectRef>
+          <a:fontRef idx="minor">
+            <a:schemeClr val="lt1"/>
+          </a:fontRef>
+        </p:style>
+        <p:txBody>
+          <a:bodyPr rtlCol="0" anchor="ctr"/>
+          <a:lstStyle/>
+          <a:p>
+            <a:pPr algn="ctr"/>
+            <a:endParaRPr kumimoji="1" lang="ja-JP" altLang="en-US"/>
+          </a:p>
+        </p:txBody>
+      </p:sp>
+      <p:sp>
+        <p:nvSpPr>
+          <p:cNvPr id="41" name="楕円 40">
+            <a:extLst>
+              <a:ext uri="{FF2B5EF4-FFF2-40B4-BE49-F238E27FC236}">
+                <a16:creationId xmlns:a16="http://schemas.microsoft.com/office/drawing/2014/main" id="{20C6DECE-B7E8-EEAE-8DE8-5EC857B0B2AF}"/>
+              </a:ext>
+            </a:extLst>
+          </p:cNvPr>
+          <p:cNvSpPr/>
+          <p:nvPr/>
+        </p:nvSpPr>
+        <p:spPr>
+          <a:xfrm>
+            <a:off x="4481929" y="2977638"/>
+            <a:ext cx="100667" cy="103839"/>
+          </a:xfrm>
+          <a:prstGeom prst="ellipse">
+            <a:avLst/>
+          </a:prstGeom>
+          <a:solidFill>
+            <a:srgbClr val="FF0000"/>
+          </a:solidFill>
+          <a:ln>
+            <a:solidFill>
+              <a:srgbClr val="FF0000"/>
+            </a:solidFill>
+          </a:ln>
+        </p:spPr>
+        <p:style>
+          <a:lnRef idx="2">
+            <a:schemeClr val="accent1">
+              <a:shade val="50000"/>
+            </a:schemeClr>
+          </a:lnRef>
+          <a:fillRef idx="1">
+            <a:schemeClr val="accent1"/>
+          </a:fillRef>
+          <a:effectRef idx="0">
+            <a:schemeClr val="accent1"/>
+          </a:effectRef>
+          <a:fontRef idx="minor">
+            <a:schemeClr val="lt1"/>
+          </a:fontRef>
+        </p:style>
+        <p:txBody>
+          <a:bodyPr rtlCol="0" anchor="ctr"/>
+          <a:lstStyle/>
+          <a:p>
+            <a:pPr algn="ctr"/>
+            <a:endParaRPr kumimoji="1" lang="ja-JP" altLang="en-US"/>
+          </a:p>
+        </p:txBody>
+      </p:sp>
+      <p:sp>
+        <p:nvSpPr>
+          <p:cNvPr id="2" name="楕円 1">
+            <a:extLst>
+              <a:ext uri="{FF2B5EF4-FFF2-40B4-BE49-F238E27FC236}">
+                <a16:creationId xmlns:a16="http://schemas.microsoft.com/office/drawing/2014/main" id="{C7E215F4-55AB-C1D7-C1D2-FD64C24ED0E0}"/>
+              </a:ext>
+            </a:extLst>
+          </p:cNvPr>
+          <p:cNvSpPr/>
+          <p:nvPr/>
+        </p:nvSpPr>
+        <p:spPr>
+          <a:xfrm>
+            <a:off x="7055642" y="3034565"/>
+            <a:ext cx="847622" cy="843156"/>
+          </a:xfrm>
+          <a:prstGeom prst="ellipse">
+            <a:avLst/>
+          </a:prstGeom>
+          <a:noFill/>
+          <a:ln w="3175">
+            <a:solidFill>
+              <a:schemeClr val="bg2">
+                <a:lumMod val="75000"/>
+              </a:schemeClr>
+            </a:solidFill>
+          </a:ln>
+        </p:spPr>
+        <p:style>
+          <a:lnRef idx="2">
+            <a:schemeClr val="accent1">
+              <a:shade val="50000"/>
+            </a:schemeClr>
+          </a:lnRef>
+          <a:fillRef idx="1">
+            <a:schemeClr val="accent1"/>
+          </a:fillRef>
+          <a:effectRef idx="0">
+            <a:schemeClr val="accent1"/>
+          </a:effectRef>
+          <a:fontRef idx="minor">
+            <a:schemeClr val="lt1"/>
+          </a:fontRef>
+        </p:style>
+        <p:txBody>
+          <a:bodyPr rtlCol="0" anchor="ctr"/>
+          <a:lstStyle/>
+          <a:p>
+            <a:pPr algn="ctr"/>
+            <a:endParaRPr kumimoji="1" lang="ja-JP" altLang="en-US"/>
+          </a:p>
+        </p:txBody>
+      </p:sp>
+      <p:sp>
+        <p:nvSpPr>
+          <p:cNvPr id="4" name="正方形/長方形 3">
+            <a:extLst>
+              <a:ext uri="{FF2B5EF4-FFF2-40B4-BE49-F238E27FC236}">
+                <a16:creationId xmlns:a16="http://schemas.microsoft.com/office/drawing/2014/main" id="{A3358812-BDCD-BA67-7E7F-9A547562EA7D}"/>
+              </a:ext>
+            </a:extLst>
+          </p:cNvPr>
+          <p:cNvSpPr/>
+          <p:nvPr/>
+        </p:nvSpPr>
+        <p:spPr>
+          <a:xfrm>
+            <a:off x="6950274" y="1774476"/>
+            <a:ext cx="1241570" cy="1116006"/>
+          </a:xfrm>
+          <a:prstGeom prst="rect">
+            <a:avLst/>
+          </a:prstGeom>
+          <a:noFill/>
+        </p:spPr>
+        <p:style>
+          <a:lnRef idx="2">
+            <a:schemeClr val="accent1">
+              <a:shade val="50000"/>
+            </a:schemeClr>
+          </a:lnRef>
+          <a:fillRef idx="1">
+            <a:schemeClr val="accent1"/>
+          </a:fillRef>
+          <a:effectRef idx="0">
+            <a:schemeClr val="accent1"/>
+          </a:effectRef>
+          <a:fontRef idx="minor">
+            <a:schemeClr val="lt1"/>
+          </a:fontRef>
+        </p:style>
+        <p:txBody>
+          <a:bodyPr rtlCol="0" anchor="ctr"/>
+          <a:lstStyle/>
+          <a:p>
+            <a:pPr algn="ctr"/>
+            <a:endParaRPr kumimoji="1" lang="ja-JP" altLang="en-US"/>
+          </a:p>
+        </p:txBody>
+      </p:sp>
+      <p:sp>
+        <p:nvSpPr>
+          <p:cNvPr id="8" name="楕円 7">
+            <a:extLst>
+              <a:ext uri="{FF2B5EF4-FFF2-40B4-BE49-F238E27FC236}">
+                <a16:creationId xmlns:a16="http://schemas.microsoft.com/office/drawing/2014/main" id="{A90C7006-E642-8A71-A6F2-BBDDEB69241B}"/>
+              </a:ext>
+            </a:extLst>
+          </p:cNvPr>
+          <p:cNvSpPr/>
+          <p:nvPr/>
+        </p:nvSpPr>
+        <p:spPr>
+          <a:xfrm>
+            <a:off x="6656107" y="2252839"/>
+            <a:ext cx="1761688" cy="1564682"/>
+          </a:xfrm>
+          <a:prstGeom prst="ellipse">
+            <a:avLst/>
+          </a:prstGeom>
+          <a:noFill/>
+          <a:ln w="3175">
+            <a:solidFill>
+              <a:schemeClr val="bg2">
+                <a:lumMod val="75000"/>
+              </a:schemeClr>
+            </a:solidFill>
+          </a:ln>
+        </p:spPr>
+        <p:style>
+          <a:lnRef idx="2">
+            <a:schemeClr val="accent1">
+              <a:shade val="50000"/>
+            </a:schemeClr>
+          </a:lnRef>
+          <a:fillRef idx="1">
+            <a:schemeClr val="accent1"/>
+          </a:fillRef>
+          <a:effectRef idx="0">
+            <a:schemeClr val="accent1"/>
+          </a:effectRef>
+          <a:fontRef idx="minor">
+            <a:schemeClr val="lt1"/>
+          </a:fontRef>
+        </p:style>
+        <p:txBody>
+          <a:bodyPr rtlCol="0" anchor="ctr"/>
+          <a:lstStyle/>
+          <a:p>
+            <a:pPr algn="ctr"/>
+            <a:endParaRPr kumimoji="1" lang="ja-JP" altLang="en-US"/>
+          </a:p>
+        </p:txBody>
+      </p:sp>
+      <p:sp>
+        <p:nvSpPr>
+          <p:cNvPr id="24" name="正方形/長方形 23">
+            <a:extLst>
+              <a:ext uri="{FF2B5EF4-FFF2-40B4-BE49-F238E27FC236}">
+                <a16:creationId xmlns:a16="http://schemas.microsoft.com/office/drawing/2014/main" id="{7743BB48-A5AA-1D26-7E88-0AFF53AB4309}"/>
+              </a:ext>
+            </a:extLst>
+          </p:cNvPr>
+          <p:cNvSpPr/>
+          <p:nvPr/>
+        </p:nvSpPr>
+        <p:spPr>
+          <a:xfrm rot="19348143">
+            <a:off x="7167238" y="3170273"/>
+            <a:ext cx="615049" cy="590742"/>
+          </a:xfrm>
+          <a:prstGeom prst="rect">
+            <a:avLst/>
+          </a:prstGeom>
+          <a:noFill/>
+        </p:spPr>
+        <p:style>
+          <a:lnRef idx="2">
+            <a:schemeClr val="accent1">
+              <a:shade val="50000"/>
+            </a:schemeClr>
+          </a:lnRef>
+          <a:fillRef idx="1">
+            <a:schemeClr val="accent1"/>
+          </a:fillRef>
+          <a:effectRef idx="0">
+            <a:schemeClr val="accent1"/>
+          </a:effectRef>
+          <a:fontRef idx="minor">
+            <a:schemeClr val="lt1"/>
+          </a:fontRef>
+        </p:style>
+        <p:txBody>
+          <a:bodyPr rtlCol="0" anchor="ctr"/>
+          <a:lstStyle/>
+          <a:p>
+            <a:pPr algn="ctr"/>
+            <a:endParaRPr kumimoji="1" lang="ja-JP" altLang="en-US"/>
+          </a:p>
+        </p:txBody>
+      </p:sp>
+      <p:sp>
+        <p:nvSpPr>
+          <p:cNvPr id="31" name="楕円 30">
+            <a:extLst>
+              <a:ext uri="{FF2B5EF4-FFF2-40B4-BE49-F238E27FC236}">
+                <a16:creationId xmlns:a16="http://schemas.microsoft.com/office/drawing/2014/main" id="{BAD2374A-9BE2-0BE9-447E-00199EC3D0EE}"/>
+              </a:ext>
+            </a:extLst>
+          </p:cNvPr>
+          <p:cNvSpPr/>
+          <p:nvPr/>
+        </p:nvSpPr>
+        <p:spPr>
+          <a:xfrm>
+            <a:off x="7486618" y="3009928"/>
+            <a:ext cx="100667" cy="103839"/>
+          </a:xfrm>
+          <a:prstGeom prst="ellipse">
+            <a:avLst/>
+          </a:prstGeom>
+          <a:solidFill>
+            <a:srgbClr val="FF0000"/>
+          </a:solidFill>
+          <a:ln>
+            <a:solidFill>
+              <a:srgbClr val="FF0000"/>
+            </a:solidFill>
+          </a:ln>
+        </p:spPr>
+        <p:style>
+          <a:lnRef idx="2">
+            <a:schemeClr val="accent1">
+              <a:shade val="50000"/>
+            </a:schemeClr>
+          </a:lnRef>
+          <a:fillRef idx="1">
+            <a:schemeClr val="accent1"/>
+          </a:fillRef>
+          <a:effectRef idx="0">
+            <a:schemeClr val="accent1"/>
+          </a:effectRef>
+          <a:fontRef idx="minor">
+            <a:schemeClr val="lt1"/>
+          </a:fontRef>
+        </p:style>
+        <p:txBody>
+          <a:bodyPr rtlCol="0" anchor="ctr"/>
+          <a:lstStyle/>
+          <a:p>
+            <a:pPr algn="ctr"/>
+            <a:endParaRPr kumimoji="1" lang="ja-JP" altLang="en-US"/>
+          </a:p>
+        </p:txBody>
+      </p:sp>
+      <p:grpSp>
+        <p:nvGrpSpPr>
+          <p:cNvPr id="36" name="グループ化 35">
+            <a:extLst>
+              <a:ext uri="{FF2B5EF4-FFF2-40B4-BE49-F238E27FC236}">
+                <a16:creationId xmlns:a16="http://schemas.microsoft.com/office/drawing/2014/main" id="{05C9ACB9-C3C9-B1FD-396F-9D9E324AEE85}"/>
+              </a:ext>
+            </a:extLst>
+          </p:cNvPr>
+          <p:cNvGrpSpPr/>
+          <p:nvPr/>
+        </p:nvGrpSpPr>
+        <p:grpSpPr>
+          <a:xfrm>
+            <a:off x="10317128" y="253380"/>
+            <a:ext cx="936000" cy="1564682"/>
+            <a:chOff x="10317128" y="882062"/>
+            <a:chExt cx="936000" cy="936000"/>
+          </a:xfrm>
+        </p:grpSpPr>
+        <p:sp>
+          <p:nvSpPr>
+            <p:cNvPr id="7" name="楕円 6">
+              <a:extLst>
+                <a:ext uri="{FF2B5EF4-FFF2-40B4-BE49-F238E27FC236}">
+                  <a16:creationId xmlns:a16="http://schemas.microsoft.com/office/drawing/2014/main" id="{B074AF00-D53E-139B-8BBE-0AF28065EF7C}"/>
+                </a:ext>
+              </a:extLst>
+            </p:cNvPr>
+            <p:cNvSpPr/>
+            <p:nvPr/>
+          </p:nvSpPr>
+          <p:spPr>
+            <a:xfrm>
+              <a:off x="10317128" y="882062"/>
+              <a:ext cx="936000" cy="936000"/>
+            </a:xfrm>
+            <a:prstGeom prst="ellipse">
+              <a:avLst/>
+            </a:prstGeom>
+            <a:noFill/>
+            <a:ln w="3175">
+              <a:solidFill>
+                <a:schemeClr val="bg2">
+                  <a:lumMod val="75000"/>
+                </a:schemeClr>
+              </a:solidFill>
+            </a:ln>
+          </p:spPr>
+          <p:style>
+            <a:lnRef idx="2">
+              <a:schemeClr val="accent1">
+                <a:shade val="50000"/>
+              </a:schemeClr>
+            </a:lnRef>
+            <a:fillRef idx="1">
+              <a:schemeClr val="accent1"/>
+            </a:fillRef>
+            <a:effectRef idx="0">
+              <a:schemeClr val="accent1"/>
+            </a:effectRef>
+            <a:fontRef idx="minor">
+              <a:schemeClr val="lt1"/>
+            </a:fontRef>
+          </p:style>
+          <p:txBody>
+            <a:bodyPr rtlCol="0" anchor="ctr"/>
+            <a:lstStyle/>
+            <a:p>
+              <a:pPr algn="ctr"/>
+              <a:endParaRPr kumimoji="1" lang="ja-JP" altLang="en-US"/>
+            </a:p>
+          </p:txBody>
+        </p:sp>
+        <p:sp>
+          <p:nvSpPr>
+            <p:cNvPr id="32" name="二等辺三角形 31">
+              <a:extLst>
+                <a:ext uri="{FF2B5EF4-FFF2-40B4-BE49-F238E27FC236}">
+                  <a16:creationId xmlns:a16="http://schemas.microsoft.com/office/drawing/2014/main" id="{12E819A7-78FB-C76B-7B86-D3EB130092F3}"/>
+                </a:ext>
+              </a:extLst>
+            </p:cNvPr>
+            <p:cNvSpPr/>
+            <p:nvPr/>
+          </p:nvSpPr>
+          <p:spPr>
+            <a:xfrm>
+              <a:off x="10425128" y="923640"/>
+              <a:ext cx="720000" cy="720000"/>
+            </a:xfrm>
+            <a:prstGeom prst="triangle">
+              <a:avLst/>
+            </a:prstGeom>
+          </p:spPr>
+          <p:style>
+            <a:lnRef idx="2">
+              <a:schemeClr val="accent1">
+                <a:shade val="50000"/>
+              </a:schemeClr>
+            </a:lnRef>
+            <a:fillRef idx="1">
+              <a:schemeClr val="accent1"/>
+            </a:fillRef>
+            <a:effectRef idx="0">
+              <a:schemeClr val="accent1"/>
+            </a:effectRef>
+            <a:fontRef idx="minor">
+              <a:schemeClr val="lt1"/>
+            </a:fontRef>
+          </p:style>
+          <p:txBody>
+            <a:bodyPr rtlCol="0" anchor="ctr"/>
+            <a:lstStyle/>
+            <a:p>
+              <a:pPr algn="ctr"/>
+              <a:endParaRPr kumimoji="1" lang="ja-JP" altLang="en-US"/>
+            </a:p>
+          </p:txBody>
+        </p:sp>
+      </p:grpSp>
+      <p:sp>
+        <p:nvSpPr>
+          <p:cNvPr id="35" name="二等辺三角形 34">
+            <a:extLst>
+              <a:ext uri="{FF2B5EF4-FFF2-40B4-BE49-F238E27FC236}">
+                <a16:creationId xmlns:a16="http://schemas.microsoft.com/office/drawing/2014/main" id="{67EC9D77-CDAF-7AD9-5E44-056C7D055506}"/>
+              </a:ext>
+            </a:extLst>
+          </p:cNvPr>
+          <p:cNvSpPr/>
+          <p:nvPr/>
+        </p:nvSpPr>
+        <p:spPr>
+          <a:xfrm>
+            <a:off x="11320308" y="2177989"/>
+            <a:ext cx="720000" cy="720000"/>
+          </a:xfrm>
+          <a:prstGeom prst="triangle">
+            <a:avLst/>
+          </a:prstGeom>
+        </p:spPr>
+        <p:style>
+          <a:lnRef idx="2">
+            <a:schemeClr val="accent1">
+              <a:shade val="50000"/>
+            </a:schemeClr>
+          </a:lnRef>
+          <a:fillRef idx="1">
+            <a:schemeClr val="accent1"/>
+          </a:fillRef>
+          <a:effectRef idx="0">
+            <a:schemeClr val="accent1"/>
+          </a:effectRef>
+          <a:fontRef idx="minor">
+            <a:schemeClr val="lt1"/>
+          </a:fontRef>
+        </p:style>
+        <p:txBody>
+          <a:bodyPr rtlCol="0" anchor="ctr"/>
+          <a:lstStyle/>
+          <a:p>
+            <a:pPr algn="ctr"/>
+            <a:endParaRPr kumimoji="1" lang="ja-JP" altLang="en-US"/>
+          </a:p>
+        </p:txBody>
+      </p:sp>
+    </p:spTree>
+    <p:extLst>
+      <p:ext uri="{BB962C8B-B14F-4D97-AF65-F5344CB8AC3E}">
+        <p14:creationId xmlns:p14="http://schemas.microsoft.com/office/powerpoint/2010/main" val="3763728601"/>
+      </p:ext>
+    </p:extLst>
+  </p:cSld>
+  <p:clrMapOvr>
+    <a:masterClrMapping/>
+  </p:clrMapOvr>
+</p:sld>
+</file>
+
+<file path=ppt/slides/slide8.xml><?xml version="1.0" encoding="utf-8"?>
+<p:sld xmlns:a="http://schemas.openxmlformats.org/drawingml/2006/main" xmlns:r="http://schemas.openxmlformats.org/officeDocument/2006/relationships" xmlns:p="http://schemas.openxmlformats.org/presentationml/2006/main">
+  <p:cSld>
+    <p:spTree>
+      <p:nvGrpSpPr>
+        <p:cNvPr id="1" name=""/>
+        <p:cNvGrpSpPr/>
+        <p:nvPr/>
+      </p:nvGrpSpPr>
+      <p:grpSpPr>
+        <a:xfrm>
+          <a:off x="0" y="0"/>
+          <a:ext cx="0" cy="0"/>
+          <a:chOff x="0" y="0"/>
+          <a:chExt cx="0" cy="0"/>
+        </a:xfrm>
+      </p:grpSpPr>
+      <p:sp>
+        <p:nvSpPr>
+          <p:cNvPr id="4" name="テキスト ボックス 3">
+            <a:extLst>
+              <a:ext uri="{FF2B5EF4-FFF2-40B4-BE49-F238E27FC236}">
+                <a16:creationId xmlns:a16="http://schemas.microsoft.com/office/drawing/2014/main" id="{21822DCF-4DBC-B510-AC00-93841B22B7CE}"/>
+              </a:ext>
+            </a:extLst>
+          </p:cNvPr>
+          <p:cNvSpPr txBox="1"/>
+          <p:nvPr/>
+        </p:nvSpPr>
+        <p:spPr>
+          <a:xfrm>
+            <a:off x="145648" y="171160"/>
+            <a:ext cx="2721841" cy="461665"/>
+          </a:xfrm>
+          <a:prstGeom prst="rect">
+            <a:avLst/>
+          </a:prstGeom>
+          <a:noFill/>
+        </p:spPr>
+        <p:txBody>
+          <a:bodyPr wrap="square" rtlCol="0">
+            <a:spAutoFit/>
+          </a:bodyPr>
+          <a:lstStyle/>
+          <a:p>
+            <a:r>
+              <a:rPr lang="ja-JP" altLang="en-US" sz="2400" dirty="0"/>
+              <a:t>毎フレームの変化</a:t>
+            </a:r>
+            <a:endParaRPr kumimoji="1" lang="ja-JP" altLang="en-US" sz="2400" dirty="0"/>
+          </a:p>
+        </p:txBody>
+      </p:sp>
+      <p:sp>
+        <p:nvSpPr>
+          <p:cNvPr id="6" name="正方形/長方形 5">
+            <a:extLst>
+              <a:ext uri="{FF2B5EF4-FFF2-40B4-BE49-F238E27FC236}">
+                <a16:creationId xmlns:a16="http://schemas.microsoft.com/office/drawing/2014/main" id="{684CD735-8BEA-DF5D-6C4B-A83147A59978}"/>
+              </a:ext>
+            </a:extLst>
+          </p:cNvPr>
+          <p:cNvSpPr/>
+          <p:nvPr/>
+        </p:nvSpPr>
+        <p:spPr>
+          <a:xfrm>
+            <a:off x="760710" y="1924978"/>
+            <a:ext cx="1563372" cy="1104150"/>
+          </a:xfrm>
+          <a:prstGeom prst="rect">
+            <a:avLst/>
+          </a:prstGeom>
+          <a:noFill/>
+        </p:spPr>
+        <p:style>
+          <a:lnRef idx="2">
+            <a:schemeClr val="accent1">
+              <a:shade val="50000"/>
+            </a:schemeClr>
+          </a:lnRef>
+          <a:fillRef idx="1">
+            <a:schemeClr val="accent1"/>
+          </a:fillRef>
+          <a:effectRef idx="0">
+            <a:schemeClr val="accent1"/>
+          </a:effectRef>
+          <a:fontRef idx="minor">
+            <a:schemeClr val="lt1"/>
+          </a:fontRef>
+        </p:style>
+        <p:txBody>
+          <a:bodyPr rtlCol="0" anchor="ctr"/>
+          <a:lstStyle/>
+          <a:p>
+            <a:pPr algn="ctr"/>
+            <a:endParaRPr kumimoji="1" lang="ja-JP" altLang="en-US"/>
+          </a:p>
+        </p:txBody>
+      </p:sp>
+      <p:cxnSp>
+        <p:nvCxnSpPr>
+          <p:cNvPr id="8" name="直線コネクタ 7">
+            <a:extLst>
+              <a:ext uri="{FF2B5EF4-FFF2-40B4-BE49-F238E27FC236}">
+                <a16:creationId xmlns:a16="http://schemas.microsoft.com/office/drawing/2014/main" id="{024F0CBA-4212-0745-F429-79BB77B0AE33}"/>
+              </a:ext>
+            </a:extLst>
+          </p:cNvPr>
+          <p:cNvCxnSpPr/>
+          <p:nvPr/>
+        </p:nvCxnSpPr>
+        <p:spPr>
+          <a:xfrm>
+            <a:off x="3105397" y="1223158"/>
+            <a:ext cx="53439" cy="5551715"/>
+          </a:xfrm>
+          <a:prstGeom prst="line">
+            <a:avLst/>
+          </a:prstGeom>
+        </p:spPr>
+        <p:style>
+          <a:lnRef idx="1">
+            <a:schemeClr val="accent1"/>
+          </a:lnRef>
+          <a:fillRef idx="0">
+            <a:schemeClr val="accent1"/>
+          </a:fillRef>
+          <a:effectRef idx="0">
+            <a:schemeClr val="accent1"/>
+          </a:effectRef>
+          <a:fontRef idx="minor">
+            <a:schemeClr val="tx1"/>
+          </a:fontRef>
+        </p:style>
+      </p:cxnSp>
+      <p:cxnSp>
+        <p:nvCxnSpPr>
+          <p:cNvPr id="9" name="直線コネクタ 8">
+            <a:extLst>
+              <a:ext uri="{FF2B5EF4-FFF2-40B4-BE49-F238E27FC236}">
+                <a16:creationId xmlns:a16="http://schemas.microsoft.com/office/drawing/2014/main" id="{9B2DBC33-0345-7FDE-08C6-0A92E79AF65D}"/>
+              </a:ext>
+            </a:extLst>
+          </p:cNvPr>
+          <p:cNvCxnSpPr/>
+          <p:nvPr/>
+        </p:nvCxnSpPr>
+        <p:spPr>
+          <a:xfrm>
+            <a:off x="6042561" y="1223158"/>
+            <a:ext cx="53439" cy="5551715"/>
+          </a:xfrm>
+          <a:prstGeom prst="line">
+            <a:avLst/>
+          </a:prstGeom>
+        </p:spPr>
+        <p:style>
+          <a:lnRef idx="1">
+            <a:schemeClr val="accent1"/>
+          </a:lnRef>
+          <a:fillRef idx="0">
+            <a:schemeClr val="accent1"/>
+          </a:fillRef>
+          <a:effectRef idx="0">
+            <a:schemeClr val="accent1"/>
+          </a:effectRef>
+          <a:fontRef idx="minor">
+            <a:schemeClr val="tx1"/>
+          </a:fontRef>
+        </p:style>
+      </p:cxnSp>
+      <p:cxnSp>
+        <p:nvCxnSpPr>
+          <p:cNvPr id="10" name="直線コネクタ 9">
+            <a:extLst>
+              <a:ext uri="{FF2B5EF4-FFF2-40B4-BE49-F238E27FC236}">
+                <a16:creationId xmlns:a16="http://schemas.microsoft.com/office/drawing/2014/main" id="{9F59B771-01F8-99BE-24A9-8EA03B093525}"/>
+              </a:ext>
+            </a:extLst>
+          </p:cNvPr>
+          <p:cNvCxnSpPr/>
+          <p:nvPr/>
+        </p:nvCxnSpPr>
+        <p:spPr>
+          <a:xfrm>
+            <a:off x="9029205" y="1223158"/>
+            <a:ext cx="53439" cy="5551715"/>
+          </a:xfrm>
+          <a:prstGeom prst="line">
+            <a:avLst/>
+          </a:prstGeom>
+        </p:spPr>
+        <p:style>
+          <a:lnRef idx="1">
+            <a:schemeClr val="accent1"/>
+          </a:lnRef>
+          <a:fillRef idx="0">
+            <a:schemeClr val="accent1"/>
+          </a:fillRef>
+          <a:effectRef idx="0">
+            <a:schemeClr val="accent1"/>
+          </a:effectRef>
+          <a:fontRef idx="minor">
+            <a:schemeClr val="tx1"/>
+          </a:fontRef>
+        </p:style>
+      </p:cxnSp>
+      <p:sp>
+        <p:nvSpPr>
+          <p:cNvPr id="11" name="テキスト ボックス 10">
+            <a:extLst>
+              <a:ext uri="{FF2B5EF4-FFF2-40B4-BE49-F238E27FC236}">
+                <a16:creationId xmlns:a16="http://schemas.microsoft.com/office/drawing/2014/main" id="{60A2ED35-7304-1C5C-7A9E-BDA7F1B53FB3}"/>
+              </a:ext>
+            </a:extLst>
+          </p:cNvPr>
+          <p:cNvSpPr txBox="1"/>
+          <p:nvPr/>
+        </p:nvSpPr>
+        <p:spPr>
+          <a:xfrm>
+            <a:off x="382466" y="779107"/>
+            <a:ext cx="1941616" cy="369332"/>
+          </a:xfrm>
+          <a:prstGeom prst="rect">
+            <a:avLst/>
+          </a:prstGeom>
+          <a:noFill/>
+        </p:spPr>
+        <p:txBody>
+          <a:bodyPr wrap="square" rtlCol="0">
+            <a:spAutoFit/>
+          </a:bodyPr>
+          <a:lstStyle/>
+          <a:p>
+            <a:r>
+              <a:rPr kumimoji="1" lang="ja-JP" altLang="en-US" dirty="0"/>
+              <a:t>接触情報の分割</a:t>
+            </a:r>
+          </a:p>
+        </p:txBody>
+      </p:sp>
+      <p:sp>
+        <p:nvSpPr>
+          <p:cNvPr id="12" name="正方形/長方形 11">
+            <a:extLst>
+              <a:ext uri="{FF2B5EF4-FFF2-40B4-BE49-F238E27FC236}">
+                <a16:creationId xmlns:a16="http://schemas.microsoft.com/office/drawing/2014/main" id="{DCEFBC33-E19E-4A8F-8644-76019249C89D}"/>
+              </a:ext>
+            </a:extLst>
+          </p:cNvPr>
+          <p:cNvSpPr/>
+          <p:nvPr/>
+        </p:nvSpPr>
+        <p:spPr>
+          <a:xfrm>
+            <a:off x="103555" y="3019158"/>
+            <a:ext cx="2912067" cy="795647"/>
+          </a:xfrm>
+          <a:prstGeom prst="rect">
+            <a:avLst/>
+          </a:prstGeom>
+          <a:noFill/>
+        </p:spPr>
+        <p:style>
+          <a:lnRef idx="2">
+            <a:schemeClr val="accent1">
+              <a:shade val="50000"/>
+            </a:schemeClr>
+          </a:lnRef>
+          <a:fillRef idx="1">
+            <a:schemeClr val="accent1"/>
+          </a:fillRef>
+          <a:effectRef idx="0">
+            <a:schemeClr val="accent1"/>
+          </a:effectRef>
+          <a:fontRef idx="minor">
+            <a:schemeClr val="lt1"/>
+          </a:fontRef>
+        </p:style>
+        <p:txBody>
+          <a:bodyPr rtlCol="0" anchor="ctr"/>
+          <a:lstStyle/>
+          <a:p>
+            <a:pPr algn="ctr"/>
+            <a:endParaRPr kumimoji="1" lang="ja-JP" altLang="en-US"/>
+          </a:p>
+        </p:txBody>
+      </p:sp>
+      <p:sp>
+        <p:nvSpPr>
+          <p:cNvPr id="23" name="テキスト ボックス 22">
+            <a:extLst>
+              <a:ext uri="{FF2B5EF4-FFF2-40B4-BE49-F238E27FC236}">
+                <a16:creationId xmlns:a16="http://schemas.microsoft.com/office/drawing/2014/main" id="{46AC3723-64DE-2F02-DE77-C558C3D6E7E0}"/>
+              </a:ext>
+            </a:extLst>
+          </p:cNvPr>
+          <p:cNvSpPr txBox="1"/>
+          <p:nvPr/>
+        </p:nvSpPr>
+        <p:spPr>
+          <a:xfrm>
+            <a:off x="468432" y="4156841"/>
+            <a:ext cx="2081814" cy="1231106"/>
+          </a:xfrm>
+          <a:prstGeom prst="rect">
+            <a:avLst/>
+          </a:prstGeom>
+          <a:noFill/>
+        </p:spPr>
+        <p:txBody>
+          <a:bodyPr wrap="square" rtlCol="0">
+            <a:spAutoFit/>
+          </a:bodyPr>
+          <a:lstStyle/>
+          <a:p>
+            <a:r>
+              <a:rPr kumimoji="1" lang="en-US" altLang="ja-JP" dirty="0"/>
+              <a:t>Fixed Update</a:t>
+            </a:r>
+          </a:p>
+          <a:p>
+            <a:r>
+              <a:rPr lang="ja-JP" altLang="en-US" sz="1400" dirty="0"/>
+              <a:t>接触地点の合力計算</a:t>
+            </a:r>
+            <a:endParaRPr lang="en-US" altLang="ja-JP" sz="1400" dirty="0"/>
+          </a:p>
+          <a:p>
+            <a:r>
+              <a:rPr lang="ja-JP" altLang="en-US" sz="1400" dirty="0"/>
+              <a:t>座標、位置変更</a:t>
+            </a:r>
+            <a:endParaRPr lang="en-US" altLang="ja-JP" sz="1400" dirty="0"/>
+          </a:p>
+          <a:p>
+            <a:r>
+              <a:rPr lang="ja-JP" altLang="en-US" sz="1400" dirty="0"/>
+              <a:t>リスト</a:t>
+            </a:r>
+            <a:r>
+              <a:rPr lang="en-US" altLang="ja-JP" sz="1400" dirty="0"/>
+              <a:t>B</a:t>
+            </a:r>
+            <a:r>
+              <a:rPr lang="ja-JP" altLang="en-US" sz="1400" dirty="0"/>
+              <a:t>に</a:t>
+            </a:r>
+            <a:r>
+              <a:rPr lang="en-US" altLang="ja-JP" sz="1400" dirty="0"/>
+              <a:t>A</a:t>
+            </a:r>
+            <a:r>
+              <a:rPr lang="ja-JP" altLang="en-US" sz="1400" dirty="0"/>
+              <a:t>コピー</a:t>
+            </a:r>
+            <a:endParaRPr lang="en-US" altLang="ja-JP" sz="1400" dirty="0"/>
+          </a:p>
+          <a:p>
+            <a:r>
+              <a:rPr lang="ja-JP" altLang="en-US" sz="1400" dirty="0"/>
+              <a:t>リスト</a:t>
+            </a:r>
+            <a:r>
+              <a:rPr lang="en-US" altLang="ja-JP" sz="1400" dirty="0"/>
+              <a:t>A</a:t>
+            </a:r>
+            <a:r>
+              <a:rPr lang="ja-JP" altLang="en-US" sz="1400" dirty="0"/>
+              <a:t>初期化</a:t>
+            </a:r>
+            <a:endParaRPr lang="en-US" altLang="ja-JP" sz="1400" dirty="0"/>
+          </a:p>
+        </p:txBody>
+      </p:sp>
+      <p:sp>
+        <p:nvSpPr>
+          <p:cNvPr id="2" name="楕円 1">
+            <a:extLst>
+              <a:ext uri="{FF2B5EF4-FFF2-40B4-BE49-F238E27FC236}">
+                <a16:creationId xmlns:a16="http://schemas.microsoft.com/office/drawing/2014/main" id="{E9ED0EBC-84D5-1EBC-FF8E-F50944C41017}"/>
+              </a:ext>
+            </a:extLst>
+          </p:cNvPr>
+          <p:cNvSpPr/>
+          <p:nvPr/>
+        </p:nvSpPr>
+        <p:spPr>
+          <a:xfrm>
+            <a:off x="2530397" y="2263971"/>
+            <a:ext cx="337092" cy="320727"/>
+          </a:xfrm>
+          <a:prstGeom prst="ellipse">
+            <a:avLst/>
+          </a:prstGeom>
+          <a:noFill/>
+        </p:spPr>
+        <p:style>
+          <a:lnRef idx="2">
+            <a:schemeClr val="accent1">
+              <a:shade val="50000"/>
+            </a:schemeClr>
+          </a:lnRef>
+          <a:fillRef idx="1">
+            <a:schemeClr val="accent1"/>
+          </a:fillRef>
+          <a:effectRef idx="0">
+            <a:schemeClr val="accent1"/>
+          </a:effectRef>
+          <a:fontRef idx="minor">
+            <a:schemeClr val="lt1"/>
+          </a:fontRef>
+        </p:style>
+        <p:txBody>
+          <a:bodyPr rtlCol="0" anchor="ctr"/>
+          <a:lstStyle/>
+          <a:p>
+            <a:pPr algn="ctr"/>
+            <a:endParaRPr kumimoji="1" lang="ja-JP" altLang="en-US" dirty="0"/>
+          </a:p>
+        </p:txBody>
+      </p:sp>
+      <p:sp>
+        <p:nvSpPr>
+          <p:cNvPr id="3" name="テキスト ボックス 2">
+            <a:extLst>
+              <a:ext uri="{FF2B5EF4-FFF2-40B4-BE49-F238E27FC236}">
+                <a16:creationId xmlns:a16="http://schemas.microsoft.com/office/drawing/2014/main" id="{CFC5C652-9ED4-900E-C16B-D36585A6215A}"/>
+              </a:ext>
+            </a:extLst>
+          </p:cNvPr>
+          <p:cNvSpPr txBox="1"/>
+          <p:nvPr/>
+        </p:nvSpPr>
+        <p:spPr>
+          <a:xfrm>
+            <a:off x="2379260" y="2009123"/>
+            <a:ext cx="1002996" cy="276999"/>
+          </a:xfrm>
+          <a:prstGeom prst="rect">
+            <a:avLst/>
+          </a:prstGeom>
+          <a:noFill/>
+        </p:spPr>
+        <p:txBody>
+          <a:bodyPr wrap="square" rtlCol="0">
+            <a:spAutoFit/>
+          </a:bodyPr>
+          <a:lstStyle/>
+          <a:p>
+            <a:r>
+              <a:rPr kumimoji="1" lang="en-US" altLang="ja-JP" sz="1200" dirty="0"/>
+              <a:t>trigger</a:t>
+            </a:r>
+            <a:endParaRPr kumimoji="1" lang="ja-JP" altLang="en-US" sz="1200" dirty="0"/>
+          </a:p>
+        </p:txBody>
+      </p:sp>
+      <p:sp>
+        <p:nvSpPr>
+          <p:cNvPr id="5" name="正方形/長方形 4">
+            <a:extLst>
+              <a:ext uri="{FF2B5EF4-FFF2-40B4-BE49-F238E27FC236}">
+                <a16:creationId xmlns:a16="http://schemas.microsoft.com/office/drawing/2014/main" id="{A03A40AD-7937-C8C1-FF22-2241A03C4135}"/>
+              </a:ext>
+            </a:extLst>
+          </p:cNvPr>
+          <p:cNvSpPr/>
+          <p:nvPr/>
+        </p:nvSpPr>
+        <p:spPr>
+          <a:xfrm>
+            <a:off x="3801820" y="1924978"/>
+            <a:ext cx="1563372" cy="1104150"/>
+          </a:xfrm>
+          <a:prstGeom prst="rect">
+            <a:avLst/>
+          </a:prstGeom>
+          <a:noFill/>
+        </p:spPr>
+        <p:style>
+          <a:lnRef idx="2">
+            <a:schemeClr val="accent1">
+              <a:shade val="50000"/>
+            </a:schemeClr>
+          </a:lnRef>
+          <a:fillRef idx="1">
+            <a:schemeClr val="accent1"/>
+          </a:fillRef>
+          <a:effectRef idx="0">
+            <a:schemeClr val="accent1"/>
+          </a:effectRef>
+          <a:fontRef idx="minor">
+            <a:schemeClr val="lt1"/>
+          </a:fontRef>
+        </p:style>
+        <p:txBody>
+          <a:bodyPr rtlCol="0" anchor="ctr"/>
+          <a:lstStyle/>
+          <a:p>
+            <a:pPr algn="ctr"/>
+            <a:endParaRPr kumimoji="1" lang="ja-JP" altLang="en-US"/>
+          </a:p>
+        </p:txBody>
+      </p:sp>
+      <p:sp>
+        <p:nvSpPr>
+          <p:cNvPr id="7" name="正方形/長方形 6">
+            <a:extLst>
+              <a:ext uri="{FF2B5EF4-FFF2-40B4-BE49-F238E27FC236}">
+                <a16:creationId xmlns:a16="http://schemas.microsoft.com/office/drawing/2014/main" id="{C50483B4-3471-6D13-50B2-30D3D6E0396C}"/>
+              </a:ext>
+            </a:extLst>
+          </p:cNvPr>
+          <p:cNvSpPr/>
+          <p:nvPr/>
+        </p:nvSpPr>
+        <p:spPr>
+          <a:xfrm>
+            <a:off x="3144665" y="3019158"/>
+            <a:ext cx="2912067" cy="795647"/>
+          </a:xfrm>
+          <a:prstGeom prst="rect">
+            <a:avLst/>
+          </a:prstGeom>
+          <a:noFill/>
+        </p:spPr>
+        <p:style>
+          <a:lnRef idx="2">
+            <a:schemeClr val="accent1">
+              <a:shade val="50000"/>
+            </a:schemeClr>
+          </a:lnRef>
+          <a:fillRef idx="1">
+            <a:schemeClr val="accent1"/>
+          </a:fillRef>
+          <a:effectRef idx="0">
+            <a:schemeClr val="accent1"/>
+          </a:effectRef>
+          <a:fontRef idx="minor">
+            <a:schemeClr val="lt1"/>
+          </a:fontRef>
+        </p:style>
+        <p:txBody>
+          <a:bodyPr rtlCol="0" anchor="ctr"/>
+          <a:lstStyle/>
+          <a:p>
+            <a:pPr algn="ctr"/>
+            <a:endParaRPr kumimoji="1" lang="ja-JP" altLang="en-US"/>
+          </a:p>
+        </p:txBody>
+      </p:sp>
+      <p:sp>
+        <p:nvSpPr>
+          <p:cNvPr id="30" name="テキスト ボックス 29">
+            <a:extLst>
+              <a:ext uri="{FF2B5EF4-FFF2-40B4-BE49-F238E27FC236}">
+                <a16:creationId xmlns:a16="http://schemas.microsoft.com/office/drawing/2014/main" id="{304F8E63-8998-7237-B4F5-E2EFF6B5A26F}"/>
+              </a:ext>
+            </a:extLst>
+          </p:cNvPr>
+          <p:cNvSpPr txBox="1"/>
+          <p:nvPr/>
+        </p:nvSpPr>
+        <p:spPr>
+          <a:xfrm>
+            <a:off x="1161240" y="1213567"/>
+            <a:ext cx="1941616" cy="369332"/>
+          </a:xfrm>
+          <a:prstGeom prst="rect">
+            <a:avLst/>
+          </a:prstGeom>
+          <a:noFill/>
+        </p:spPr>
+        <p:txBody>
+          <a:bodyPr wrap="square" rtlCol="0">
+            <a:spAutoFit/>
+          </a:bodyPr>
+          <a:lstStyle/>
+          <a:p>
+            <a:r>
+              <a:rPr lang="en-US" altLang="ja-JP" dirty="0"/>
+              <a:t>start</a:t>
+            </a:r>
+            <a:endParaRPr kumimoji="1" lang="ja-JP" altLang="en-US" dirty="0"/>
+          </a:p>
+        </p:txBody>
+      </p:sp>
+      <p:sp>
+        <p:nvSpPr>
+          <p:cNvPr id="31" name="楕円 30">
+            <a:extLst>
+              <a:ext uri="{FF2B5EF4-FFF2-40B4-BE49-F238E27FC236}">
+                <a16:creationId xmlns:a16="http://schemas.microsoft.com/office/drawing/2014/main" id="{50C32285-A53E-534F-E2AE-C7C58A38E988}"/>
+              </a:ext>
+            </a:extLst>
+          </p:cNvPr>
+          <p:cNvSpPr/>
+          <p:nvPr/>
+        </p:nvSpPr>
+        <p:spPr>
+          <a:xfrm>
+            <a:off x="5386332" y="2193966"/>
+            <a:ext cx="337092" cy="320727"/>
+          </a:xfrm>
+          <a:prstGeom prst="ellipse">
+            <a:avLst/>
+          </a:prstGeom>
+          <a:noFill/>
+        </p:spPr>
+        <p:style>
+          <a:lnRef idx="2">
+            <a:schemeClr val="accent1">
+              <a:shade val="50000"/>
+            </a:schemeClr>
+          </a:lnRef>
+          <a:fillRef idx="1">
+            <a:schemeClr val="accent1"/>
+          </a:fillRef>
+          <a:effectRef idx="0">
+            <a:schemeClr val="accent1"/>
+          </a:effectRef>
+          <a:fontRef idx="minor">
+            <a:schemeClr val="lt1"/>
+          </a:fontRef>
+        </p:style>
+        <p:txBody>
+          <a:bodyPr rtlCol="0" anchor="ctr"/>
+          <a:lstStyle/>
+          <a:p>
+            <a:pPr algn="ctr"/>
+            <a:endParaRPr kumimoji="1" lang="ja-JP" altLang="en-US" dirty="0"/>
+          </a:p>
+        </p:txBody>
+      </p:sp>
+      <p:sp>
+        <p:nvSpPr>
+          <p:cNvPr id="32" name="正方形/長方形 31">
+            <a:extLst>
+              <a:ext uri="{FF2B5EF4-FFF2-40B4-BE49-F238E27FC236}">
+                <a16:creationId xmlns:a16="http://schemas.microsoft.com/office/drawing/2014/main" id="{C6DB31AA-56DC-C860-3465-D25B407F806F}"/>
+              </a:ext>
+            </a:extLst>
+          </p:cNvPr>
+          <p:cNvSpPr/>
+          <p:nvPr/>
+        </p:nvSpPr>
+        <p:spPr>
+          <a:xfrm>
+            <a:off x="6755696" y="1924978"/>
+            <a:ext cx="1563372" cy="1104150"/>
+          </a:xfrm>
+          <a:prstGeom prst="rect">
+            <a:avLst/>
+          </a:prstGeom>
+          <a:noFill/>
+        </p:spPr>
+        <p:style>
+          <a:lnRef idx="2">
+            <a:schemeClr val="accent1">
+              <a:shade val="50000"/>
+            </a:schemeClr>
+          </a:lnRef>
+          <a:fillRef idx="1">
+            <a:schemeClr val="accent1"/>
+          </a:fillRef>
+          <a:effectRef idx="0">
+            <a:schemeClr val="accent1"/>
+          </a:effectRef>
+          <a:fontRef idx="minor">
+            <a:schemeClr val="lt1"/>
+          </a:fontRef>
+        </p:style>
+        <p:txBody>
+          <a:bodyPr rtlCol="0" anchor="ctr"/>
+          <a:lstStyle/>
+          <a:p>
+            <a:pPr algn="ctr"/>
+            <a:endParaRPr kumimoji="1" lang="ja-JP" altLang="en-US"/>
+          </a:p>
+        </p:txBody>
+      </p:sp>
+      <p:sp>
+        <p:nvSpPr>
+          <p:cNvPr id="33" name="正方形/長方形 32">
+            <a:extLst>
+              <a:ext uri="{FF2B5EF4-FFF2-40B4-BE49-F238E27FC236}">
+                <a16:creationId xmlns:a16="http://schemas.microsoft.com/office/drawing/2014/main" id="{4C423F86-696F-D40B-6064-74B4AEA440BD}"/>
+              </a:ext>
+            </a:extLst>
+          </p:cNvPr>
+          <p:cNvSpPr/>
+          <p:nvPr/>
+        </p:nvSpPr>
+        <p:spPr>
+          <a:xfrm>
+            <a:off x="6098541" y="3019158"/>
+            <a:ext cx="2912067" cy="795647"/>
+          </a:xfrm>
+          <a:prstGeom prst="rect">
+            <a:avLst/>
+          </a:prstGeom>
+          <a:noFill/>
+        </p:spPr>
+        <p:style>
+          <a:lnRef idx="2">
+            <a:schemeClr val="accent1">
+              <a:shade val="50000"/>
+            </a:schemeClr>
+          </a:lnRef>
+          <a:fillRef idx="1">
+            <a:schemeClr val="accent1"/>
+          </a:fillRef>
+          <a:effectRef idx="0">
+            <a:schemeClr val="accent1"/>
+          </a:effectRef>
+          <a:fontRef idx="minor">
+            <a:schemeClr val="lt1"/>
+          </a:fontRef>
+        </p:style>
+        <p:txBody>
+          <a:bodyPr rtlCol="0" anchor="ctr"/>
+          <a:lstStyle/>
+          <a:p>
+            <a:pPr algn="ctr"/>
+            <a:endParaRPr kumimoji="1" lang="ja-JP" altLang="en-US"/>
+          </a:p>
+        </p:txBody>
+      </p:sp>
+      <p:sp>
+        <p:nvSpPr>
+          <p:cNvPr id="36" name="楕円 35">
+            <a:extLst>
+              <a:ext uri="{FF2B5EF4-FFF2-40B4-BE49-F238E27FC236}">
+                <a16:creationId xmlns:a16="http://schemas.microsoft.com/office/drawing/2014/main" id="{3CBFC3DC-8C49-9C0B-EF65-CB4DB1E5C63B}"/>
+              </a:ext>
+            </a:extLst>
+          </p:cNvPr>
+          <p:cNvSpPr/>
+          <p:nvPr/>
+        </p:nvSpPr>
+        <p:spPr>
+          <a:xfrm>
+            <a:off x="8248917" y="2257335"/>
+            <a:ext cx="337092" cy="320727"/>
+          </a:xfrm>
+          <a:prstGeom prst="ellipse">
+            <a:avLst/>
+          </a:prstGeom>
+          <a:noFill/>
+        </p:spPr>
+        <p:style>
+          <a:lnRef idx="2">
+            <a:schemeClr val="accent1">
+              <a:shade val="50000"/>
+            </a:schemeClr>
+          </a:lnRef>
+          <a:fillRef idx="1">
+            <a:schemeClr val="accent1"/>
+          </a:fillRef>
+          <a:effectRef idx="0">
+            <a:schemeClr val="accent1"/>
+          </a:effectRef>
+          <a:fontRef idx="minor">
+            <a:schemeClr val="lt1"/>
+          </a:fontRef>
+        </p:style>
+        <p:txBody>
+          <a:bodyPr rtlCol="0" anchor="ctr"/>
+          <a:lstStyle/>
+          <a:p>
+            <a:pPr algn="ctr"/>
+            <a:endParaRPr kumimoji="1" lang="ja-JP" altLang="en-US" dirty="0"/>
+          </a:p>
+        </p:txBody>
+      </p:sp>
+      <p:cxnSp>
+        <p:nvCxnSpPr>
+          <p:cNvPr id="42" name="直線コネクタ 41">
+            <a:extLst>
+              <a:ext uri="{FF2B5EF4-FFF2-40B4-BE49-F238E27FC236}">
+                <a16:creationId xmlns:a16="http://schemas.microsoft.com/office/drawing/2014/main" id="{06B7D28E-12C1-48CA-C3B6-FA44357320C7}"/>
+              </a:ext>
+            </a:extLst>
+          </p:cNvPr>
+          <p:cNvCxnSpPr>
+            <a:cxnSpLocks/>
+          </p:cNvCxnSpPr>
+          <p:nvPr/>
+        </p:nvCxnSpPr>
+        <p:spPr>
+          <a:xfrm>
+            <a:off x="48377" y="3999015"/>
+            <a:ext cx="12143623" cy="0"/>
+          </a:xfrm>
+          <a:prstGeom prst="line">
+            <a:avLst/>
+          </a:prstGeom>
+        </p:spPr>
+        <p:style>
+          <a:lnRef idx="1">
+            <a:schemeClr val="accent1"/>
+          </a:lnRef>
+          <a:fillRef idx="0">
+            <a:schemeClr val="accent1"/>
+          </a:fillRef>
+          <a:effectRef idx="0">
+            <a:schemeClr val="accent1"/>
+          </a:effectRef>
+          <a:fontRef idx="minor">
+            <a:schemeClr val="tx1"/>
+          </a:fontRef>
+        </p:style>
+      </p:cxnSp>
+      <p:sp>
+        <p:nvSpPr>
+          <p:cNvPr id="45" name="テキスト ボックス 44">
+            <a:extLst>
+              <a:ext uri="{FF2B5EF4-FFF2-40B4-BE49-F238E27FC236}">
+                <a16:creationId xmlns:a16="http://schemas.microsoft.com/office/drawing/2014/main" id="{73E27159-7CD4-BC17-49A2-49E516B5C15F}"/>
+              </a:ext>
+            </a:extLst>
+          </p:cNvPr>
+          <p:cNvSpPr txBox="1"/>
+          <p:nvPr/>
+        </p:nvSpPr>
+        <p:spPr>
+          <a:xfrm>
+            <a:off x="3904223" y="1273450"/>
+            <a:ext cx="1277827" cy="369332"/>
+          </a:xfrm>
+          <a:prstGeom prst="rect">
+            <a:avLst/>
+          </a:prstGeom>
+          <a:noFill/>
+        </p:spPr>
+        <p:txBody>
+          <a:bodyPr wrap="square" rtlCol="0">
+            <a:spAutoFit/>
+          </a:bodyPr>
+          <a:lstStyle/>
+          <a:p>
+            <a:r>
+              <a:rPr kumimoji="1" lang="en-US" altLang="ja-JP" dirty="0"/>
+              <a:t>Triger</a:t>
+            </a:r>
+            <a:r>
+              <a:rPr kumimoji="1" lang="ja-JP" altLang="en-US" dirty="0"/>
+              <a:t>接触</a:t>
+            </a:r>
+          </a:p>
+        </p:txBody>
+      </p:sp>
+      <p:sp>
+        <p:nvSpPr>
+          <p:cNvPr id="46" name="テキスト ボックス 45">
+            <a:extLst>
+              <a:ext uri="{FF2B5EF4-FFF2-40B4-BE49-F238E27FC236}">
+                <a16:creationId xmlns:a16="http://schemas.microsoft.com/office/drawing/2014/main" id="{FEAF4C3F-A723-0B23-EA41-53CB74042729}"/>
+              </a:ext>
+            </a:extLst>
+          </p:cNvPr>
+          <p:cNvSpPr txBox="1"/>
+          <p:nvPr/>
+        </p:nvSpPr>
+        <p:spPr>
+          <a:xfrm>
+            <a:off x="3742705" y="4172659"/>
+            <a:ext cx="2177143" cy="1877437"/>
+          </a:xfrm>
+          <a:prstGeom prst="rect">
+            <a:avLst/>
+          </a:prstGeom>
+          <a:noFill/>
+        </p:spPr>
+        <p:txBody>
+          <a:bodyPr wrap="square" rtlCol="0">
+            <a:spAutoFit/>
+          </a:bodyPr>
+          <a:lstStyle/>
+          <a:p>
+            <a:r>
+              <a:rPr lang="en-US" altLang="ja-JP" dirty="0" err="1"/>
+              <a:t>XXXTrigger</a:t>
+            </a:r>
+            <a:endParaRPr lang="en-US" altLang="ja-JP" dirty="0"/>
+          </a:p>
+          <a:p>
+            <a:r>
+              <a:rPr kumimoji="1" lang="ja-JP" altLang="en-US" sz="1400" dirty="0"/>
+              <a:t>リスト</a:t>
+            </a:r>
+            <a:r>
+              <a:rPr kumimoji="1" lang="en-US" altLang="ja-JP" sz="1400" dirty="0"/>
+              <a:t>B</a:t>
+            </a:r>
+            <a:r>
+              <a:rPr kumimoji="1" lang="ja-JP" altLang="en-US" sz="1400" dirty="0"/>
+              <a:t>から</a:t>
+            </a:r>
+            <a:r>
+              <a:rPr kumimoji="1" lang="en-US" altLang="ja-JP" sz="1400" dirty="0"/>
+              <a:t>trigger</a:t>
+            </a:r>
+            <a:r>
+              <a:rPr kumimoji="1" lang="ja-JP" altLang="en-US" sz="1400" dirty="0"/>
+              <a:t>座標への抗力、力を測定、出力</a:t>
+            </a:r>
+            <a:endParaRPr kumimoji="1" lang="en-US" altLang="ja-JP" sz="1400" dirty="0"/>
+          </a:p>
+          <a:p>
+            <a:r>
+              <a:rPr lang="ja-JP" altLang="en-US" sz="1400" dirty="0"/>
+              <a:t>リスト</a:t>
+            </a:r>
+            <a:r>
+              <a:rPr lang="en-US" altLang="ja-JP" sz="1400" dirty="0"/>
+              <a:t>B</a:t>
+            </a:r>
+            <a:r>
+              <a:rPr lang="ja-JP" altLang="en-US" sz="1400" dirty="0"/>
+              <a:t>初期化</a:t>
+            </a:r>
+            <a:endParaRPr lang="en-US" altLang="ja-JP" sz="1400" dirty="0"/>
+          </a:p>
+          <a:p>
+            <a:r>
+              <a:rPr kumimoji="1" lang="en-US" altLang="ja-JP" sz="1400" dirty="0"/>
+              <a:t>T:true</a:t>
+            </a:r>
+          </a:p>
+          <a:p>
+            <a:r>
+              <a:rPr lang="en-US" altLang="ja-JP" sz="1400" dirty="0"/>
+              <a:t>Pos</a:t>
+            </a:r>
+            <a:r>
+              <a:rPr lang="ja-JP" altLang="en-US" sz="1400" dirty="0"/>
+              <a:t>接触座標</a:t>
+            </a:r>
+            <a:r>
+              <a:rPr lang="en-US" altLang="ja-JP" sz="1400" dirty="0"/>
+              <a:t>(local)</a:t>
+            </a:r>
+            <a:r>
+              <a:rPr lang="ja-JP" altLang="en-US" sz="1400" dirty="0"/>
+              <a:t>保持</a:t>
+            </a:r>
+            <a:endParaRPr lang="en-US" altLang="ja-JP" sz="1400" dirty="0"/>
+          </a:p>
+          <a:p>
+            <a:r>
+              <a:rPr kumimoji="1" lang="en-US" altLang="ja-JP" sz="1400" dirty="0" err="1"/>
+              <a:t>Wpos</a:t>
+            </a:r>
+            <a:r>
+              <a:rPr kumimoji="1" lang="en-US" altLang="ja-JP" sz="1400" dirty="0"/>
+              <a:t>(w</a:t>
+            </a:r>
+            <a:r>
+              <a:rPr lang="en-US" altLang="ja-JP" sz="1400" dirty="0"/>
+              <a:t>orld)</a:t>
+            </a:r>
+            <a:r>
+              <a:rPr lang="ja-JP" altLang="en-US" sz="1400" dirty="0"/>
+              <a:t>保持</a:t>
+            </a:r>
+            <a:endParaRPr kumimoji="1" lang="en-US" altLang="ja-JP" sz="1400" dirty="0"/>
+          </a:p>
+        </p:txBody>
+      </p:sp>
+      <p:sp>
+        <p:nvSpPr>
+          <p:cNvPr id="55" name="矢印: 下カーブ 54">
+            <a:extLst>
+              <a:ext uri="{FF2B5EF4-FFF2-40B4-BE49-F238E27FC236}">
+                <a16:creationId xmlns:a16="http://schemas.microsoft.com/office/drawing/2014/main" id="{0FD30C5A-4401-DD18-4BAD-E1AED1B59939}"/>
+              </a:ext>
+            </a:extLst>
+          </p:cNvPr>
+          <p:cNvSpPr/>
+          <p:nvPr/>
+        </p:nvSpPr>
+        <p:spPr>
+          <a:xfrm rot="16200000">
+            <a:off x="-640893" y="5135170"/>
+            <a:ext cx="2042481" cy="270669"/>
+          </a:xfrm>
+          <a:prstGeom prst="curvedDownArrow">
+            <a:avLst/>
+          </a:prstGeom>
+        </p:spPr>
+        <p:style>
+          <a:lnRef idx="2">
+            <a:schemeClr val="accent1">
+              <a:shade val="50000"/>
+            </a:schemeClr>
+          </a:lnRef>
+          <a:fillRef idx="1">
+            <a:schemeClr val="accent1"/>
+          </a:fillRef>
+          <a:effectRef idx="0">
+            <a:schemeClr val="accent1"/>
+          </a:effectRef>
+          <a:fontRef idx="minor">
+            <a:schemeClr val="lt1"/>
+          </a:fontRef>
+        </p:style>
+        <p:txBody>
+          <a:bodyPr rtlCol="0" anchor="ctr"/>
+          <a:lstStyle/>
+          <a:p>
+            <a:pPr algn="ctr"/>
+            <a:endParaRPr kumimoji="1" lang="ja-JP" altLang="en-US">
+              <a:solidFill>
+                <a:schemeClr val="tx1"/>
+              </a:solidFill>
+            </a:endParaRPr>
+          </a:p>
+        </p:txBody>
+      </p:sp>
+      <p:sp>
+        <p:nvSpPr>
+          <p:cNvPr id="57" name="矢印: 右 56">
+            <a:extLst>
+              <a:ext uri="{FF2B5EF4-FFF2-40B4-BE49-F238E27FC236}">
+                <a16:creationId xmlns:a16="http://schemas.microsoft.com/office/drawing/2014/main" id="{536F97DF-17EC-C6B5-C919-7BDBDBD0DC40}"/>
+              </a:ext>
+            </a:extLst>
+          </p:cNvPr>
+          <p:cNvSpPr/>
+          <p:nvPr/>
+        </p:nvSpPr>
+        <p:spPr>
+          <a:xfrm>
+            <a:off x="2324082" y="4249264"/>
+            <a:ext cx="1225354" cy="216122"/>
+          </a:xfrm>
+          <a:prstGeom prst="rightArrow">
+            <a:avLst/>
+          </a:prstGeom>
+        </p:spPr>
+        <p:style>
+          <a:lnRef idx="2">
+            <a:schemeClr val="accent1">
+              <a:shade val="50000"/>
+            </a:schemeClr>
+          </a:lnRef>
+          <a:fillRef idx="1">
+            <a:schemeClr val="accent1"/>
+          </a:fillRef>
+          <a:effectRef idx="0">
+            <a:schemeClr val="accent1"/>
+          </a:effectRef>
+          <a:fontRef idx="minor">
+            <a:schemeClr val="lt1"/>
+          </a:fontRef>
+        </p:style>
+        <p:txBody>
+          <a:bodyPr rtlCol="0" anchor="ctr"/>
+          <a:lstStyle/>
+          <a:p>
+            <a:pPr algn="ctr"/>
+            <a:endParaRPr kumimoji="1" lang="ja-JP" altLang="en-US"/>
+          </a:p>
+        </p:txBody>
+      </p:sp>
+      <p:sp>
+        <p:nvSpPr>
+          <p:cNvPr id="58" name="矢印: 右 57">
+            <a:extLst>
+              <a:ext uri="{FF2B5EF4-FFF2-40B4-BE49-F238E27FC236}">
+                <a16:creationId xmlns:a16="http://schemas.microsoft.com/office/drawing/2014/main" id="{ABB4C6E5-FB1E-7BFC-D33B-15E7CD612DC4}"/>
+              </a:ext>
+            </a:extLst>
+          </p:cNvPr>
+          <p:cNvSpPr/>
+          <p:nvPr/>
+        </p:nvSpPr>
+        <p:spPr>
+          <a:xfrm rot="5400000">
+            <a:off x="4389737" y="6010682"/>
+            <a:ext cx="301985" cy="216122"/>
+          </a:xfrm>
+          <a:prstGeom prst="rightArrow">
+            <a:avLst/>
+          </a:prstGeom>
+        </p:spPr>
+        <p:style>
+          <a:lnRef idx="2">
+            <a:schemeClr val="accent1">
+              <a:shade val="50000"/>
+            </a:schemeClr>
+          </a:lnRef>
+          <a:fillRef idx="1">
+            <a:schemeClr val="accent1"/>
+          </a:fillRef>
+          <a:effectRef idx="0">
+            <a:schemeClr val="accent1"/>
+          </a:effectRef>
+          <a:fontRef idx="minor">
+            <a:schemeClr val="lt1"/>
+          </a:fontRef>
+        </p:style>
+        <p:txBody>
+          <a:bodyPr rtlCol="0" anchor="ctr"/>
+          <a:lstStyle/>
+          <a:p>
+            <a:pPr algn="ctr"/>
+            <a:endParaRPr kumimoji="1" lang="ja-JP" altLang="en-US" dirty="0"/>
+          </a:p>
+        </p:txBody>
+      </p:sp>
+      <p:sp>
+        <p:nvSpPr>
+          <p:cNvPr id="59" name="矢印: 右 58">
+            <a:extLst>
+              <a:ext uri="{FF2B5EF4-FFF2-40B4-BE49-F238E27FC236}">
+                <a16:creationId xmlns:a16="http://schemas.microsoft.com/office/drawing/2014/main" id="{8D047B5A-DD8C-B67E-429B-0423208E8E37}"/>
+              </a:ext>
+            </a:extLst>
+          </p:cNvPr>
+          <p:cNvSpPr/>
+          <p:nvPr/>
+        </p:nvSpPr>
+        <p:spPr>
+          <a:xfrm rot="5400000">
+            <a:off x="1128405" y="5512246"/>
+            <a:ext cx="464720" cy="216122"/>
+          </a:xfrm>
+          <a:prstGeom prst="rightArrow">
+            <a:avLst/>
+          </a:prstGeom>
+        </p:spPr>
+        <p:style>
+          <a:lnRef idx="2">
+            <a:schemeClr val="accent1">
+              <a:shade val="50000"/>
+            </a:schemeClr>
+          </a:lnRef>
+          <a:fillRef idx="1">
+            <a:schemeClr val="accent1"/>
+          </a:fillRef>
+          <a:effectRef idx="0">
+            <a:schemeClr val="accent1"/>
+          </a:effectRef>
+          <a:fontRef idx="minor">
+            <a:schemeClr val="lt1"/>
+          </a:fontRef>
+        </p:style>
+        <p:txBody>
+          <a:bodyPr rtlCol="0" anchor="ctr"/>
+          <a:lstStyle/>
+          <a:p>
+            <a:pPr algn="ctr"/>
+            <a:endParaRPr kumimoji="1" lang="ja-JP" altLang="en-US"/>
+          </a:p>
+        </p:txBody>
+      </p:sp>
+      <p:sp>
+        <p:nvSpPr>
+          <p:cNvPr id="60" name="テキスト ボックス 59">
+            <a:extLst>
+              <a:ext uri="{FF2B5EF4-FFF2-40B4-BE49-F238E27FC236}">
+                <a16:creationId xmlns:a16="http://schemas.microsoft.com/office/drawing/2014/main" id="{FB53DD42-4955-657C-FAD1-26B6E7B79DD5}"/>
+              </a:ext>
+            </a:extLst>
+          </p:cNvPr>
+          <p:cNvSpPr txBox="1"/>
+          <p:nvPr/>
+        </p:nvSpPr>
+        <p:spPr>
+          <a:xfrm>
+            <a:off x="635901" y="5921195"/>
+            <a:ext cx="1616406" cy="800219"/>
+          </a:xfrm>
+          <a:prstGeom prst="rect">
+            <a:avLst/>
+          </a:prstGeom>
+          <a:noFill/>
+        </p:spPr>
+        <p:txBody>
+          <a:bodyPr wrap="square" rtlCol="0">
+            <a:spAutoFit/>
+          </a:bodyPr>
+          <a:lstStyle/>
+          <a:p>
+            <a:pPr marL="0" marR="0" lvl="0" indent="0" algn="l" defTabSz="914400" rtl="0" eaLnBrk="1" fontAlgn="auto" latinLnBrk="0" hangingPunct="1">
+              <a:lnSpc>
+                <a:spcPct val="100000"/>
+              </a:lnSpc>
+              <a:spcBef>
+                <a:spcPts val="0"/>
+              </a:spcBef>
+              <a:spcAft>
+                <a:spcPts val="0"/>
+              </a:spcAft>
+              <a:buClrTx/>
+              <a:buSzTx/>
+              <a:buFontTx/>
+              <a:buNone/>
+              <a:tabLst/>
+              <a:defRPr/>
+            </a:pPr>
+            <a:r>
+              <a:rPr kumimoji="1" lang="en-US" altLang="ja-JP" sz="1800" b="0" i="0" u="none" strike="noStrike" kern="1200" cap="none" spc="0" normalizeH="0" baseline="0" noProof="0" dirty="0" err="1">
+                <a:ln>
+                  <a:noFill/>
+                </a:ln>
+                <a:solidFill>
+                  <a:prstClr val="black"/>
+                </a:solidFill>
+                <a:effectLst/>
+                <a:uLnTx/>
+                <a:uFillTx/>
+                <a:latin typeface="游ゴシック" panose="020F0502020204030204"/>
+                <a:ea typeface="游ゴシック" panose="020B0400000000000000" pitchFamily="50" charset="-128"/>
+                <a:cs typeface="+mn-cs"/>
+              </a:rPr>
+              <a:t>XXXCollider</a:t>
+            </a:r>
+            <a:endParaRPr kumimoji="1" lang="en-US" altLang="ja-JP" sz="1800" b="0" i="0" u="none" strike="noStrike" kern="1200" cap="none" spc="0" normalizeH="0" baseline="0" noProof="0" dirty="0">
+              <a:ln>
+                <a:noFill/>
+              </a:ln>
+              <a:solidFill>
+                <a:prstClr val="black"/>
+              </a:solidFill>
+              <a:effectLst/>
+              <a:uLnTx/>
+              <a:uFillTx/>
+              <a:latin typeface="游ゴシック" panose="020F0502020204030204"/>
+              <a:ea typeface="游ゴシック" panose="020B0400000000000000" pitchFamily="50" charset="-128"/>
+              <a:cs typeface="+mn-cs"/>
+            </a:endParaRPr>
+          </a:p>
+          <a:p>
+            <a:pPr marL="0" marR="0" lvl="0" indent="0" algn="l" defTabSz="914400" rtl="0" eaLnBrk="1" fontAlgn="auto" latinLnBrk="0" hangingPunct="1">
+              <a:lnSpc>
+                <a:spcPct val="100000"/>
+              </a:lnSpc>
+              <a:spcBef>
+                <a:spcPts val="0"/>
+              </a:spcBef>
+              <a:spcAft>
+                <a:spcPts val="0"/>
+              </a:spcAft>
+              <a:buClrTx/>
+              <a:buSzTx/>
+              <a:buFontTx/>
+              <a:buNone/>
+              <a:tabLst/>
+              <a:defRPr/>
+            </a:pPr>
+            <a:r>
+              <a:rPr kumimoji="1" lang="ja-JP" altLang="en-US" sz="1400" b="0" i="0" u="none" strike="noStrike" kern="1200" cap="none" spc="0" normalizeH="0" baseline="0" noProof="0" dirty="0">
+                <a:ln>
+                  <a:noFill/>
+                </a:ln>
+                <a:solidFill>
+                  <a:prstClr val="black"/>
+                </a:solidFill>
+                <a:effectLst/>
+                <a:uLnTx/>
+                <a:uFillTx/>
+                <a:latin typeface="游ゴシック" panose="020F0502020204030204"/>
+                <a:ea typeface="游ゴシック" panose="020B0400000000000000" pitchFamily="50" charset="-128"/>
+                <a:cs typeface="+mn-cs"/>
+              </a:rPr>
+              <a:t>接触地点取得</a:t>
+            </a:r>
+            <a:endParaRPr kumimoji="1" lang="en-US" altLang="ja-JP" sz="1400" b="0" i="0" u="none" strike="noStrike" kern="1200" cap="none" spc="0" normalizeH="0" baseline="0" noProof="0" dirty="0">
+              <a:ln>
+                <a:noFill/>
+              </a:ln>
+              <a:solidFill>
+                <a:prstClr val="black"/>
+              </a:solidFill>
+              <a:effectLst/>
+              <a:uLnTx/>
+              <a:uFillTx/>
+              <a:latin typeface="游ゴシック" panose="020F0502020204030204"/>
+              <a:ea typeface="游ゴシック" panose="020B0400000000000000" pitchFamily="50" charset="-128"/>
+              <a:cs typeface="+mn-cs"/>
+            </a:endParaRPr>
+          </a:p>
+          <a:p>
+            <a:pPr marL="0" marR="0" lvl="0" indent="0" algn="l" defTabSz="914400" rtl="0" eaLnBrk="1" fontAlgn="auto" latinLnBrk="0" hangingPunct="1">
+              <a:lnSpc>
+                <a:spcPct val="100000"/>
+              </a:lnSpc>
+              <a:spcBef>
+                <a:spcPts val="0"/>
+              </a:spcBef>
+              <a:spcAft>
+                <a:spcPts val="0"/>
+              </a:spcAft>
+              <a:buClrTx/>
+              <a:buSzTx/>
+              <a:buFontTx/>
+              <a:buNone/>
+              <a:tabLst/>
+              <a:defRPr/>
+            </a:pPr>
+            <a:r>
+              <a:rPr kumimoji="1" lang="ja-JP" altLang="en-US" sz="1400" b="0" i="0" u="none" strike="noStrike" kern="1200" cap="none" spc="0" normalizeH="0" baseline="0" noProof="0" dirty="0">
+                <a:ln>
+                  <a:noFill/>
+                </a:ln>
+                <a:solidFill>
+                  <a:prstClr val="black"/>
+                </a:solidFill>
+                <a:effectLst/>
+                <a:uLnTx/>
+                <a:uFillTx/>
+                <a:latin typeface="游ゴシック" panose="020F0502020204030204"/>
+                <a:ea typeface="游ゴシック" panose="020B0400000000000000" pitchFamily="50" charset="-128"/>
+                <a:cs typeface="+mn-cs"/>
+              </a:rPr>
+              <a:t>リスト</a:t>
+            </a:r>
+            <a:r>
+              <a:rPr kumimoji="1" lang="en-US" altLang="ja-JP" sz="1400" b="0" i="0" u="none" strike="noStrike" kern="1200" cap="none" spc="0" normalizeH="0" baseline="0" noProof="0" dirty="0">
+                <a:ln>
+                  <a:noFill/>
+                </a:ln>
+                <a:solidFill>
+                  <a:prstClr val="black"/>
+                </a:solidFill>
+                <a:effectLst/>
+                <a:uLnTx/>
+                <a:uFillTx/>
+                <a:latin typeface="游ゴシック" panose="020F0502020204030204"/>
+                <a:ea typeface="游ゴシック" panose="020B0400000000000000" pitchFamily="50" charset="-128"/>
+                <a:cs typeface="+mn-cs"/>
+              </a:rPr>
+              <a:t>A</a:t>
+            </a:r>
+            <a:r>
+              <a:rPr kumimoji="1" lang="ja-JP" altLang="en-US" sz="1400" b="0" i="0" u="none" strike="noStrike" kern="1200" cap="none" spc="0" normalizeH="0" baseline="0" noProof="0" dirty="0">
+                <a:ln>
+                  <a:noFill/>
+                </a:ln>
+                <a:solidFill>
+                  <a:prstClr val="black"/>
+                </a:solidFill>
+                <a:effectLst/>
+                <a:uLnTx/>
+                <a:uFillTx/>
+                <a:latin typeface="游ゴシック" panose="020F0502020204030204"/>
+                <a:ea typeface="游ゴシック" panose="020B0400000000000000" pitchFamily="50" charset="-128"/>
+                <a:cs typeface="+mn-cs"/>
+              </a:rPr>
+              <a:t>保持</a:t>
+            </a:r>
+            <a:endParaRPr kumimoji="1" lang="ja-JP" altLang="en-US" dirty="0"/>
+          </a:p>
+        </p:txBody>
+      </p:sp>
+      <p:sp>
+        <p:nvSpPr>
+          <p:cNvPr id="61" name="テキスト ボックス 60">
+            <a:extLst>
+              <a:ext uri="{FF2B5EF4-FFF2-40B4-BE49-F238E27FC236}">
+                <a16:creationId xmlns:a16="http://schemas.microsoft.com/office/drawing/2014/main" id="{53A6F2DF-5949-5C3C-71FB-F95AF172044E}"/>
+              </a:ext>
+            </a:extLst>
+          </p:cNvPr>
+          <p:cNvSpPr txBox="1"/>
+          <p:nvPr/>
+        </p:nvSpPr>
+        <p:spPr>
+          <a:xfrm>
+            <a:off x="3904223" y="6291745"/>
+            <a:ext cx="1616406" cy="800219"/>
+          </a:xfrm>
+          <a:prstGeom prst="rect">
+            <a:avLst/>
+          </a:prstGeom>
+          <a:noFill/>
+        </p:spPr>
+        <p:txBody>
+          <a:bodyPr wrap="square" rtlCol="0">
+            <a:spAutoFit/>
+          </a:bodyPr>
+          <a:lstStyle/>
+          <a:p>
+            <a:pPr marL="0" marR="0" lvl="0" indent="0" algn="l" defTabSz="914400" rtl="0" eaLnBrk="1" fontAlgn="auto" latinLnBrk="0" hangingPunct="1">
+              <a:lnSpc>
+                <a:spcPct val="100000"/>
+              </a:lnSpc>
+              <a:spcBef>
+                <a:spcPts val="0"/>
+              </a:spcBef>
+              <a:spcAft>
+                <a:spcPts val="0"/>
+              </a:spcAft>
+              <a:buClrTx/>
+              <a:buSzTx/>
+              <a:buFontTx/>
+              <a:buNone/>
+              <a:tabLst/>
+              <a:defRPr/>
+            </a:pPr>
+            <a:r>
+              <a:rPr kumimoji="1" lang="en-US" altLang="ja-JP" sz="1800" b="0" i="0" u="none" strike="noStrike" kern="1200" cap="none" spc="0" normalizeH="0" baseline="0" noProof="0" dirty="0" err="1">
+                <a:ln>
+                  <a:noFill/>
+                </a:ln>
+                <a:solidFill>
+                  <a:prstClr val="black"/>
+                </a:solidFill>
+                <a:effectLst/>
+                <a:uLnTx/>
+                <a:uFillTx/>
+                <a:latin typeface="游ゴシック" panose="020F0502020204030204"/>
+                <a:ea typeface="游ゴシック" panose="020B0400000000000000" pitchFamily="50" charset="-128"/>
+                <a:cs typeface="+mn-cs"/>
+              </a:rPr>
+              <a:t>XXXCollider</a:t>
+            </a:r>
+            <a:endParaRPr kumimoji="1" lang="en-US" altLang="ja-JP" sz="1800" b="0" i="0" u="none" strike="noStrike" kern="1200" cap="none" spc="0" normalizeH="0" baseline="0" noProof="0" dirty="0">
+              <a:ln>
+                <a:noFill/>
+              </a:ln>
+              <a:solidFill>
+                <a:prstClr val="black"/>
+              </a:solidFill>
+              <a:effectLst/>
+              <a:uLnTx/>
+              <a:uFillTx/>
+              <a:latin typeface="游ゴシック" panose="020F0502020204030204"/>
+              <a:ea typeface="游ゴシック" panose="020B0400000000000000" pitchFamily="50" charset="-128"/>
+              <a:cs typeface="+mn-cs"/>
+            </a:endParaRPr>
+          </a:p>
+          <a:p>
+            <a:pPr marL="0" marR="0" lvl="0" indent="0" algn="l" defTabSz="914400" rtl="0" eaLnBrk="1" fontAlgn="auto" latinLnBrk="0" hangingPunct="1">
+              <a:lnSpc>
+                <a:spcPct val="100000"/>
+              </a:lnSpc>
+              <a:spcBef>
+                <a:spcPts val="0"/>
+              </a:spcBef>
+              <a:spcAft>
+                <a:spcPts val="0"/>
+              </a:spcAft>
+              <a:buClrTx/>
+              <a:buSzTx/>
+              <a:buFontTx/>
+              <a:buNone/>
+              <a:tabLst/>
+              <a:defRPr/>
+            </a:pPr>
+            <a:r>
+              <a:rPr kumimoji="1" lang="ja-JP" altLang="en-US" sz="1400" b="0" i="0" u="none" strike="noStrike" kern="1200" cap="none" spc="0" normalizeH="0" baseline="0" noProof="0" dirty="0">
+                <a:ln>
+                  <a:noFill/>
+                </a:ln>
+                <a:solidFill>
+                  <a:prstClr val="black"/>
+                </a:solidFill>
+                <a:effectLst/>
+                <a:uLnTx/>
+                <a:uFillTx/>
+                <a:latin typeface="游ゴシック" panose="020F0502020204030204"/>
+                <a:ea typeface="游ゴシック" panose="020B0400000000000000" pitchFamily="50" charset="-128"/>
+                <a:cs typeface="+mn-cs"/>
+              </a:rPr>
+              <a:t>接触地点取得</a:t>
+            </a:r>
+            <a:endParaRPr kumimoji="1" lang="en-US" altLang="ja-JP" sz="1400" b="0" i="0" u="none" strike="noStrike" kern="1200" cap="none" spc="0" normalizeH="0" baseline="0" noProof="0" dirty="0">
+              <a:ln>
+                <a:noFill/>
+              </a:ln>
+              <a:solidFill>
+                <a:prstClr val="black"/>
+              </a:solidFill>
+              <a:effectLst/>
+              <a:uLnTx/>
+              <a:uFillTx/>
+              <a:latin typeface="游ゴシック" panose="020F0502020204030204"/>
+              <a:ea typeface="游ゴシック" panose="020B0400000000000000" pitchFamily="50" charset="-128"/>
+              <a:cs typeface="+mn-cs"/>
+            </a:endParaRPr>
+          </a:p>
+          <a:p>
+            <a:pPr marL="0" marR="0" lvl="0" indent="0" algn="l" defTabSz="914400" rtl="0" eaLnBrk="1" fontAlgn="auto" latinLnBrk="0" hangingPunct="1">
+              <a:lnSpc>
+                <a:spcPct val="100000"/>
+              </a:lnSpc>
+              <a:spcBef>
+                <a:spcPts val="0"/>
+              </a:spcBef>
+              <a:spcAft>
+                <a:spcPts val="0"/>
+              </a:spcAft>
+              <a:buClrTx/>
+              <a:buSzTx/>
+              <a:buFontTx/>
+              <a:buNone/>
+              <a:tabLst/>
+              <a:defRPr/>
+            </a:pPr>
+            <a:r>
+              <a:rPr kumimoji="1" lang="ja-JP" altLang="en-US" sz="1400" b="0" i="0" u="none" strike="noStrike" kern="1200" cap="none" spc="0" normalizeH="0" baseline="0" noProof="0" dirty="0">
+                <a:ln>
+                  <a:noFill/>
+                </a:ln>
+                <a:solidFill>
+                  <a:prstClr val="black"/>
+                </a:solidFill>
+                <a:effectLst/>
+                <a:uLnTx/>
+                <a:uFillTx/>
+                <a:latin typeface="游ゴシック" panose="020F0502020204030204"/>
+                <a:ea typeface="游ゴシック" panose="020B0400000000000000" pitchFamily="50" charset="-128"/>
+                <a:cs typeface="+mn-cs"/>
+              </a:rPr>
+              <a:t>リスト</a:t>
+            </a:r>
+            <a:r>
+              <a:rPr kumimoji="1" lang="en-US" altLang="ja-JP" sz="1400" b="0" i="0" u="none" strike="noStrike" kern="1200" cap="none" spc="0" normalizeH="0" baseline="0" noProof="0" dirty="0">
+                <a:ln>
+                  <a:noFill/>
+                </a:ln>
+                <a:solidFill>
+                  <a:prstClr val="black"/>
+                </a:solidFill>
+                <a:effectLst/>
+                <a:uLnTx/>
+                <a:uFillTx/>
+                <a:latin typeface="游ゴシック" panose="020F0502020204030204"/>
+                <a:ea typeface="游ゴシック" panose="020B0400000000000000" pitchFamily="50" charset="-128"/>
+                <a:cs typeface="+mn-cs"/>
+              </a:rPr>
+              <a:t>A</a:t>
+            </a:r>
+            <a:r>
+              <a:rPr kumimoji="1" lang="ja-JP" altLang="en-US" sz="1400" b="0" i="0" u="none" strike="noStrike" kern="1200" cap="none" spc="0" normalizeH="0" baseline="0" noProof="0" dirty="0">
+                <a:ln>
+                  <a:noFill/>
+                </a:ln>
+                <a:solidFill>
+                  <a:prstClr val="black"/>
+                </a:solidFill>
+                <a:effectLst/>
+                <a:uLnTx/>
+                <a:uFillTx/>
+                <a:latin typeface="游ゴシック" panose="020F0502020204030204"/>
+                <a:ea typeface="游ゴシック" panose="020B0400000000000000" pitchFamily="50" charset="-128"/>
+                <a:cs typeface="+mn-cs"/>
+              </a:rPr>
+              <a:t>保持</a:t>
+            </a:r>
+            <a:endParaRPr kumimoji="1" lang="ja-JP" altLang="en-US" dirty="0"/>
+          </a:p>
+        </p:txBody>
+      </p:sp>
+      <p:sp>
+        <p:nvSpPr>
+          <p:cNvPr id="62" name="矢印: 右 61">
+            <a:extLst>
+              <a:ext uri="{FF2B5EF4-FFF2-40B4-BE49-F238E27FC236}">
+                <a16:creationId xmlns:a16="http://schemas.microsoft.com/office/drawing/2014/main" id="{C5CCEB3A-27F9-53DE-FC39-0E9D97DEF434}"/>
+              </a:ext>
+            </a:extLst>
+          </p:cNvPr>
+          <p:cNvSpPr/>
+          <p:nvPr/>
+        </p:nvSpPr>
+        <p:spPr>
+          <a:xfrm rot="17569356">
+            <a:off x="5127705" y="5546203"/>
+            <a:ext cx="1721140" cy="216122"/>
+          </a:xfrm>
+          <a:prstGeom prst="rightArrow">
+            <a:avLst/>
+          </a:prstGeom>
+        </p:spPr>
+        <p:style>
+          <a:lnRef idx="2">
+            <a:schemeClr val="accent1">
+              <a:shade val="50000"/>
+            </a:schemeClr>
+          </a:lnRef>
+          <a:fillRef idx="1">
+            <a:schemeClr val="accent1"/>
+          </a:fillRef>
+          <a:effectRef idx="0">
+            <a:schemeClr val="accent1"/>
+          </a:effectRef>
+          <a:fontRef idx="minor">
+            <a:schemeClr val="lt1"/>
+          </a:fontRef>
+        </p:style>
+        <p:txBody>
+          <a:bodyPr rtlCol="0" anchor="ctr"/>
+          <a:lstStyle/>
+          <a:p>
+            <a:pPr algn="ctr"/>
+            <a:endParaRPr kumimoji="1" lang="ja-JP" altLang="en-US" dirty="0"/>
+          </a:p>
+        </p:txBody>
+      </p:sp>
+      <p:sp>
+        <p:nvSpPr>
+          <p:cNvPr id="63" name="テキスト ボックス 62">
+            <a:extLst>
+              <a:ext uri="{FF2B5EF4-FFF2-40B4-BE49-F238E27FC236}">
+                <a16:creationId xmlns:a16="http://schemas.microsoft.com/office/drawing/2014/main" id="{44FB0551-AC5A-41FE-EEFF-CC156DE317FC}"/>
+              </a:ext>
+            </a:extLst>
+          </p:cNvPr>
+          <p:cNvSpPr txBox="1"/>
+          <p:nvPr/>
+        </p:nvSpPr>
+        <p:spPr>
+          <a:xfrm>
+            <a:off x="6559279" y="4164255"/>
+            <a:ext cx="2081814" cy="2739211"/>
+          </a:xfrm>
+          <a:prstGeom prst="rect">
+            <a:avLst/>
+          </a:prstGeom>
+          <a:noFill/>
+        </p:spPr>
+        <p:txBody>
+          <a:bodyPr wrap="square" rtlCol="0">
+            <a:spAutoFit/>
+          </a:bodyPr>
+          <a:lstStyle/>
+          <a:p>
+            <a:r>
+              <a:rPr kumimoji="1" lang="en-US" altLang="ja-JP" dirty="0"/>
+              <a:t>Fixed Update</a:t>
+            </a:r>
+          </a:p>
+          <a:p>
+            <a:r>
+              <a:rPr lang="ja-JP" altLang="en-US" sz="1400" dirty="0"/>
+              <a:t>・</a:t>
+            </a:r>
+            <a:r>
+              <a:rPr lang="en-US" altLang="ja-JP" sz="1400" dirty="0"/>
+              <a:t>T</a:t>
+            </a:r>
+            <a:r>
+              <a:rPr lang="ja-JP" altLang="en-US" sz="1400" dirty="0"/>
+              <a:t>フラグ処理</a:t>
+            </a:r>
+            <a:endParaRPr lang="en-US" altLang="ja-JP" sz="1400" dirty="0"/>
+          </a:p>
+          <a:p>
+            <a:r>
+              <a:rPr lang="ja-JP" altLang="en-US" sz="1400" dirty="0"/>
+              <a:t>物体移動量計算</a:t>
+            </a:r>
+            <a:endParaRPr lang="en-US" altLang="ja-JP" sz="1400" dirty="0"/>
+          </a:p>
+          <a:p>
+            <a:r>
+              <a:rPr lang="en-US" altLang="ja-JP" sz="1400" dirty="0"/>
+              <a:t>Pos(world</a:t>
+            </a:r>
+            <a:r>
+              <a:rPr lang="ja-JP" altLang="en-US" sz="1400" dirty="0"/>
+              <a:t>変換</a:t>
+            </a:r>
+            <a:r>
+              <a:rPr lang="en-US" altLang="ja-JP" sz="1400" dirty="0"/>
+              <a:t>)-</a:t>
+            </a:r>
+            <a:r>
+              <a:rPr lang="en-US" altLang="ja-JP" sz="1400" dirty="0" err="1"/>
+              <a:t>wpos</a:t>
+            </a:r>
+            <a:endParaRPr lang="en-US" altLang="ja-JP" sz="1400" dirty="0"/>
+          </a:p>
+          <a:p>
+            <a:r>
+              <a:rPr lang="ja-JP" altLang="en-US" sz="1400" dirty="0"/>
+              <a:t>移動量から</a:t>
+            </a:r>
+            <a:r>
+              <a:rPr lang="en-US" altLang="ja-JP" sz="1400" dirty="0"/>
+              <a:t>force</a:t>
+            </a:r>
+            <a:r>
+              <a:rPr lang="ja-JP" altLang="en-US" sz="1400" dirty="0"/>
+              <a:t>測定</a:t>
+            </a:r>
+            <a:endParaRPr lang="en-US" altLang="ja-JP" sz="1400" dirty="0"/>
+          </a:p>
+          <a:p>
+            <a:r>
+              <a:rPr lang="ja-JP" altLang="en-US" sz="1400" dirty="0"/>
+              <a:t>リスト</a:t>
+            </a:r>
+            <a:r>
+              <a:rPr lang="en-US" altLang="ja-JP" sz="1400" dirty="0"/>
+              <a:t>A</a:t>
+            </a:r>
+            <a:r>
+              <a:rPr lang="ja-JP" altLang="en-US" sz="1400" dirty="0"/>
+              <a:t>に</a:t>
+            </a:r>
+            <a:r>
+              <a:rPr lang="en-US" altLang="ja-JP" sz="1400" dirty="0"/>
+              <a:t>Add(</a:t>
+            </a:r>
+            <a:r>
+              <a:rPr lang="en-US" altLang="ja-JP" sz="1400" dirty="0" err="1"/>
+              <a:t>force,wpos</a:t>
+            </a:r>
+            <a:r>
+              <a:rPr lang="en-US" altLang="ja-JP" sz="1400" dirty="0"/>
+              <a:t>)</a:t>
+            </a:r>
+          </a:p>
+          <a:p>
+            <a:r>
+              <a:rPr lang="ja-JP" altLang="en-US" sz="1400" dirty="0"/>
+              <a:t>・</a:t>
+            </a:r>
+            <a:r>
+              <a:rPr lang="en-US" altLang="ja-JP" sz="1400" dirty="0"/>
+              <a:t>T</a:t>
+            </a:r>
+            <a:r>
+              <a:rPr lang="ja-JP" altLang="en-US" sz="1400" dirty="0"/>
+              <a:t>フラグ処理後</a:t>
+            </a:r>
+            <a:endParaRPr lang="en-US" altLang="ja-JP" sz="1400" dirty="0"/>
+          </a:p>
+          <a:p>
+            <a:r>
+              <a:rPr lang="ja-JP" altLang="en-US" sz="1400" dirty="0"/>
+              <a:t>接触地点の合力計算</a:t>
+            </a:r>
+            <a:endParaRPr lang="en-US" altLang="ja-JP" sz="1400" dirty="0"/>
+          </a:p>
+          <a:p>
+            <a:r>
+              <a:rPr lang="ja-JP" altLang="en-US" sz="1400" dirty="0"/>
+              <a:t>座標、位置変更</a:t>
+            </a:r>
+            <a:endParaRPr lang="en-US" altLang="ja-JP" sz="1400" dirty="0"/>
+          </a:p>
+          <a:p>
+            <a:r>
+              <a:rPr lang="ja-JP" altLang="en-US" sz="1400" dirty="0"/>
+              <a:t>リスト</a:t>
+            </a:r>
+            <a:r>
+              <a:rPr lang="en-US" altLang="ja-JP" sz="1400" dirty="0"/>
+              <a:t>B</a:t>
+            </a:r>
+            <a:r>
+              <a:rPr lang="ja-JP" altLang="en-US" sz="1400" dirty="0"/>
+              <a:t>に</a:t>
+            </a:r>
+            <a:r>
+              <a:rPr lang="en-US" altLang="ja-JP" sz="1400" dirty="0"/>
+              <a:t>A</a:t>
+            </a:r>
+            <a:r>
+              <a:rPr lang="ja-JP" altLang="en-US" sz="1400" dirty="0"/>
+              <a:t>コピー</a:t>
+            </a:r>
+            <a:endParaRPr lang="en-US" altLang="ja-JP" sz="1400" dirty="0"/>
+          </a:p>
+          <a:p>
+            <a:r>
+              <a:rPr lang="ja-JP" altLang="en-US" sz="1400" dirty="0"/>
+              <a:t>リスト</a:t>
+            </a:r>
+            <a:r>
+              <a:rPr lang="en-US" altLang="ja-JP" sz="1400" dirty="0"/>
+              <a:t>A</a:t>
+            </a:r>
+            <a:r>
+              <a:rPr lang="ja-JP" altLang="en-US" sz="1400" dirty="0"/>
+              <a:t>初期化</a:t>
+            </a:r>
+            <a:endParaRPr lang="en-US" altLang="ja-JP" sz="1400" dirty="0"/>
+          </a:p>
+        </p:txBody>
+      </p:sp>
+      <p:sp>
+        <p:nvSpPr>
+          <p:cNvPr id="64" name="正方形/長方形 63">
+            <a:extLst>
+              <a:ext uri="{FF2B5EF4-FFF2-40B4-BE49-F238E27FC236}">
+                <a16:creationId xmlns:a16="http://schemas.microsoft.com/office/drawing/2014/main" id="{A23E8CE6-A73B-E308-25C9-5209BB269F5B}"/>
+              </a:ext>
+            </a:extLst>
+          </p:cNvPr>
+          <p:cNvSpPr/>
+          <p:nvPr/>
+        </p:nvSpPr>
+        <p:spPr>
+          <a:xfrm rot="20949103">
+            <a:off x="9632695" y="1777754"/>
+            <a:ext cx="1563372" cy="1104150"/>
+          </a:xfrm>
+          <a:prstGeom prst="rect">
+            <a:avLst/>
+          </a:prstGeom>
+          <a:noFill/>
+        </p:spPr>
+        <p:style>
+          <a:lnRef idx="2">
+            <a:schemeClr val="accent1">
+              <a:shade val="50000"/>
+            </a:schemeClr>
+          </a:lnRef>
+          <a:fillRef idx="1">
+            <a:schemeClr val="accent1"/>
+          </a:fillRef>
+          <a:effectRef idx="0">
+            <a:schemeClr val="accent1"/>
+          </a:effectRef>
+          <a:fontRef idx="minor">
+            <a:schemeClr val="lt1"/>
+          </a:fontRef>
+        </p:style>
+        <p:txBody>
+          <a:bodyPr rtlCol="0" anchor="ctr"/>
+          <a:lstStyle/>
+          <a:p>
+            <a:pPr algn="ctr"/>
+            <a:endParaRPr kumimoji="1" lang="ja-JP" altLang="en-US"/>
+          </a:p>
+        </p:txBody>
+      </p:sp>
+      <p:sp>
+        <p:nvSpPr>
+          <p:cNvPr id="65" name="正方形/長方形 64">
+            <a:extLst>
+              <a:ext uri="{FF2B5EF4-FFF2-40B4-BE49-F238E27FC236}">
+                <a16:creationId xmlns:a16="http://schemas.microsoft.com/office/drawing/2014/main" id="{D497A172-1954-0FCD-D364-EBC4D70D70E8}"/>
+              </a:ext>
+            </a:extLst>
+          </p:cNvPr>
+          <p:cNvSpPr/>
+          <p:nvPr/>
+        </p:nvSpPr>
+        <p:spPr>
+          <a:xfrm>
+            <a:off x="9135626" y="3019158"/>
+            <a:ext cx="2912067" cy="795647"/>
+          </a:xfrm>
+          <a:prstGeom prst="rect">
+            <a:avLst/>
+          </a:prstGeom>
+          <a:noFill/>
+        </p:spPr>
+        <p:style>
+          <a:lnRef idx="2">
+            <a:schemeClr val="accent1">
+              <a:shade val="50000"/>
+            </a:schemeClr>
+          </a:lnRef>
+          <a:fillRef idx="1">
+            <a:schemeClr val="accent1"/>
+          </a:fillRef>
+          <a:effectRef idx="0">
+            <a:schemeClr val="accent1"/>
+          </a:effectRef>
+          <a:fontRef idx="minor">
+            <a:schemeClr val="lt1"/>
+          </a:fontRef>
+        </p:style>
+        <p:txBody>
+          <a:bodyPr rtlCol="0" anchor="ctr"/>
+          <a:lstStyle/>
+          <a:p>
+            <a:pPr algn="ctr"/>
+            <a:endParaRPr kumimoji="1" lang="ja-JP" altLang="en-US"/>
+          </a:p>
+        </p:txBody>
+      </p:sp>
+      <p:sp>
+        <p:nvSpPr>
+          <p:cNvPr id="66" name="楕円 65">
+            <a:extLst>
+              <a:ext uri="{FF2B5EF4-FFF2-40B4-BE49-F238E27FC236}">
+                <a16:creationId xmlns:a16="http://schemas.microsoft.com/office/drawing/2014/main" id="{8E8D7F0D-FB22-634D-EFAA-73AF720E6E93}"/>
+              </a:ext>
+            </a:extLst>
+          </p:cNvPr>
+          <p:cNvSpPr/>
+          <p:nvPr/>
+        </p:nvSpPr>
+        <p:spPr>
+          <a:xfrm>
+            <a:off x="11252273" y="2257334"/>
+            <a:ext cx="337092" cy="320727"/>
+          </a:xfrm>
+          <a:prstGeom prst="ellipse">
+            <a:avLst/>
+          </a:prstGeom>
+          <a:noFill/>
+        </p:spPr>
+        <p:style>
+          <a:lnRef idx="2">
+            <a:schemeClr val="accent1">
+              <a:shade val="50000"/>
+            </a:schemeClr>
+          </a:lnRef>
+          <a:fillRef idx="1">
+            <a:schemeClr val="accent1"/>
+          </a:fillRef>
+          <a:effectRef idx="0">
+            <a:schemeClr val="accent1"/>
+          </a:effectRef>
+          <a:fontRef idx="minor">
+            <a:schemeClr val="lt1"/>
+          </a:fontRef>
+        </p:style>
+        <p:txBody>
+          <a:bodyPr rtlCol="0" anchor="ctr"/>
+          <a:lstStyle/>
+          <a:p>
+            <a:pPr algn="ctr"/>
+            <a:endParaRPr kumimoji="1" lang="ja-JP" altLang="en-US" dirty="0"/>
+          </a:p>
+        </p:txBody>
+      </p:sp>
+      <p:sp>
+        <p:nvSpPr>
+          <p:cNvPr id="67" name="テキスト ボックス 66">
+            <a:extLst>
+              <a:ext uri="{FF2B5EF4-FFF2-40B4-BE49-F238E27FC236}">
+                <a16:creationId xmlns:a16="http://schemas.microsoft.com/office/drawing/2014/main" id="{6547E3E6-4F8C-CCCD-CB5B-0ABEA5A3EE3C}"/>
+              </a:ext>
+            </a:extLst>
+          </p:cNvPr>
+          <p:cNvSpPr txBox="1"/>
+          <p:nvPr/>
+        </p:nvSpPr>
+        <p:spPr>
+          <a:xfrm>
+            <a:off x="3549436" y="225591"/>
+            <a:ext cx="1632614" cy="523220"/>
+          </a:xfrm>
+          <a:prstGeom prst="rect">
+            <a:avLst/>
+          </a:prstGeom>
+          <a:noFill/>
+        </p:spPr>
+        <p:txBody>
+          <a:bodyPr wrap="square" rtlCol="0">
+            <a:spAutoFit/>
+          </a:bodyPr>
+          <a:lstStyle/>
+          <a:p>
+            <a:r>
+              <a:rPr kumimoji="1" lang="en-US" altLang="ja-JP" sz="1400" dirty="0"/>
+              <a:t>T:trigger</a:t>
+            </a:r>
+            <a:r>
+              <a:rPr kumimoji="1" lang="ja-JP" altLang="en-US" sz="1400" dirty="0"/>
+              <a:t>フラグ</a:t>
+            </a:r>
+            <a:endParaRPr kumimoji="1" lang="en-US" altLang="ja-JP" sz="1400" dirty="0"/>
+          </a:p>
+          <a:p>
+            <a:r>
+              <a:rPr lang="en-US" altLang="ja-JP" sz="1400" dirty="0"/>
+              <a:t>C:Colidder</a:t>
+            </a:r>
+            <a:r>
+              <a:rPr lang="ja-JP" altLang="en-US" sz="1400" dirty="0"/>
+              <a:t>フラグ</a:t>
+            </a:r>
+            <a:endParaRPr lang="en-US" altLang="ja-JP" sz="1400" dirty="0"/>
+          </a:p>
+        </p:txBody>
+      </p:sp>
+      <p:sp>
+        <p:nvSpPr>
+          <p:cNvPr id="69" name="テキスト ボックス 68">
+            <a:extLst>
+              <a:ext uri="{FF2B5EF4-FFF2-40B4-BE49-F238E27FC236}">
+                <a16:creationId xmlns:a16="http://schemas.microsoft.com/office/drawing/2014/main" id="{BEA70D41-E4D8-1815-8D2D-B037E15B3E8E}"/>
+              </a:ext>
+            </a:extLst>
+          </p:cNvPr>
+          <p:cNvSpPr txBox="1"/>
+          <p:nvPr/>
+        </p:nvSpPr>
+        <p:spPr>
+          <a:xfrm>
+            <a:off x="6138785" y="225591"/>
+            <a:ext cx="2890420" cy="954107"/>
+          </a:xfrm>
+          <a:prstGeom prst="rect">
+            <a:avLst/>
+          </a:prstGeom>
+          <a:noFill/>
+        </p:spPr>
+        <p:txBody>
+          <a:bodyPr wrap="square" rtlCol="0">
+            <a:spAutoFit/>
+          </a:bodyPr>
+          <a:lstStyle/>
+          <a:p>
+            <a:r>
+              <a:rPr lang="ja-JP" altLang="en-US" sz="1400" dirty="0"/>
+              <a:t>変数</a:t>
+            </a:r>
+            <a:endParaRPr lang="en-US" altLang="ja-JP" sz="1400" dirty="0"/>
+          </a:p>
+          <a:p>
+            <a:r>
+              <a:rPr lang="en-US" altLang="ja-JP" sz="1400" dirty="0"/>
+              <a:t>(Vector3,Vector3)  </a:t>
+            </a:r>
+            <a:r>
+              <a:rPr lang="ja-JP" altLang="en-US" sz="1400" dirty="0"/>
+              <a:t>リスト</a:t>
+            </a:r>
+            <a:r>
+              <a:rPr lang="en-US" altLang="ja-JP" sz="1400" dirty="0"/>
+              <a:t>A,B</a:t>
+            </a:r>
+          </a:p>
+          <a:p>
+            <a:r>
+              <a:rPr lang="en-US" altLang="ja-JP" sz="1400" dirty="0"/>
+              <a:t>Bool  T,C</a:t>
+            </a:r>
+          </a:p>
+          <a:p>
+            <a:r>
+              <a:rPr lang="en-US" altLang="ja-JP" sz="1400" dirty="0"/>
+              <a:t>Vector3  pos</a:t>
+            </a:r>
+            <a:r>
+              <a:rPr lang="ja-JP" altLang="en-US" sz="1400" dirty="0"/>
+              <a:t>　</a:t>
+            </a:r>
+            <a:r>
+              <a:rPr lang="en-US" altLang="ja-JP" sz="1400" dirty="0" err="1"/>
+              <a:t>wpos</a:t>
+            </a:r>
+            <a:endParaRPr lang="en-US" altLang="ja-JP" sz="1400" dirty="0"/>
+          </a:p>
+        </p:txBody>
+      </p:sp>
+    </p:spTree>
+    <p:extLst>
+      <p:ext uri="{BB962C8B-B14F-4D97-AF65-F5344CB8AC3E}">
+        <p14:creationId xmlns:p14="http://schemas.microsoft.com/office/powerpoint/2010/main" val="3093183135"/>
       </p:ext>
     </p:extLst>
   </p:cSld>
